--- a/show.pptx
+++ b/show.pptx
@@ -5,7 +5,7 @@
     <p:sldMasterId id="2147483660" r:id="rId1"/>
   </p:sldMasterIdLst>
   <p:notesMasterIdLst>
-    <p:notesMasterId r:id="rId20"/>
+    <p:notesMasterId r:id="rId15"/>
   </p:notesMasterIdLst>
   <p:sldIdLst>
     <p:sldId id="256" r:id="rId2"/>
@@ -18,16 +18,11 @@
     <p:sldId id="294" r:id="rId9"/>
     <p:sldId id="287" r:id="rId10"/>
     <p:sldId id="258" r:id="rId11"/>
-    <p:sldId id="259" r:id="rId12"/>
-    <p:sldId id="269" r:id="rId13"/>
-    <p:sldId id="260" r:id="rId14"/>
-    <p:sldId id="262" r:id="rId15"/>
-    <p:sldId id="261" r:id="rId16"/>
-    <p:sldId id="270" r:id="rId17"/>
-    <p:sldId id="288" r:id="rId18"/>
-    <p:sldId id="283" r:id="rId19"/>
+    <p:sldId id="288" r:id="rId12"/>
+    <p:sldId id="283" r:id="rId13"/>
+    <p:sldId id="295" r:id="rId14"/>
   </p:sldIdLst>
-  <p:sldSz cx="12192000" cy="6858000"/>
+  <p:sldSz cx="9144000" cy="6858000" type="screen4x3"/>
   <p:notesSz cx="6858000" cy="9144000"/>
   <p:defaultTextStyle>
     <a:defPPr>
@@ -214,7 +209,7 @@
           <a:p>
             <a:fld id="{C69632A9-B23F-4BF8-81CB-CF02AC976971}" type="datetimeFigureOut">
               <a:rPr lang="zh-CN" altLang="en-US" smtClean="0"/>
-              <a:t>2018/6/15</a:t>
+              <a:t>2018/6/16</a:t>
             </a:fld>
             <a:endParaRPr lang="zh-CN" altLang="en-US"/>
           </a:p>
@@ -232,8 +227,8 @@
         </p:nvSpPr>
         <p:spPr>
           <a:xfrm>
-            <a:off x="685800" y="1143000"/>
-            <a:ext cx="5486400" cy="3086100"/>
+            <a:off x="1371600" y="1143000"/>
+            <a:ext cx="4114800" cy="3086100"/>
           </a:xfrm>
           <a:prstGeom prst="rect">
             <a:avLst/>
@@ -508,7 +503,12 @@
             <p:ph type="sldImg"/>
           </p:nvPr>
         </p:nvSpPr>
-        <p:spPr/>
+        <p:spPr>
+          <a:xfrm>
+            <a:off x="1371600" y="1143000"/>
+            <a:ext cx="4114800" cy="3086100"/>
+          </a:xfrm>
+        </p:spPr>
       </p:sp>
       <p:sp>
         <p:nvSpPr>
@@ -592,7 +592,12 @@
             <p:ph type="sldImg"/>
           </p:nvPr>
         </p:nvSpPr>
-        <p:spPr/>
+        <p:spPr>
+          <a:xfrm>
+            <a:off x="1371600" y="1143000"/>
+            <a:ext cx="4114800" cy="3086100"/>
+          </a:xfrm>
+        </p:spPr>
       </p:sp>
       <p:sp>
         <p:nvSpPr>
@@ -640,90 +645,6 @@
     <p:extLst>
       <p:ext uri="{BB962C8B-B14F-4D97-AF65-F5344CB8AC3E}">
         <p14:creationId xmlns:p14="http://schemas.microsoft.com/office/powerpoint/2010/main" val="562658407"/>
-      </p:ext>
-    </p:extLst>
-  </p:cSld>
-  <p:clrMapOvr>
-    <a:masterClrMapping/>
-  </p:clrMapOvr>
-</p:notes>
-</file>
-
-<file path=ppt/notesSlides/notesSlide3.xml><?xml version="1.0" encoding="utf-8"?>
-<p:notes xmlns:a="http://schemas.openxmlformats.org/drawingml/2006/main" xmlns:r="http://schemas.openxmlformats.org/officeDocument/2006/relationships" xmlns:p="http://schemas.openxmlformats.org/presentationml/2006/main">
-  <p:cSld>
-    <p:spTree>
-      <p:nvGrpSpPr>
-        <p:cNvPr id="1" name=""/>
-        <p:cNvGrpSpPr/>
-        <p:nvPr/>
-      </p:nvGrpSpPr>
-      <p:grpSpPr>
-        <a:xfrm>
-          <a:off x="0" y="0"/>
-          <a:ext cx="0" cy="0"/>
-          <a:chOff x="0" y="0"/>
-          <a:chExt cx="0" cy="0"/>
-        </a:xfrm>
-      </p:grpSpPr>
-      <p:sp>
-        <p:nvSpPr>
-          <p:cNvPr id="2" name="幻灯片图像占位符 1"/>
-          <p:cNvSpPr>
-            <a:spLocks noGrp="1" noRot="1" noChangeAspect="1"/>
-          </p:cNvSpPr>
-          <p:nvPr>
-            <p:ph type="sldImg"/>
-          </p:nvPr>
-        </p:nvSpPr>
-        <p:spPr/>
-      </p:sp>
-      <p:sp>
-        <p:nvSpPr>
-          <p:cNvPr id="3" name="备注占位符 2"/>
-          <p:cNvSpPr>
-            <a:spLocks noGrp="1"/>
-          </p:cNvSpPr>
-          <p:nvPr>
-            <p:ph type="body" idx="1"/>
-          </p:nvPr>
-        </p:nvSpPr>
-        <p:spPr/>
-        <p:txBody>
-          <a:bodyPr/>
-          <a:lstStyle/>
-          <a:p>
-            <a:endParaRPr lang="zh-CN" altLang="en-US" dirty="0"/>
-          </a:p>
-        </p:txBody>
-      </p:sp>
-      <p:sp>
-        <p:nvSpPr>
-          <p:cNvPr id="4" name="灯片编号占位符 3"/>
-          <p:cNvSpPr>
-            <a:spLocks noGrp="1"/>
-          </p:cNvSpPr>
-          <p:nvPr>
-            <p:ph type="sldNum" sz="quarter" idx="10"/>
-          </p:nvPr>
-        </p:nvSpPr>
-        <p:spPr/>
-        <p:txBody>
-          <a:bodyPr/>
-          <a:lstStyle/>
-          <a:p>
-            <a:fld id="{DB420EE5-203F-4DDC-B64D-568177F40930}" type="slidenum">
-              <a:rPr lang="zh-CN" altLang="en-US" smtClean="0"/>
-              <a:t>11</a:t>
-            </a:fld>
-            <a:endParaRPr lang="zh-CN" altLang="en-US"/>
-          </a:p>
-        </p:txBody>
-      </p:sp>
-    </p:spTree>
-    <p:extLst>
-      <p:ext uri="{BB962C8B-B14F-4D97-AF65-F5344CB8AC3E}">
-        <p14:creationId xmlns:p14="http://schemas.microsoft.com/office/powerpoint/2010/main" val="3923611879"/>
       </p:ext>
     </p:extLst>
   </p:cSld>
@@ -762,8 +683,8 @@
         </p:nvSpPr>
         <p:spPr>
           <a:xfrm>
-            <a:off x="913809" y="2130847"/>
-            <a:ext cx="10364391" cy="1470050"/>
+            <a:off x="685359" y="2130847"/>
+            <a:ext cx="7773293" cy="1470050"/>
           </a:xfrm>
         </p:spPr>
         <p:txBody>
@@ -789,8 +710,8 @@
         </p:nvSpPr>
         <p:spPr>
           <a:xfrm>
-            <a:off x="1829102" y="3886647"/>
-            <a:ext cx="8533805" cy="1752450"/>
+            <a:off x="1371828" y="3886647"/>
+            <a:ext cx="6400354" cy="1752450"/>
           </a:xfrm>
         </p:spPr>
         <p:txBody>
@@ -800,35 +721,35 @@
               <a:buNone/>
               <a:defRPr/>
             </a:lvl1pPr>
-            <a:lvl2pPr marL="238043" indent="0" algn="ctr">
+            <a:lvl2pPr marL="178528" indent="0" algn="ctr">
               <a:buNone/>
               <a:defRPr/>
             </a:lvl2pPr>
-            <a:lvl3pPr marL="476085" indent="0" algn="ctr">
+            <a:lvl3pPr marL="357055" indent="0" algn="ctr">
               <a:buNone/>
               <a:defRPr/>
             </a:lvl3pPr>
-            <a:lvl4pPr marL="714129" indent="0" algn="ctr">
+            <a:lvl4pPr marL="535583" indent="0" algn="ctr">
               <a:buNone/>
               <a:defRPr/>
             </a:lvl4pPr>
-            <a:lvl5pPr marL="952171" indent="0" algn="ctr">
+            <a:lvl5pPr marL="714110" indent="0" algn="ctr">
               <a:buNone/>
               <a:defRPr/>
             </a:lvl5pPr>
-            <a:lvl6pPr marL="1190214" indent="0" algn="ctr">
+            <a:lvl6pPr marL="892639" indent="0" algn="ctr">
               <a:buNone/>
               <a:defRPr/>
             </a:lvl6pPr>
-            <a:lvl7pPr marL="1428258" indent="0" algn="ctr">
+            <a:lvl7pPr marL="1071167" indent="0" algn="ctr">
               <a:buNone/>
               <a:defRPr/>
             </a:lvl7pPr>
-            <a:lvl8pPr marL="1666300" indent="0" algn="ctr">
+            <a:lvl8pPr marL="1249694" indent="0" algn="ctr">
               <a:buNone/>
               <a:defRPr/>
             </a:lvl8pPr>
-            <a:lvl9pPr marL="1904343" indent="0" algn="ctr">
+            <a:lvl9pPr marL="1428221" indent="0" algn="ctr">
               <a:buNone/>
               <a:defRPr/>
             </a:lvl9pPr>
@@ -1010,8 +931,8 @@
         </p:nvSpPr>
         <p:spPr>
           <a:xfrm>
-            <a:off x="8548687" y="1151929"/>
-            <a:ext cx="2452688" cy="3178969"/>
+            <a:off x="6411515" y="1151934"/>
+            <a:ext cx="1839516" cy="3178969"/>
           </a:xfrm>
         </p:spPr>
         <p:txBody>
@@ -1037,8 +958,8 @@
         </p:nvSpPr>
         <p:spPr>
           <a:xfrm>
-            <a:off x="1190627" y="1151929"/>
-            <a:ext cx="7215188" cy="3178969"/>
+            <a:off x="892970" y="1151934"/>
+            <a:ext cx="5411391" cy="3178969"/>
           </a:xfrm>
         </p:spPr>
         <p:txBody>
@@ -1250,15 +1171,15 @@
         </p:nvSpPr>
         <p:spPr>
           <a:xfrm>
-            <a:off x="962922" y="4406801"/>
-            <a:ext cx="10362901" cy="1361778"/>
+            <a:off x="722193" y="4406801"/>
+            <a:ext cx="7772176" cy="1361778"/>
           </a:xfrm>
         </p:spPr>
         <p:txBody>
           <a:bodyPr anchor="t"/>
           <a:lstStyle>
             <a:lvl1pPr algn="l">
-              <a:defRPr sz="2083" b="1" cap="all"/>
+              <a:defRPr sz="1562" b="1" cap="all"/>
             </a:lvl1pPr>
           </a:lstStyle>
           <a:p>
@@ -1281,8 +1202,8 @@
         </p:nvSpPr>
         <p:spPr>
           <a:xfrm>
-            <a:off x="962922" y="2906614"/>
-            <a:ext cx="10362901" cy="1500187"/>
+            <a:off x="722193" y="2906614"/>
+            <a:ext cx="7772176" cy="1500187"/>
           </a:xfrm>
         </p:spPr>
         <p:txBody>
@@ -1290,39 +1211,39 @@
           <a:lstStyle>
             <a:lvl1pPr marL="0" indent="0">
               <a:buNone/>
-              <a:defRPr sz="1041"/>
+              <a:defRPr sz="781"/>
             </a:lvl1pPr>
-            <a:lvl2pPr marL="238043" indent="0">
+            <a:lvl2pPr marL="178528" indent="0">
               <a:buNone/>
-              <a:defRPr sz="937"/>
+              <a:defRPr sz="703"/>
             </a:lvl2pPr>
-            <a:lvl3pPr marL="476085" indent="0">
+            <a:lvl3pPr marL="357055" indent="0">
               <a:buNone/>
-              <a:defRPr sz="833"/>
+              <a:defRPr sz="625"/>
             </a:lvl3pPr>
-            <a:lvl4pPr marL="714129" indent="0">
+            <a:lvl4pPr marL="535583" indent="0">
               <a:buNone/>
-              <a:defRPr sz="729"/>
+              <a:defRPr sz="547"/>
             </a:lvl4pPr>
-            <a:lvl5pPr marL="952171" indent="0">
+            <a:lvl5pPr marL="714110" indent="0">
               <a:buNone/>
-              <a:defRPr sz="729"/>
+              <a:defRPr sz="547"/>
             </a:lvl5pPr>
-            <a:lvl6pPr marL="1190214" indent="0">
+            <a:lvl6pPr marL="892639" indent="0">
               <a:buNone/>
-              <a:defRPr sz="729"/>
+              <a:defRPr sz="547"/>
             </a:lvl6pPr>
-            <a:lvl7pPr marL="1428258" indent="0">
+            <a:lvl7pPr marL="1071167" indent="0">
               <a:buNone/>
-              <a:defRPr sz="729"/>
+              <a:defRPr sz="547"/>
             </a:lvl7pPr>
-            <a:lvl8pPr marL="1666300" indent="0">
+            <a:lvl8pPr marL="1249694" indent="0">
               <a:buNone/>
-              <a:defRPr sz="729"/>
+              <a:defRPr sz="547"/>
             </a:lvl8pPr>
-            <a:lvl9pPr marL="1904343" indent="0">
+            <a:lvl9pPr marL="1428221" indent="0">
               <a:buNone/>
-              <a:defRPr sz="729"/>
+              <a:defRPr sz="547"/>
             </a:lvl9pPr>
           </a:lstStyle>
           <a:p>
@@ -1410,39 +1331,39 @@
         </p:nvSpPr>
         <p:spPr>
           <a:xfrm>
-            <a:off x="1190631" y="3536156"/>
-            <a:ext cx="4833936" cy="794743"/>
+            <a:off x="892973" y="3536158"/>
+            <a:ext cx="3625452" cy="794743"/>
           </a:xfrm>
         </p:spPr>
         <p:txBody>
           <a:bodyPr/>
           <a:lstStyle>
             <a:lvl1pPr>
-              <a:defRPr sz="1457"/>
+              <a:defRPr sz="1093"/>
             </a:lvl1pPr>
             <a:lvl2pPr>
-              <a:defRPr sz="1249"/>
+              <a:defRPr sz="937"/>
             </a:lvl2pPr>
             <a:lvl3pPr>
-              <a:defRPr sz="1041"/>
+              <a:defRPr sz="781"/>
             </a:lvl3pPr>
             <a:lvl4pPr>
-              <a:defRPr sz="937"/>
+              <a:defRPr sz="703"/>
             </a:lvl4pPr>
             <a:lvl5pPr>
-              <a:defRPr sz="937"/>
+              <a:defRPr sz="703"/>
             </a:lvl5pPr>
             <a:lvl6pPr>
-              <a:defRPr sz="937"/>
+              <a:defRPr sz="703"/>
             </a:lvl6pPr>
             <a:lvl7pPr>
-              <a:defRPr sz="937"/>
+              <a:defRPr sz="703"/>
             </a:lvl7pPr>
             <a:lvl8pPr>
-              <a:defRPr sz="937"/>
+              <a:defRPr sz="703"/>
             </a:lvl8pPr>
             <a:lvl9pPr>
-              <a:defRPr sz="937"/>
+              <a:defRPr sz="703"/>
             </a:lvl9pPr>
           </a:lstStyle>
           <a:p>
@@ -1494,39 +1415,39 @@
         </p:nvSpPr>
         <p:spPr>
           <a:xfrm>
-            <a:off x="6167441" y="3536156"/>
-            <a:ext cx="4833936" cy="794743"/>
+            <a:off x="4625581" y="3536158"/>
+            <a:ext cx="3625452" cy="794743"/>
           </a:xfrm>
         </p:spPr>
         <p:txBody>
           <a:bodyPr/>
           <a:lstStyle>
             <a:lvl1pPr>
-              <a:defRPr sz="1457"/>
+              <a:defRPr sz="1093"/>
             </a:lvl1pPr>
             <a:lvl2pPr>
-              <a:defRPr sz="1249"/>
+              <a:defRPr sz="937"/>
             </a:lvl2pPr>
             <a:lvl3pPr>
-              <a:defRPr sz="1041"/>
+              <a:defRPr sz="781"/>
             </a:lvl3pPr>
             <a:lvl4pPr>
-              <a:defRPr sz="937"/>
+              <a:defRPr sz="703"/>
             </a:lvl4pPr>
             <a:lvl5pPr>
-              <a:defRPr sz="937"/>
+              <a:defRPr sz="703"/>
             </a:lvl5pPr>
             <a:lvl6pPr>
-              <a:defRPr sz="937"/>
+              <a:defRPr sz="703"/>
             </a:lvl6pPr>
             <a:lvl7pPr>
-              <a:defRPr sz="937"/>
+              <a:defRPr sz="703"/>
             </a:lvl7pPr>
             <a:lvl8pPr>
-              <a:defRPr sz="937"/>
+              <a:defRPr sz="703"/>
             </a:lvl8pPr>
             <a:lvl9pPr>
-              <a:defRPr sz="937"/>
+              <a:defRPr sz="703"/>
             </a:lvl9pPr>
           </a:lstStyle>
           <a:p>
@@ -1620,8 +1541,8 @@
         </p:nvSpPr>
         <p:spPr>
           <a:xfrm>
-            <a:off x="610198" y="274587"/>
-            <a:ext cx="10971609" cy="1143001"/>
+            <a:off x="457651" y="274592"/>
+            <a:ext cx="8228707" cy="1143001"/>
           </a:xfrm>
         </p:spPr>
         <p:txBody>
@@ -1651,8 +1572,8 @@
         </p:nvSpPr>
         <p:spPr>
           <a:xfrm>
-            <a:off x="610198" y="1534800"/>
-            <a:ext cx="5386089" cy="639589"/>
+            <a:off x="457651" y="1534801"/>
+            <a:ext cx="4039567" cy="639589"/>
           </a:xfrm>
         </p:spPr>
         <p:txBody>
@@ -1660,39 +1581,39 @@
           <a:lstStyle>
             <a:lvl1pPr marL="0" indent="0">
               <a:buNone/>
-              <a:defRPr sz="1249" b="1"/>
+              <a:defRPr sz="937" b="1"/>
             </a:lvl1pPr>
-            <a:lvl2pPr marL="238043" indent="0">
+            <a:lvl2pPr marL="178528" indent="0">
               <a:buNone/>
-              <a:defRPr sz="1041" b="1"/>
+              <a:defRPr sz="781" b="1"/>
             </a:lvl2pPr>
-            <a:lvl3pPr marL="476085" indent="0">
+            <a:lvl3pPr marL="357055" indent="0">
               <a:buNone/>
-              <a:defRPr sz="937" b="1"/>
+              <a:defRPr sz="703" b="1"/>
             </a:lvl3pPr>
-            <a:lvl4pPr marL="714129" indent="0">
+            <a:lvl4pPr marL="535583" indent="0">
               <a:buNone/>
-              <a:defRPr sz="833" b="1"/>
+              <a:defRPr sz="625" b="1"/>
             </a:lvl4pPr>
-            <a:lvl5pPr marL="952171" indent="0">
+            <a:lvl5pPr marL="714110" indent="0">
               <a:buNone/>
-              <a:defRPr sz="833" b="1"/>
+              <a:defRPr sz="625" b="1"/>
             </a:lvl5pPr>
-            <a:lvl6pPr marL="1190214" indent="0">
+            <a:lvl6pPr marL="892639" indent="0">
               <a:buNone/>
-              <a:defRPr sz="833" b="1"/>
+              <a:defRPr sz="625" b="1"/>
             </a:lvl6pPr>
-            <a:lvl7pPr marL="1428258" indent="0">
+            <a:lvl7pPr marL="1071167" indent="0">
               <a:buNone/>
-              <a:defRPr sz="833" b="1"/>
+              <a:defRPr sz="625" b="1"/>
             </a:lvl7pPr>
-            <a:lvl8pPr marL="1666300" indent="0">
+            <a:lvl8pPr marL="1249694" indent="0">
               <a:buNone/>
-              <a:defRPr sz="833" b="1"/>
+              <a:defRPr sz="625" b="1"/>
             </a:lvl8pPr>
-            <a:lvl9pPr marL="1904343" indent="0">
+            <a:lvl9pPr marL="1428221" indent="0">
               <a:buNone/>
-              <a:defRPr sz="833" b="1"/>
+              <a:defRPr sz="625" b="1"/>
             </a:lvl9pPr>
           </a:lstStyle>
           <a:p>
@@ -1716,39 +1637,39 @@
         </p:nvSpPr>
         <p:spPr>
           <a:xfrm>
-            <a:off x="610198" y="2174379"/>
-            <a:ext cx="5386089" cy="3951386"/>
+            <a:off x="457651" y="2174379"/>
+            <a:ext cx="4039567" cy="3951386"/>
           </a:xfrm>
         </p:spPr>
         <p:txBody>
           <a:bodyPr/>
           <a:lstStyle>
             <a:lvl1pPr>
-              <a:defRPr sz="1249"/>
+              <a:defRPr sz="937"/>
             </a:lvl1pPr>
             <a:lvl2pPr>
-              <a:defRPr sz="1041"/>
+              <a:defRPr sz="781"/>
             </a:lvl2pPr>
             <a:lvl3pPr>
-              <a:defRPr sz="937"/>
+              <a:defRPr sz="703"/>
             </a:lvl3pPr>
             <a:lvl4pPr>
-              <a:defRPr sz="833"/>
+              <a:defRPr sz="625"/>
             </a:lvl4pPr>
             <a:lvl5pPr>
-              <a:defRPr sz="833"/>
+              <a:defRPr sz="625"/>
             </a:lvl5pPr>
             <a:lvl6pPr>
-              <a:defRPr sz="833"/>
+              <a:defRPr sz="625"/>
             </a:lvl6pPr>
             <a:lvl7pPr>
-              <a:defRPr sz="833"/>
+              <a:defRPr sz="625"/>
             </a:lvl7pPr>
             <a:lvl8pPr>
-              <a:defRPr sz="833"/>
+              <a:defRPr sz="625"/>
             </a:lvl8pPr>
             <a:lvl9pPr>
-              <a:defRPr sz="833"/>
+              <a:defRPr sz="625"/>
             </a:lvl9pPr>
           </a:lstStyle>
           <a:p>
@@ -1800,8 +1721,8 @@
         </p:nvSpPr>
         <p:spPr>
           <a:xfrm>
-            <a:off x="6192744" y="1534800"/>
-            <a:ext cx="5389064" cy="639589"/>
+            <a:off x="4644558" y="1534801"/>
+            <a:ext cx="4041798" cy="639589"/>
           </a:xfrm>
         </p:spPr>
         <p:txBody>
@@ -1809,39 +1730,39 @@
           <a:lstStyle>
             <a:lvl1pPr marL="0" indent="0">
               <a:buNone/>
-              <a:defRPr sz="1249" b="1"/>
+              <a:defRPr sz="937" b="1"/>
             </a:lvl1pPr>
-            <a:lvl2pPr marL="238043" indent="0">
+            <a:lvl2pPr marL="178528" indent="0">
               <a:buNone/>
-              <a:defRPr sz="1041" b="1"/>
+              <a:defRPr sz="781" b="1"/>
             </a:lvl2pPr>
-            <a:lvl3pPr marL="476085" indent="0">
+            <a:lvl3pPr marL="357055" indent="0">
               <a:buNone/>
-              <a:defRPr sz="937" b="1"/>
+              <a:defRPr sz="703" b="1"/>
             </a:lvl3pPr>
-            <a:lvl4pPr marL="714129" indent="0">
+            <a:lvl4pPr marL="535583" indent="0">
               <a:buNone/>
-              <a:defRPr sz="833" b="1"/>
+              <a:defRPr sz="625" b="1"/>
             </a:lvl4pPr>
-            <a:lvl5pPr marL="952171" indent="0">
+            <a:lvl5pPr marL="714110" indent="0">
               <a:buNone/>
-              <a:defRPr sz="833" b="1"/>
+              <a:defRPr sz="625" b="1"/>
             </a:lvl5pPr>
-            <a:lvl6pPr marL="1190214" indent="0">
+            <a:lvl6pPr marL="892639" indent="0">
               <a:buNone/>
-              <a:defRPr sz="833" b="1"/>
+              <a:defRPr sz="625" b="1"/>
             </a:lvl6pPr>
-            <a:lvl7pPr marL="1428258" indent="0">
+            <a:lvl7pPr marL="1071167" indent="0">
               <a:buNone/>
-              <a:defRPr sz="833" b="1"/>
+              <a:defRPr sz="625" b="1"/>
             </a:lvl7pPr>
-            <a:lvl8pPr marL="1666300" indent="0">
+            <a:lvl8pPr marL="1249694" indent="0">
               <a:buNone/>
-              <a:defRPr sz="833" b="1"/>
+              <a:defRPr sz="625" b="1"/>
             </a:lvl8pPr>
-            <a:lvl9pPr marL="1904343" indent="0">
+            <a:lvl9pPr marL="1428221" indent="0">
               <a:buNone/>
-              <a:defRPr sz="833" b="1"/>
+              <a:defRPr sz="625" b="1"/>
             </a:lvl9pPr>
           </a:lstStyle>
           <a:p>
@@ -1865,39 +1786,39 @@
         </p:nvSpPr>
         <p:spPr>
           <a:xfrm>
-            <a:off x="6192744" y="2174379"/>
-            <a:ext cx="5389064" cy="3951386"/>
+            <a:off x="4644558" y="2174379"/>
+            <a:ext cx="4041798" cy="3951386"/>
           </a:xfrm>
         </p:spPr>
         <p:txBody>
           <a:bodyPr/>
           <a:lstStyle>
             <a:lvl1pPr>
-              <a:defRPr sz="1249"/>
+              <a:defRPr sz="937"/>
             </a:lvl1pPr>
             <a:lvl2pPr>
-              <a:defRPr sz="1041"/>
+              <a:defRPr sz="781"/>
             </a:lvl2pPr>
             <a:lvl3pPr>
-              <a:defRPr sz="937"/>
+              <a:defRPr sz="703"/>
             </a:lvl3pPr>
             <a:lvl4pPr>
-              <a:defRPr sz="833"/>
+              <a:defRPr sz="625"/>
             </a:lvl4pPr>
             <a:lvl5pPr>
-              <a:defRPr sz="833"/>
+              <a:defRPr sz="625"/>
             </a:lvl5pPr>
             <a:lvl6pPr>
-              <a:defRPr sz="833"/>
+              <a:defRPr sz="625"/>
             </a:lvl6pPr>
             <a:lvl7pPr>
-              <a:defRPr sz="833"/>
+              <a:defRPr sz="625"/>
             </a:lvl7pPr>
             <a:lvl8pPr>
-              <a:defRPr sz="833"/>
+              <a:defRPr sz="625"/>
             </a:lvl8pPr>
             <a:lvl9pPr>
-              <a:defRPr sz="833"/>
+              <a:defRPr sz="625"/>
             </a:lvl9pPr>
           </a:lstStyle>
           <a:p>
@@ -2097,15 +2018,15 @@
         </p:nvSpPr>
         <p:spPr>
           <a:xfrm>
-            <a:off x="610197" y="273481"/>
-            <a:ext cx="4010919" cy="1161975"/>
+            <a:off x="457650" y="273486"/>
+            <a:ext cx="3008189" cy="1161975"/>
           </a:xfrm>
         </p:spPr>
         <p:txBody>
           <a:bodyPr/>
           <a:lstStyle>
             <a:lvl1pPr algn="l">
-              <a:defRPr sz="1041" b="1"/>
+              <a:defRPr sz="781" b="1"/>
             </a:lvl1pPr>
           </a:lstStyle>
           <a:p>
@@ -2128,39 +2049,39 @@
         </p:nvSpPr>
         <p:spPr>
           <a:xfrm>
-            <a:off x="4766971" y="273473"/>
-            <a:ext cx="6814839" cy="5852294"/>
+            <a:off x="3575229" y="273473"/>
+            <a:ext cx="5111129" cy="5852294"/>
           </a:xfrm>
         </p:spPr>
         <p:txBody>
           <a:bodyPr/>
           <a:lstStyle>
             <a:lvl1pPr>
-              <a:defRPr sz="1667"/>
+              <a:defRPr sz="1250"/>
             </a:lvl1pPr>
             <a:lvl2pPr>
-              <a:defRPr sz="1457"/>
+              <a:defRPr sz="1093"/>
             </a:lvl2pPr>
             <a:lvl3pPr>
-              <a:defRPr sz="1249"/>
+              <a:defRPr sz="937"/>
             </a:lvl3pPr>
             <a:lvl4pPr>
-              <a:defRPr sz="1041"/>
+              <a:defRPr sz="781"/>
             </a:lvl4pPr>
             <a:lvl5pPr>
-              <a:defRPr sz="1041"/>
+              <a:defRPr sz="781"/>
             </a:lvl5pPr>
             <a:lvl6pPr>
-              <a:defRPr sz="1041"/>
+              <a:defRPr sz="781"/>
             </a:lvl6pPr>
             <a:lvl7pPr>
-              <a:defRPr sz="1041"/>
+              <a:defRPr sz="781"/>
             </a:lvl7pPr>
             <a:lvl8pPr>
-              <a:defRPr sz="1041"/>
+              <a:defRPr sz="781"/>
             </a:lvl8pPr>
             <a:lvl9pPr>
-              <a:defRPr sz="1041"/>
+              <a:defRPr sz="781"/>
             </a:lvl9pPr>
           </a:lstStyle>
           <a:p>
@@ -2212,8 +2133,8 @@
         </p:nvSpPr>
         <p:spPr>
           <a:xfrm>
-            <a:off x="610197" y="1435456"/>
-            <a:ext cx="4010919" cy="4690318"/>
+            <a:off x="457650" y="1435456"/>
+            <a:ext cx="3008189" cy="4690318"/>
           </a:xfrm>
         </p:spPr>
         <p:txBody>
@@ -2221,39 +2142,39 @@
           <a:lstStyle>
             <a:lvl1pPr marL="0" indent="0">
               <a:buNone/>
-              <a:defRPr sz="729"/>
+              <a:defRPr sz="547"/>
             </a:lvl1pPr>
-            <a:lvl2pPr marL="238043" indent="0">
+            <a:lvl2pPr marL="178528" indent="0">
               <a:buNone/>
-              <a:defRPr sz="625"/>
+              <a:defRPr sz="469"/>
             </a:lvl2pPr>
-            <a:lvl3pPr marL="476085" indent="0">
+            <a:lvl3pPr marL="357055" indent="0">
               <a:buNone/>
-              <a:defRPr sz="521"/>
+              <a:defRPr sz="391"/>
             </a:lvl3pPr>
-            <a:lvl4pPr marL="714129" indent="0">
+            <a:lvl4pPr marL="535583" indent="0">
               <a:buNone/>
-              <a:defRPr sz="468"/>
+              <a:defRPr sz="351"/>
             </a:lvl4pPr>
-            <a:lvl5pPr marL="952171" indent="0">
+            <a:lvl5pPr marL="714110" indent="0">
               <a:buNone/>
-              <a:defRPr sz="468"/>
+              <a:defRPr sz="351"/>
             </a:lvl5pPr>
-            <a:lvl6pPr marL="1190214" indent="0">
+            <a:lvl6pPr marL="892639" indent="0">
               <a:buNone/>
-              <a:defRPr sz="468"/>
+              <a:defRPr sz="351"/>
             </a:lvl6pPr>
-            <a:lvl7pPr marL="1428258" indent="0">
+            <a:lvl7pPr marL="1071167" indent="0">
               <a:buNone/>
-              <a:defRPr sz="468"/>
+              <a:defRPr sz="351"/>
             </a:lvl7pPr>
-            <a:lvl8pPr marL="1666300" indent="0">
+            <a:lvl8pPr marL="1249694" indent="0">
               <a:buNone/>
-              <a:defRPr sz="468"/>
+              <a:defRPr sz="351"/>
             </a:lvl8pPr>
-            <a:lvl9pPr marL="1904343" indent="0">
+            <a:lvl9pPr marL="1428221" indent="0">
               <a:buNone/>
-              <a:defRPr sz="468"/>
+              <a:defRPr sz="351"/>
             </a:lvl9pPr>
           </a:lstStyle>
           <a:p>
@@ -2319,15 +2240,15 @@
         </p:nvSpPr>
         <p:spPr>
           <a:xfrm>
-            <a:off x="2390181" y="4800823"/>
-            <a:ext cx="7314903" cy="567035"/>
+            <a:off x="1792638" y="4800828"/>
+            <a:ext cx="5486177" cy="567035"/>
           </a:xfrm>
         </p:spPr>
         <p:txBody>
           <a:bodyPr/>
           <a:lstStyle>
             <a:lvl1pPr algn="l">
-              <a:defRPr sz="1041" b="1"/>
+              <a:defRPr sz="781" b="1"/>
             </a:lvl1pPr>
           </a:lstStyle>
           <a:p>
@@ -2350,8 +2271,8 @@
         </p:nvSpPr>
         <p:spPr>
           <a:xfrm>
-            <a:off x="2390181" y="612801"/>
-            <a:ext cx="7314903" cy="4114354"/>
+            <a:off x="1792638" y="612801"/>
+            <a:ext cx="5486177" cy="4114354"/>
           </a:xfrm>
         </p:spPr>
         <p:txBody>
@@ -2359,39 +2280,39 @@
           <a:lstStyle>
             <a:lvl1pPr marL="0" indent="0">
               <a:buNone/>
-              <a:defRPr sz="1667"/>
+              <a:defRPr sz="1250"/>
             </a:lvl1pPr>
-            <a:lvl2pPr marL="238043" indent="0">
+            <a:lvl2pPr marL="178528" indent="0">
               <a:buNone/>
-              <a:defRPr sz="1457"/>
+              <a:defRPr sz="1093"/>
             </a:lvl2pPr>
-            <a:lvl3pPr marL="476085" indent="0">
+            <a:lvl3pPr marL="357055" indent="0">
               <a:buNone/>
-              <a:defRPr sz="1249"/>
+              <a:defRPr sz="937"/>
             </a:lvl3pPr>
-            <a:lvl4pPr marL="714129" indent="0">
+            <a:lvl4pPr marL="535583" indent="0">
               <a:buNone/>
-              <a:defRPr sz="1041"/>
+              <a:defRPr sz="781"/>
             </a:lvl4pPr>
-            <a:lvl5pPr marL="952171" indent="0">
+            <a:lvl5pPr marL="714110" indent="0">
               <a:buNone/>
-              <a:defRPr sz="1041"/>
+              <a:defRPr sz="781"/>
             </a:lvl5pPr>
-            <a:lvl6pPr marL="1190214" indent="0">
+            <a:lvl6pPr marL="892639" indent="0">
               <a:buNone/>
-              <a:defRPr sz="1041"/>
+              <a:defRPr sz="781"/>
             </a:lvl6pPr>
-            <a:lvl7pPr marL="1428258" indent="0">
+            <a:lvl7pPr marL="1071167" indent="0">
               <a:buNone/>
-              <a:defRPr sz="1041"/>
+              <a:defRPr sz="781"/>
             </a:lvl7pPr>
-            <a:lvl8pPr marL="1666300" indent="0">
+            <a:lvl8pPr marL="1249694" indent="0">
               <a:buNone/>
-              <a:defRPr sz="1041"/>
+              <a:defRPr sz="781"/>
             </a:lvl8pPr>
-            <a:lvl9pPr marL="1904343" indent="0">
+            <a:lvl9pPr marL="1428221" indent="0">
               <a:buNone/>
-              <a:defRPr sz="1041"/>
+              <a:defRPr sz="781"/>
             </a:lvl9pPr>
           </a:lstStyle>
           <a:p>
@@ -2417,8 +2338,8 @@
         </p:nvSpPr>
         <p:spPr>
           <a:xfrm>
-            <a:off x="2390181" y="5367859"/>
-            <a:ext cx="7314903" cy="804788"/>
+            <a:off x="1792638" y="5367859"/>
+            <a:ext cx="5486177" cy="804788"/>
           </a:xfrm>
         </p:spPr>
         <p:txBody>
@@ -2426,39 +2347,39 @@
           <a:lstStyle>
             <a:lvl1pPr marL="0" indent="0">
               <a:buNone/>
-              <a:defRPr sz="729"/>
+              <a:defRPr sz="547"/>
             </a:lvl1pPr>
-            <a:lvl2pPr marL="238043" indent="0">
+            <a:lvl2pPr marL="178528" indent="0">
               <a:buNone/>
-              <a:defRPr sz="625"/>
+              <a:defRPr sz="469"/>
             </a:lvl2pPr>
-            <a:lvl3pPr marL="476085" indent="0">
+            <a:lvl3pPr marL="357055" indent="0">
               <a:buNone/>
-              <a:defRPr sz="521"/>
+              <a:defRPr sz="391"/>
             </a:lvl3pPr>
-            <a:lvl4pPr marL="714129" indent="0">
+            <a:lvl4pPr marL="535583" indent="0">
               <a:buNone/>
-              <a:defRPr sz="468"/>
+              <a:defRPr sz="351"/>
             </a:lvl4pPr>
-            <a:lvl5pPr marL="952171" indent="0">
+            <a:lvl5pPr marL="714110" indent="0">
               <a:buNone/>
-              <a:defRPr sz="468"/>
+              <a:defRPr sz="351"/>
             </a:lvl5pPr>
-            <a:lvl6pPr marL="1190214" indent="0">
+            <a:lvl6pPr marL="892639" indent="0">
               <a:buNone/>
-              <a:defRPr sz="468"/>
+              <a:defRPr sz="351"/>
             </a:lvl6pPr>
-            <a:lvl7pPr marL="1428258" indent="0">
+            <a:lvl7pPr marL="1071167" indent="0">
               <a:buNone/>
-              <a:defRPr sz="468"/>
+              <a:defRPr sz="351"/>
             </a:lvl7pPr>
-            <a:lvl8pPr marL="1666300" indent="0">
+            <a:lvl8pPr marL="1249694" indent="0">
               <a:buNone/>
-              <a:defRPr sz="468"/>
+              <a:defRPr sz="351"/>
             </a:lvl8pPr>
-            <a:lvl9pPr marL="1904343" indent="0">
+            <a:lvl9pPr marL="1428221" indent="0">
               <a:buNone/>
-              <a:defRPr sz="468"/>
+              <a:defRPr sz="351"/>
             </a:lvl9pPr>
           </a:lstStyle>
           <a:p>
@@ -2547,8 +2468,8 @@
         </p:nvSpPr>
         <p:spPr bwMode="auto">
           <a:xfrm>
-            <a:off x="1190630" y="1151931"/>
-            <a:ext cx="9810748" cy="2321718"/>
+            <a:off x="892973" y="1151931"/>
+            <a:ext cx="7358061" cy="2321718"/>
           </a:xfrm>
           <a:prstGeom prst="rect">
             <a:avLst/>
@@ -2610,8 +2531,8 @@
         </p:nvSpPr>
         <p:spPr bwMode="auto">
           <a:xfrm>
-            <a:off x="1190630" y="3536156"/>
-            <a:ext cx="9810748" cy="794743"/>
+            <a:off x="892973" y="3536158"/>
+            <a:ext cx="7358061" cy="794743"/>
           </a:xfrm>
           <a:prstGeom prst="rect">
             <a:avLst/>
@@ -2739,7 +2660,7 @@
         <a:spcAft>
           <a:spcPct val="0"/>
         </a:spcAft>
-        <a:defRPr sz="4373" b="0" i="0">
+        <a:defRPr sz="3280" b="0" i="0">
           <a:solidFill>
             <a:schemeClr val="tx1"/>
           </a:solidFill>
@@ -2756,7 +2677,7 @@
         <a:spcAft>
           <a:spcPct val="0"/>
         </a:spcAft>
-        <a:defRPr sz="4373">
+        <a:defRPr sz="3280">
           <a:solidFill>
             <a:schemeClr val="tx1"/>
           </a:solidFill>
@@ -2773,7 +2694,7 @@
         <a:spcAft>
           <a:spcPct val="0"/>
         </a:spcAft>
-        <a:defRPr sz="4373">
+        <a:defRPr sz="3280">
           <a:solidFill>
             <a:schemeClr val="tx1"/>
           </a:solidFill>
@@ -2790,7 +2711,7 @@
         <a:spcAft>
           <a:spcPct val="0"/>
         </a:spcAft>
-        <a:defRPr sz="4373">
+        <a:defRPr sz="3280">
           <a:solidFill>
             <a:schemeClr val="tx1"/>
           </a:solidFill>
@@ -2807,7 +2728,7 @@
         <a:spcAft>
           <a:spcPct val="0"/>
         </a:spcAft>
-        <a:defRPr sz="4373">
+        <a:defRPr sz="3280">
           <a:solidFill>
             <a:schemeClr val="tx1"/>
           </a:solidFill>
@@ -2817,14 +2738,14 @@
           <a:sym typeface="Gill Sans" charset="0"/>
         </a:defRPr>
       </a:lvl5pPr>
-      <a:lvl6pPr marL="238043" algn="ctr" rtl="0" eaLnBrk="1" fontAlgn="base" hangingPunct="1">
+      <a:lvl6pPr marL="178528" algn="ctr" rtl="0" eaLnBrk="1" fontAlgn="base" hangingPunct="1">
         <a:spcBef>
           <a:spcPct val="0"/>
         </a:spcBef>
         <a:spcAft>
           <a:spcPct val="0"/>
         </a:spcAft>
-        <a:defRPr sz="4373">
+        <a:defRPr sz="3280">
           <a:solidFill>
             <a:schemeClr val="tx1"/>
           </a:solidFill>
@@ -2834,14 +2755,14 @@
           <a:sym typeface="Gill Sans" charset="0"/>
         </a:defRPr>
       </a:lvl6pPr>
-      <a:lvl7pPr marL="476085" algn="ctr" rtl="0" eaLnBrk="1" fontAlgn="base" hangingPunct="1">
+      <a:lvl7pPr marL="357055" algn="ctr" rtl="0" eaLnBrk="1" fontAlgn="base" hangingPunct="1">
         <a:spcBef>
           <a:spcPct val="0"/>
         </a:spcBef>
         <a:spcAft>
           <a:spcPct val="0"/>
         </a:spcAft>
-        <a:defRPr sz="4373">
+        <a:defRPr sz="3280">
           <a:solidFill>
             <a:schemeClr val="tx1"/>
           </a:solidFill>
@@ -2851,14 +2772,14 @@
           <a:sym typeface="Gill Sans" charset="0"/>
         </a:defRPr>
       </a:lvl7pPr>
-      <a:lvl8pPr marL="714129" algn="ctr" rtl="0" eaLnBrk="1" fontAlgn="base" hangingPunct="1">
+      <a:lvl8pPr marL="535583" algn="ctr" rtl="0" eaLnBrk="1" fontAlgn="base" hangingPunct="1">
         <a:spcBef>
           <a:spcPct val="0"/>
         </a:spcBef>
         <a:spcAft>
           <a:spcPct val="0"/>
         </a:spcAft>
-        <a:defRPr sz="4373">
+        <a:defRPr sz="3280">
           <a:solidFill>
             <a:schemeClr val="tx1"/>
           </a:solidFill>
@@ -2868,14 +2789,14 @@
           <a:sym typeface="Gill Sans" charset="0"/>
         </a:defRPr>
       </a:lvl8pPr>
-      <a:lvl9pPr marL="952171" algn="ctr" rtl="0" eaLnBrk="1" fontAlgn="base" hangingPunct="1">
+      <a:lvl9pPr marL="714110" algn="ctr" rtl="0" eaLnBrk="1" fontAlgn="base" hangingPunct="1">
         <a:spcBef>
           <a:spcPct val="0"/>
         </a:spcBef>
         <a:spcAft>
           <a:spcPct val="0"/>
         </a:spcAft>
-        <a:defRPr sz="4373">
+        <a:defRPr sz="3280">
           <a:solidFill>
             <a:schemeClr val="tx1"/>
           </a:solidFill>
@@ -2887,7 +2808,7 @@
       </a:lvl9pPr>
     </p:titleStyle>
     <p:bodyStyle>
-      <a:lvl1pPr marL="178532" indent="-178532" algn="ctr" rtl="0" eaLnBrk="1" fontAlgn="base" hangingPunct="1">
+      <a:lvl1pPr marL="133896" indent="-133896" algn="ctr" rtl="0" eaLnBrk="1" fontAlgn="base" hangingPunct="1">
         <a:spcBef>
           <a:spcPct val="0"/>
         </a:spcBef>
@@ -2895,7 +2816,7 @@
           <a:spcPct val="0"/>
         </a:spcAft>
         <a:buChar char="•"/>
-        <a:defRPr sz="1875" b="0" i="0">
+        <a:defRPr sz="1406" b="0" i="0">
           <a:solidFill>
             <a:schemeClr val="tx1"/>
           </a:solidFill>
@@ -2905,7 +2826,7 @@
           <a:sym typeface="Gill Sans" charset="0"/>
         </a:defRPr>
       </a:lvl1pPr>
-      <a:lvl2pPr marL="386820" indent="-148776" algn="ctr" rtl="0" eaLnBrk="1" fontAlgn="base" hangingPunct="1">
+      <a:lvl2pPr marL="290108" indent="-111579" algn="ctr" rtl="0" eaLnBrk="1" fontAlgn="base" hangingPunct="1">
         <a:spcBef>
           <a:spcPct val="0"/>
         </a:spcBef>
@@ -2913,7 +2834,7 @@
           <a:spcPct val="0"/>
         </a:spcAft>
         <a:buChar char="–"/>
-        <a:defRPr sz="1875" b="0" i="0">
+        <a:defRPr sz="1406" b="0" i="0">
           <a:solidFill>
             <a:schemeClr val="tx1"/>
           </a:solidFill>
@@ -2923,7 +2844,7 @@
           <a:sym typeface="Gill Sans" charset="0"/>
         </a:defRPr>
       </a:lvl2pPr>
-      <a:lvl3pPr marL="595108" indent="-119021" algn="ctr" rtl="0" eaLnBrk="1" fontAlgn="base" hangingPunct="1">
+      <a:lvl3pPr marL="446320" indent="-89264" algn="ctr" rtl="0" eaLnBrk="1" fontAlgn="base" hangingPunct="1">
         <a:spcBef>
           <a:spcPct val="0"/>
         </a:spcBef>
@@ -2931,7 +2852,7 @@
           <a:spcPct val="0"/>
         </a:spcAft>
         <a:buChar char="•"/>
-        <a:defRPr sz="1875" b="0" i="0">
+        <a:defRPr sz="1406" b="0" i="0">
           <a:solidFill>
             <a:schemeClr val="tx1"/>
           </a:solidFill>
@@ -2941,7 +2862,7 @@
           <a:sym typeface="Gill Sans" charset="0"/>
         </a:defRPr>
       </a:lvl3pPr>
-      <a:lvl4pPr marL="833150" indent="-119021" algn="ctr" rtl="0" eaLnBrk="1" fontAlgn="base" hangingPunct="1">
+      <a:lvl4pPr marL="624848" indent="-89264" algn="ctr" rtl="0" eaLnBrk="1" fontAlgn="base" hangingPunct="1">
         <a:spcBef>
           <a:spcPct val="0"/>
         </a:spcBef>
@@ -2949,7 +2870,7 @@
           <a:spcPct val="0"/>
         </a:spcAft>
         <a:buChar char="–"/>
-        <a:defRPr sz="1875" b="0" i="0">
+        <a:defRPr sz="1406" b="0" i="0">
           <a:solidFill>
             <a:schemeClr val="tx1"/>
           </a:solidFill>
@@ -2959,7 +2880,7 @@
           <a:sym typeface="Gill Sans" charset="0"/>
         </a:defRPr>
       </a:lvl4pPr>
-      <a:lvl5pPr marL="1071193" indent="-119021" algn="ctr" rtl="0" eaLnBrk="1" fontAlgn="base" hangingPunct="1">
+      <a:lvl5pPr marL="803375" indent="-89264" algn="ctr" rtl="0" eaLnBrk="1" fontAlgn="base" hangingPunct="1">
         <a:spcBef>
           <a:spcPct val="0"/>
         </a:spcBef>
@@ -2967,7 +2888,7 @@
           <a:spcPct val="0"/>
         </a:spcAft>
         <a:buChar char="»"/>
-        <a:defRPr sz="1875" b="0" i="0">
+        <a:defRPr sz="1406" b="0" i="0">
           <a:solidFill>
             <a:schemeClr val="tx1"/>
           </a:solidFill>
@@ -2977,14 +2898,14 @@
           <a:sym typeface="Gill Sans" charset="0"/>
         </a:defRPr>
       </a:lvl5pPr>
-      <a:lvl6pPr marL="238043" algn="ctr" rtl="0" eaLnBrk="1" fontAlgn="base" hangingPunct="1">
+      <a:lvl6pPr marL="178528" algn="ctr" rtl="0" eaLnBrk="1" fontAlgn="base" hangingPunct="1">
         <a:spcBef>
           <a:spcPct val="0"/>
         </a:spcBef>
         <a:spcAft>
           <a:spcPct val="0"/>
         </a:spcAft>
-        <a:defRPr sz="1875">
+        <a:defRPr sz="1406">
           <a:solidFill>
             <a:schemeClr val="tx1"/>
           </a:solidFill>
@@ -2994,14 +2915,14 @@
           <a:sym typeface="Gill Sans" charset="0"/>
         </a:defRPr>
       </a:lvl6pPr>
-      <a:lvl7pPr marL="476085" algn="ctr" rtl="0" eaLnBrk="1" fontAlgn="base" hangingPunct="1">
+      <a:lvl7pPr marL="357055" algn="ctr" rtl="0" eaLnBrk="1" fontAlgn="base" hangingPunct="1">
         <a:spcBef>
           <a:spcPct val="0"/>
         </a:spcBef>
         <a:spcAft>
           <a:spcPct val="0"/>
         </a:spcAft>
-        <a:defRPr sz="1875">
+        <a:defRPr sz="1406">
           <a:solidFill>
             <a:schemeClr val="tx1"/>
           </a:solidFill>
@@ -3011,14 +2932,14 @@
           <a:sym typeface="Gill Sans" charset="0"/>
         </a:defRPr>
       </a:lvl7pPr>
-      <a:lvl8pPr marL="714129" algn="ctr" rtl="0" eaLnBrk="1" fontAlgn="base" hangingPunct="1">
+      <a:lvl8pPr marL="535583" algn="ctr" rtl="0" eaLnBrk="1" fontAlgn="base" hangingPunct="1">
         <a:spcBef>
           <a:spcPct val="0"/>
         </a:spcBef>
         <a:spcAft>
           <a:spcPct val="0"/>
         </a:spcAft>
-        <a:defRPr sz="1875">
+        <a:defRPr sz="1406">
           <a:solidFill>
             <a:schemeClr val="tx1"/>
           </a:solidFill>
@@ -3028,14 +2949,14 @@
           <a:sym typeface="Gill Sans" charset="0"/>
         </a:defRPr>
       </a:lvl8pPr>
-      <a:lvl9pPr marL="952171" algn="ctr" rtl="0" eaLnBrk="1" fontAlgn="base" hangingPunct="1">
+      <a:lvl9pPr marL="714110" algn="ctr" rtl="0" eaLnBrk="1" fontAlgn="base" hangingPunct="1">
         <a:spcBef>
           <a:spcPct val="0"/>
         </a:spcBef>
         <a:spcAft>
           <a:spcPct val="0"/>
         </a:spcAft>
-        <a:defRPr sz="1875">
+        <a:defRPr sz="1406">
           <a:solidFill>
             <a:schemeClr val="tx1"/>
           </a:solidFill>
@@ -3050,8 +2971,8 @@
       <a:defPPr>
         <a:defRPr lang="zh-CN"/>
       </a:defPPr>
-      <a:lvl1pPr marL="0" algn="l" defTabSz="476085" rtl="0" eaLnBrk="1" latinLnBrk="0" hangingPunct="1">
-        <a:defRPr sz="937" kern="1200">
+      <a:lvl1pPr marL="0" algn="l" defTabSz="357055" rtl="0" eaLnBrk="1" latinLnBrk="0" hangingPunct="1">
+        <a:defRPr sz="703" kern="1200">
           <a:solidFill>
             <a:schemeClr val="tx1"/>
           </a:solidFill>
@@ -3060,8 +2981,8 @@
           <a:cs typeface="+mn-cs"/>
         </a:defRPr>
       </a:lvl1pPr>
-      <a:lvl2pPr marL="238043" algn="l" defTabSz="476085" rtl="0" eaLnBrk="1" latinLnBrk="0" hangingPunct="1">
-        <a:defRPr sz="937" kern="1200">
+      <a:lvl2pPr marL="178528" algn="l" defTabSz="357055" rtl="0" eaLnBrk="1" latinLnBrk="0" hangingPunct="1">
+        <a:defRPr sz="703" kern="1200">
           <a:solidFill>
             <a:schemeClr val="tx1"/>
           </a:solidFill>
@@ -3070,8 +2991,8 @@
           <a:cs typeface="+mn-cs"/>
         </a:defRPr>
       </a:lvl2pPr>
-      <a:lvl3pPr marL="476085" algn="l" defTabSz="476085" rtl="0" eaLnBrk="1" latinLnBrk="0" hangingPunct="1">
-        <a:defRPr sz="937" kern="1200">
+      <a:lvl3pPr marL="357055" algn="l" defTabSz="357055" rtl="0" eaLnBrk="1" latinLnBrk="0" hangingPunct="1">
+        <a:defRPr sz="703" kern="1200">
           <a:solidFill>
             <a:schemeClr val="tx1"/>
           </a:solidFill>
@@ -3080,8 +3001,8 @@
           <a:cs typeface="+mn-cs"/>
         </a:defRPr>
       </a:lvl3pPr>
-      <a:lvl4pPr marL="714129" algn="l" defTabSz="476085" rtl="0" eaLnBrk="1" latinLnBrk="0" hangingPunct="1">
-        <a:defRPr sz="937" kern="1200">
+      <a:lvl4pPr marL="535583" algn="l" defTabSz="357055" rtl="0" eaLnBrk="1" latinLnBrk="0" hangingPunct="1">
+        <a:defRPr sz="703" kern="1200">
           <a:solidFill>
             <a:schemeClr val="tx1"/>
           </a:solidFill>
@@ -3090,8 +3011,8 @@
           <a:cs typeface="+mn-cs"/>
         </a:defRPr>
       </a:lvl4pPr>
-      <a:lvl5pPr marL="952171" algn="l" defTabSz="476085" rtl="0" eaLnBrk="1" latinLnBrk="0" hangingPunct="1">
-        <a:defRPr sz="937" kern="1200">
+      <a:lvl5pPr marL="714110" algn="l" defTabSz="357055" rtl="0" eaLnBrk="1" latinLnBrk="0" hangingPunct="1">
+        <a:defRPr sz="703" kern="1200">
           <a:solidFill>
             <a:schemeClr val="tx1"/>
           </a:solidFill>
@@ -3100,8 +3021,8 @@
           <a:cs typeface="+mn-cs"/>
         </a:defRPr>
       </a:lvl5pPr>
-      <a:lvl6pPr marL="1190214" algn="l" defTabSz="476085" rtl="0" eaLnBrk="1" latinLnBrk="0" hangingPunct="1">
-        <a:defRPr sz="937" kern="1200">
+      <a:lvl6pPr marL="892639" algn="l" defTabSz="357055" rtl="0" eaLnBrk="1" latinLnBrk="0" hangingPunct="1">
+        <a:defRPr sz="703" kern="1200">
           <a:solidFill>
             <a:schemeClr val="tx1"/>
           </a:solidFill>
@@ -3110,8 +3031,8 @@
           <a:cs typeface="+mn-cs"/>
         </a:defRPr>
       </a:lvl6pPr>
-      <a:lvl7pPr marL="1428258" algn="l" defTabSz="476085" rtl="0" eaLnBrk="1" latinLnBrk="0" hangingPunct="1">
-        <a:defRPr sz="937" kern="1200">
+      <a:lvl7pPr marL="1071167" algn="l" defTabSz="357055" rtl="0" eaLnBrk="1" latinLnBrk="0" hangingPunct="1">
+        <a:defRPr sz="703" kern="1200">
           <a:solidFill>
             <a:schemeClr val="tx1"/>
           </a:solidFill>
@@ -3120,8 +3041,8 @@
           <a:cs typeface="+mn-cs"/>
         </a:defRPr>
       </a:lvl7pPr>
-      <a:lvl8pPr marL="1666300" algn="l" defTabSz="476085" rtl="0" eaLnBrk="1" latinLnBrk="0" hangingPunct="1">
-        <a:defRPr sz="937" kern="1200">
+      <a:lvl8pPr marL="1249694" algn="l" defTabSz="357055" rtl="0" eaLnBrk="1" latinLnBrk="0" hangingPunct="1">
+        <a:defRPr sz="703" kern="1200">
           <a:solidFill>
             <a:schemeClr val="tx1"/>
           </a:solidFill>
@@ -3130,8 +3051,8 @@
           <a:cs typeface="+mn-cs"/>
         </a:defRPr>
       </a:lvl8pPr>
-      <a:lvl9pPr marL="1904343" algn="l" defTabSz="476085" rtl="0" eaLnBrk="1" latinLnBrk="0" hangingPunct="1">
-        <a:defRPr sz="937" kern="1200">
+      <a:lvl9pPr marL="1428221" algn="l" defTabSz="357055" rtl="0" eaLnBrk="1" latinLnBrk="0" hangingPunct="1">
+        <a:defRPr sz="703" kern="1200">
           <a:solidFill>
             <a:schemeClr val="tx1"/>
           </a:solidFill>
@@ -3170,8 +3091,8 @@
         </p:nvSpPr>
         <p:spPr>
           <a:xfrm>
-            <a:off x="3541455" y="2919986"/>
-            <a:ext cx="5109091" cy="584775"/>
+            <a:off x="2656094" y="3047242"/>
+            <a:ext cx="3877985" cy="461665"/>
           </a:xfrm>
           <a:prstGeom prst="rect">
             <a:avLst/>
@@ -3185,7 +3106,7 @@
           <a:lstStyle/>
           <a:p>
             <a:r>
-              <a:rPr lang="zh-CN" altLang="en-US" sz="3200" dirty="0">
+              <a:rPr lang="zh-CN" altLang="en-US" sz="2400" dirty="0">
                 <a:latin typeface="微软雅黑" panose="020B0503020204020204" pitchFamily="34" charset="-122"/>
                 <a:ea typeface="微软雅黑" panose="020B0503020204020204" pitchFamily="34" charset="-122"/>
               </a:rPr>
@@ -3216,8 +3137,8 @@
         </p:blipFill>
         <p:spPr>
           <a:xfrm>
-            <a:off x="5647905" y="2166615"/>
-            <a:ext cx="896190" cy="536494"/>
+            <a:off x="4235930" y="2482212"/>
+            <a:ext cx="672143" cy="402371"/>
           </a:xfrm>
           <a:prstGeom prst="rect">
             <a:avLst/>
@@ -3246,8 +3167,8 @@
         </p:blipFill>
         <p:spPr>
           <a:xfrm>
-            <a:off x="0" y="3212373"/>
-            <a:ext cx="3322608" cy="6097"/>
+            <a:off x="0" y="3266531"/>
+            <a:ext cx="2491956" cy="4573"/>
           </a:xfrm>
           <a:prstGeom prst="rect">
             <a:avLst/>
@@ -3276,8 +3197,8 @@
         </p:blipFill>
         <p:spPr>
           <a:xfrm>
-            <a:off x="8855051" y="3212373"/>
-            <a:ext cx="3322608" cy="6097"/>
+            <a:off x="6641288" y="3266533"/>
+            <a:ext cx="2491956" cy="4573"/>
           </a:xfrm>
           <a:prstGeom prst="rect">
             <a:avLst/>
@@ -3298,8 +3219,8 @@
         </p:nvSpPr>
         <p:spPr>
           <a:xfrm>
-            <a:off x="2271876" y="3639531"/>
-            <a:ext cx="7648248" cy="369332"/>
+            <a:off x="1703907" y="3586898"/>
+            <a:ext cx="5785558" cy="300082"/>
           </a:xfrm>
           <a:prstGeom prst="rect">
             <a:avLst/>
@@ -3313,10 +3234,10 @@
           <a:lstStyle/>
           <a:p>
             <a:r>
-              <a:rPr lang="en-US" altLang="zh-CN" dirty="0"/>
+              <a:rPr lang="en-US" altLang="zh-CN" sz="1350" dirty="0"/>
               <a:t>NODEJS-BASED COMMUNITY INTEGRATED TOOL MANAGEMENT SYSTEM</a:t>
             </a:r>
-            <a:endParaRPr lang="zh-CN" altLang="en-US" dirty="0"/>
+            <a:endParaRPr lang="zh-CN" altLang="en-US" sz="1350" dirty="0"/>
           </a:p>
         </p:txBody>
       </p:sp>
@@ -3334,8 +3255,8 @@
         </p:nvSpPr>
         <p:spPr>
           <a:xfrm>
-            <a:off x="4448899" y="4633829"/>
-            <a:ext cx="3294202" cy="787523"/>
+            <a:off x="3336675" y="4332624"/>
+            <a:ext cx="2470652" cy="613694"/>
           </a:xfrm>
           <a:prstGeom prst="rect">
             <a:avLst/>
@@ -3442,7 +3363,7 @@
             </a:lvl9pPr>
           </a:lstStyle>
           <a:p>
-            <a:pPr marL="285750" indent="-285750" algn="ctr">
+            <a:pPr marL="214308" indent="-214308" algn="ctr">
               <a:lnSpc>
                 <a:spcPct val="150000"/>
               </a:lnSpc>
@@ -3450,7 +3371,7 @@
               <a:buChar char="n"/>
             </a:pPr>
             <a:r>
-              <a:rPr lang="zh-CN" altLang="en-US" sz="1600" dirty="0">
+              <a:rPr lang="zh-CN" altLang="en-US" sz="1200" dirty="0">
                 <a:solidFill>
                   <a:srgbClr val="FFFFFF"/>
                 </a:solidFill>
@@ -3459,7 +3380,7 @@
               </a:rPr>
               <a:t>学校名称：郑州轻工业大学</a:t>
             </a:r>
-            <a:endParaRPr lang="en-US" altLang="zh-CN" sz="1600" dirty="0">
+            <a:endParaRPr lang="en-US" altLang="zh-CN" sz="1200" dirty="0">
               <a:solidFill>
                 <a:srgbClr val="FFFFFF"/>
               </a:solidFill>
@@ -3468,7 +3389,7 @@
             </a:endParaRPr>
           </a:p>
           <a:p>
-            <a:pPr marL="285750" indent="-285750" algn="ctr">
+            <a:pPr marL="214308" indent="-214308" algn="ctr">
               <a:lnSpc>
                 <a:spcPct val="150000"/>
               </a:lnSpc>
@@ -3476,7 +3397,7 @@
               <a:buChar char="n"/>
             </a:pPr>
             <a:r>
-              <a:rPr lang="zh-CN" altLang="en-US" sz="1600" dirty="0">
+              <a:rPr lang="zh-CN" altLang="en-US" sz="1200" dirty="0">
                 <a:solidFill>
                   <a:srgbClr val="FFFFFF"/>
                 </a:solidFill>
@@ -3538,10 +3459,10 @@
         </p:nvGrpSpPr>
         <p:grpSpPr>
           <a:xfrm>
-            <a:off x="3811324" y="2770631"/>
-            <a:ext cx="5390090" cy="1316739"/>
+            <a:off x="2858494" y="2935225"/>
+            <a:ext cx="4088735" cy="987554"/>
             <a:chOff x="3687207" y="2670144"/>
-            <a:chExt cx="5390090" cy="1316739"/>
+            <a:chExt cx="5451646" cy="1316739"/>
           </a:xfrm>
         </p:grpSpPr>
         <p:sp>
@@ -3552,8 +3473,8 @@
           </p:nvSpPr>
           <p:spPr>
             <a:xfrm>
-              <a:off x="5609681" y="3036126"/>
-              <a:ext cx="3467616" cy="584775"/>
+              <a:off x="5609682" y="3036125"/>
+              <a:ext cx="3529171" cy="615553"/>
             </a:xfrm>
             <a:prstGeom prst="rect">
               <a:avLst/>
@@ -3567,7 +3488,7 @@
             <a:lstStyle/>
             <a:p>
               <a:r>
-                <a:rPr lang="zh-CN" altLang="en-US" sz="3200" dirty="0">
+                <a:rPr lang="zh-CN" altLang="en-US" sz="2400" dirty="0">
                   <a:latin typeface="微软雅黑" panose="020B0503020204020204" pitchFamily="34" charset="-122"/>
                   <a:ea typeface="微软雅黑" panose="020B0503020204020204" pitchFamily="34" charset="-122"/>
                 </a:rPr>
@@ -3607,6 +3528,1418 @@
           </p:spPr>
         </p:pic>
       </p:grpSp>
+      <p:grpSp>
+        <p:nvGrpSpPr>
+          <p:cNvPr id="5" name="组合 4">
+            <a:extLst>
+              <a:ext uri="{FF2B5EF4-FFF2-40B4-BE49-F238E27FC236}">
+                <a16:creationId xmlns:a16="http://schemas.microsoft.com/office/drawing/2014/main" id="{86CCB684-D414-418A-AB71-52EAA09DCD40}"/>
+              </a:ext>
+            </a:extLst>
+          </p:cNvPr>
+          <p:cNvGrpSpPr/>
+          <p:nvPr/>
+        </p:nvGrpSpPr>
+        <p:grpSpPr>
+          <a:xfrm>
+            <a:off x="2550718" y="2935225"/>
+            <a:ext cx="4088734" cy="987554"/>
+            <a:chOff x="3400955" y="2770631"/>
+            <a:chExt cx="5451644" cy="1316739"/>
+          </a:xfrm>
+        </p:grpSpPr>
+        <p:pic>
+          <p:nvPicPr>
+            <p:cNvPr id="6" name="图片 5">
+              <a:extLst>
+                <a:ext uri="{FF2B5EF4-FFF2-40B4-BE49-F238E27FC236}">
+                  <a16:creationId xmlns:a16="http://schemas.microsoft.com/office/drawing/2014/main" id="{0B70AE87-3E6C-40B2-8292-2C154D6088AF}"/>
+                </a:ext>
+              </a:extLst>
+            </p:cNvPr>
+            <p:cNvPicPr>
+              <a:picLocks noChangeAspect="1"/>
+            </p:cNvPicPr>
+            <p:nvPr/>
+          </p:nvPicPr>
+          <p:blipFill>
+            <a:blip r:embed="rId4">
+              <a:extLst>
+                <a:ext uri="{BEBA8EAE-BF5A-486C-A8C5-ECC9F3942E4B}">
+                  <a14:imgProps xmlns:a14="http://schemas.microsoft.com/office/drawing/2010/main">
+                    <a14:imgLayer r:embed="rId5">
+                      <a14:imgEffect>
+                        <a14:backgroundRemoval t="8594" b="90234" l="9766" r="91016">
+                          <a14:foregroundMark x1="44531" y1="42578" x2="44531" y2="42578"/>
+                          <a14:foregroundMark x1="66016" y1="44531" x2="66016" y2="44531"/>
+                          <a14:foregroundMark x1="62891" y1="37891" x2="59766" y2="48828"/>
+                          <a14:foregroundMark x1="56250" y1="58594" x2="58594" y2="53125"/>
+                          <a14:foregroundMark x1="39063" y1="53125" x2="9766" y2="56641"/>
+                          <a14:foregroundMark x1="47656" y1="27344" x2="51953" y2="10938"/>
+                          <a14:foregroundMark x1="57422" y1="8594" x2="50781" y2="8594"/>
+                          <a14:foregroundMark x1="82422" y1="39063" x2="91016" y2="54297"/>
+                          <a14:foregroundMark x1="76953" y1="56641" x2="65234" y2="66406"/>
+                          <a14:foregroundMark x1="61719" y1="62109" x2="12500" y2="43750"/>
+                          <a14:foregroundMark x1="12500" y1="43750" x2="72266" y2="63672"/>
+                          <a14:foregroundMark x1="72266" y1="63672" x2="47656" y2="44531"/>
+                          <a14:foregroundMark x1="28125" y1="33594" x2="60156" y2="60938"/>
+                          <a14:foregroundMark x1="60156" y1="60938" x2="56250" y2="39063"/>
+                          <a14:foregroundMark x1="47656" y1="31641" x2="79297" y2="35938"/>
+                          <a14:foregroundMark x1="80078" y1="44531" x2="61328" y2="12500"/>
+                          <a14:foregroundMark x1="61328" y1="12500" x2="56250" y2="17578"/>
+                          <a14:foregroundMark x1="69531" y1="42578" x2="76953" y2="27344"/>
+                          <a14:foregroundMark x1="59766" y1="40234" x2="29297" y2="66016"/>
+                          <a14:foregroundMark x1="29297" y1="66016" x2="57422" y2="45703"/>
+                          <a14:foregroundMark x1="44531" y1="25000" x2="51953" y2="28125"/>
+                          <a14:foregroundMark x1="56250" y1="20703" x2="43359" y2="39063"/>
+                          <a14:foregroundMark x1="51953" y1="28125" x2="48828" y2="64453"/>
+                          <a14:foregroundMark x1="48828" y1="64453" x2="56250" y2="69531"/>
+                          <a14:foregroundMark x1="40234" y1="65234" x2="41016" y2="90234"/>
+                          <a14:foregroundMark x1="33594" y1="65234" x2="33594" y2="85938"/>
+                          <a14:foregroundMark x1="26172" y1="62109" x2="39063" y2="79297"/>
+                        </a14:backgroundRemoval>
+                      </a14:imgEffect>
+                    </a14:imgLayer>
+                  </a14:imgProps>
+                </a:ext>
+                <a:ext uri="{28A0092B-C50C-407E-A947-70E740481C1C}">
+                  <a14:useLocalDpi xmlns:a14="http://schemas.microsoft.com/office/drawing/2010/main" val="0"/>
+                </a:ext>
+              </a:extLst>
+            </a:blip>
+            <a:stretch>
+              <a:fillRect/>
+            </a:stretch>
+          </p:blipFill>
+          <p:spPr>
+            <a:xfrm>
+              <a:off x="3400955" y="2770631"/>
+              <a:ext cx="1316739" cy="1316739"/>
+            </a:xfrm>
+            <a:prstGeom prst="rect">
+              <a:avLst/>
+            </a:prstGeom>
+          </p:spPr>
+        </p:pic>
+        <p:sp>
+          <p:nvSpPr>
+            <p:cNvPr id="7" name="文本框 6">
+              <a:extLst>
+                <a:ext uri="{FF2B5EF4-FFF2-40B4-BE49-F238E27FC236}">
+                  <a16:creationId xmlns:a16="http://schemas.microsoft.com/office/drawing/2014/main" id="{3C3A1D49-CC45-4743-A095-246B17C83F9F}"/>
+                </a:ext>
+              </a:extLst>
+            </p:cNvPr>
+            <p:cNvSpPr txBox="1"/>
+            <p:nvPr/>
+          </p:nvSpPr>
+          <p:spPr>
+            <a:xfrm>
+              <a:off x="5323430" y="3136614"/>
+              <a:ext cx="3529169" cy="615553"/>
+            </a:xfrm>
+            <a:prstGeom prst="rect">
+              <a:avLst/>
+            </a:prstGeom>
+            <a:noFill/>
+          </p:spPr>
+          <p:txBody>
+            <a:bodyPr wrap="none" rtlCol="0">
+              <a:spAutoFit/>
+            </a:bodyPr>
+            <a:lstStyle/>
+            <a:p>
+              <a:r>
+                <a:rPr lang="zh-CN" altLang="en-US" sz="2400" dirty="0">
+                  <a:latin typeface="微软雅黑" panose="020B0503020204020204" pitchFamily="34" charset="-122"/>
+                  <a:ea typeface="微软雅黑" panose="020B0503020204020204" pitchFamily="34" charset="-122"/>
+                </a:rPr>
+                <a:t>社团考试管理系统</a:t>
+              </a:r>
+            </a:p>
+          </p:txBody>
+        </p:sp>
+      </p:grpSp>
+      <p:grpSp>
+        <p:nvGrpSpPr>
+          <p:cNvPr id="8" name="组合 7">
+            <a:extLst>
+              <a:ext uri="{FF2B5EF4-FFF2-40B4-BE49-F238E27FC236}">
+                <a16:creationId xmlns:a16="http://schemas.microsoft.com/office/drawing/2014/main" id="{449E9BEC-D311-4026-A2B5-DCAA8CEAB491}"/>
+              </a:ext>
+            </a:extLst>
+          </p:cNvPr>
+          <p:cNvGrpSpPr/>
+          <p:nvPr/>
+        </p:nvGrpSpPr>
+        <p:grpSpPr>
+          <a:xfrm>
+            <a:off x="2550718" y="2307501"/>
+            <a:ext cx="4088735" cy="2243000"/>
+            <a:chOff x="3467372" y="1913381"/>
+            <a:chExt cx="5451645" cy="2990666"/>
+          </a:xfrm>
+        </p:grpSpPr>
+        <p:grpSp>
+          <p:nvGrpSpPr>
+            <p:cNvPr id="9" name="组合 8">
+              <a:extLst>
+                <a:ext uri="{FF2B5EF4-FFF2-40B4-BE49-F238E27FC236}">
+                  <a16:creationId xmlns:a16="http://schemas.microsoft.com/office/drawing/2014/main" id="{7F430AD8-7D0D-4887-A793-E85C6B19965C}"/>
+                </a:ext>
+              </a:extLst>
+            </p:cNvPr>
+            <p:cNvGrpSpPr/>
+            <p:nvPr/>
+          </p:nvGrpSpPr>
+          <p:grpSpPr>
+            <a:xfrm>
+              <a:off x="3467372" y="3587308"/>
+              <a:ext cx="5451644" cy="1316739"/>
+              <a:chOff x="3400955" y="2770631"/>
+              <a:chExt cx="5451644" cy="1316739"/>
+            </a:xfrm>
+          </p:grpSpPr>
+          <p:pic>
+            <p:nvPicPr>
+              <p:cNvPr id="13" name="图片 12">
+                <a:extLst>
+                  <a:ext uri="{FF2B5EF4-FFF2-40B4-BE49-F238E27FC236}">
+                    <a16:creationId xmlns:a16="http://schemas.microsoft.com/office/drawing/2014/main" id="{ED9C3D24-A542-41A8-B407-3F1B14881808}"/>
+                  </a:ext>
+                </a:extLst>
+              </p:cNvPr>
+              <p:cNvPicPr>
+                <a:picLocks noChangeAspect="1"/>
+              </p:cNvPicPr>
+              <p:nvPr/>
+            </p:nvPicPr>
+            <p:blipFill>
+              <a:blip r:embed="rId4">
+                <a:extLst>
+                  <a:ext uri="{BEBA8EAE-BF5A-486C-A8C5-ECC9F3942E4B}">
+                    <a14:imgProps xmlns:a14="http://schemas.microsoft.com/office/drawing/2010/main">
+                      <a14:imgLayer r:embed="rId5">
+                        <a14:imgEffect>
+                          <a14:backgroundRemoval t="8594" b="90234" l="9766" r="91016">
+                            <a14:foregroundMark x1="44531" y1="42578" x2="44531" y2="42578"/>
+                            <a14:foregroundMark x1="66016" y1="44531" x2="66016" y2="44531"/>
+                            <a14:foregroundMark x1="62891" y1="37891" x2="59766" y2="48828"/>
+                            <a14:foregroundMark x1="56250" y1="58594" x2="58594" y2="53125"/>
+                            <a14:foregroundMark x1="39063" y1="53125" x2="9766" y2="56641"/>
+                            <a14:foregroundMark x1="47656" y1="27344" x2="51953" y2="10938"/>
+                            <a14:foregroundMark x1="57422" y1="8594" x2="50781" y2="8594"/>
+                            <a14:foregroundMark x1="82422" y1="39063" x2="91016" y2="54297"/>
+                            <a14:foregroundMark x1="76953" y1="56641" x2="65234" y2="66406"/>
+                            <a14:foregroundMark x1="61719" y1="62109" x2="12500" y2="43750"/>
+                            <a14:foregroundMark x1="12500" y1="43750" x2="72266" y2="63672"/>
+                            <a14:foregroundMark x1="72266" y1="63672" x2="47656" y2="44531"/>
+                            <a14:foregroundMark x1="28125" y1="33594" x2="60156" y2="60938"/>
+                            <a14:foregroundMark x1="60156" y1="60938" x2="56250" y2="39063"/>
+                            <a14:foregroundMark x1="47656" y1="31641" x2="79297" y2="35938"/>
+                            <a14:foregroundMark x1="80078" y1="44531" x2="61328" y2="12500"/>
+                            <a14:foregroundMark x1="61328" y1="12500" x2="56250" y2="17578"/>
+                            <a14:foregroundMark x1="69531" y1="42578" x2="76953" y2="27344"/>
+                            <a14:foregroundMark x1="59766" y1="40234" x2="29297" y2="66016"/>
+                            <a14:foregroundMark x1="29297" y1="66016" x2="57422" y2="45703"/>
+                            <a14:foregroundMark x1="44531" y1="25000" x2="51953" y2="28125"/>
+                            <a14:foregroundMark x1="56250" y1="20703" x2="43359" y2="39063"/>
+                            <a14:foregroundMark x1="51953" y1="28125" x2="48828" y2="64453"/>
+                            <a14:foregroundMark x1="48828" y1="64453" x2="56250" y2="69531"/>
+                            <a14:foregroundMark x1="40234" y1="65234" x2="41016" y2="90234"/>
+                            <a14:foregroundMark x1="33594" y1="65234" x2="33594" y2="85938"/>
+                            <a14:foregroundMark x1="26172" y1="62109" x2="39063" y2="79297"/>
+                          </a14:backgroundRemoval>
+                        </a14:imgEffect>
+                      </a14:imgLayer>
+                    </a14:imgProps>
+                  </a:ext>
+                  <a:ext uri="{28A0092B-C50C-407E-A947-70E740481C1C}">
+                    <a14:useLocalDpi xmlns:a14="http://schemas.microsoft.com/office/drawing/2010/main" val="0"/>
+                  </a:ext>
+                </a:extLst>
+              </a:blip>
+              <a:stretch>
+                <a:fillRect/>
+              </a:stretch>
+            </p:blipFill>
+            <p:spPr>
+              <a:xfrm>
+                <a:off x="3400955" y="2770631"/>
+                <a:ext cx="1316739" cy="1316739"/>
+              </a:xfrm>
+              <a:prstGeom prst="rect">
+                <a:avLst/>
+              </a:prstGeom>
+            </p:spPr>
+          </p:pic>
+          <p:sp>
+            <p:nvSpPr>
+              <p:cNvPr id="14" name="文本框 13">
+                <a:extLst>
+                  <a:ext uri="{FF2B5EF4-FFF2-40B4-BE49-F238E27FC236}">
+                    <a16:creationId xmlns:a16="http://schemas.microsoft.com/office/drawing/2014/main" id="{C764826F-6CDB-49E3-B38D-C5172E71787A}"/>
+                  </a:ext>
+                </a:extLst>
+              </p:cNvPr>
+              <p:cNvSpPr txBox="1"/>
+              <p:nvPr/>
+            </p:nvSpPr>
+            <p:spPr>
+              <a:xfrm>
+                <a:off x="5323430" y="3136614"/>
+                <a:ext cx="3529169" cy="615553"/>
+              </a:xfrm>
+              <a:prstGeom prst="rect">
+                <a:avLst/>
+              </a:prstGeom>
+              <a:noFill/>
+            </p:spPr>
+            <p:txBody>
+              <a:bodyPr wrap="none" rtlCol="0">
+                <a:spAutoFit/>
+              </a:bodyPr>
+              <a:lstStyle/>
+              <a:p>
+                <a:r>
+                  <a:rPr lang="zh-CN" altLang="en-US" sz="2400" dirty="0">
+                    <a:latin typeface="微软雅黑" panose="020B0503020204020204" pitchFamily="34" charset="-122"/>
+                    <a:ea typeface="微软雅黑" panose="020B0503020204020204" pitchFamily="34" charset="-122"/>
+                  </a:rPr>
+                  <a:t>社团考试管理系统</a:t>
+                </a:r>
+              </a:p>
+            </p:txBody>
+          </p:sp>
+        </p:grpSp>
+        <p:grpSp>
+          <p:nvGrpSpPr>
+            <p:cNvPr id="10" name="组合 9">
+              <a:extLst>
+                <a:ext uri="{FF2B5EF4-FFF2-40B4-BE49-F238E27FC236}">
+                  <a16:creationId xmlns:a16="http://schemas.microsoft.com/office/drawing/2014/main" id="{0F60992C-41B0-4B52-97A4-C4E0BF17D92B}"/>
+                </a:ext>
+              </a:extLst>
+            </p:cNvPr>
+            <p:cNvGrpSpPr/>
+            <p:nvPr/>
+          </p:nvGrpSpPr>
+          <p:grpSpPr>
+            <a:xfrm>
+              <a:off x="3467373" y="1913381"/>
+              <a:ext cx="5451644" cy="1316739"/>
+              <a:chOff x="3687207" y="2670144"/>
+              <a:chExt cx="5451644" cy="1316739"/>
+            </a:xfrm>
+          </p:grpSpPr>
+          <p:sp>
+            <p:nvSpPr>
+              <p:cNvPr id="11" name="文本框 10">
+                <a:extLst>
+                  <a:ext uri="{FF2B5EF4-FFF2-40B4-BE49-F238E27FC236}">
+                    <a16:creationId xmlns:a16="http://schemas.microsoft.com/office/drawing/2014/main" id="{E49D53C3-5922-4DFC-86DA-EADDAB8BF06C}"/>
+                  </a:ext>
+                </a:extLst>
+              </p:cNvPr>
+              <p:cNvSpPr txBox="1"/>
+              <p:nvPr/>
+            </p:nvSpPr>
+            <p:spPr>
+              <a:xfrm>
+                <a:off x="5609681" y="3036125"/>
+                <a:ext cx="3529170" cy="615553"/>
+              </a:xfrm>
+              <a:prstGeom prst="rect">
+                <a:avLst/>
+              </a:prstGeom>
+              <a:noFill/>
+            </p:spPr>
+            <p:txBody>
+              <a:bodyPr wrap="none" rtlCol="0">
+                <a:spAutoFit/>
+              </a:bodyPr>
+              <a:lstStyle/>
+              <a:p>
+                <a:r>
+                  <a:rPr lang="zh-CN" altLang="en-US" sz="2400" dirty="0">
+                    <a:latin typeface="微软雅黑" panose="020B0503020204020204" pitchFamily="34" charset="-122"/>
+                    <a:ea typeface="微软雅黑" panose="020B0503020204020204" pitchFamily="34" charset="-122"/>
+                  </a:rPr>
+                  <a:t>社团报名管理系统</a:t>
+                </a:r>
+              </a:p>
+            </p:txBody>
+          </p:sp>
+          <p:pic>
+            <p:nvPicPr>
+              <p:cNvPr id="12" name="图片 11">
+                <a:extLst>
+                  <a:ext uri="{FF2B5EF4-FFF2-40B4-BE49-F238E27FC236}">
+                    <a16:creationId xmlns:a16="http://schemas.microsoft.com/office/drawing/2014/main" id="{6B92AD6B-C4DA-4BD8-9317-5970EB56AF23}"/>
+                  </a:ext>
+                </a:extLst>
+              </p:cNvPr>
+              <p:cNvPicPr>
+                <a:picLocks noChangeAspect="1"/>
+              </p:cNvPicPr>
+              <p:nvPr/>
+            </p:nvPicPr>
+            <p:blipFill>
+              <a:blip r:embed="rId3">
+                <a:extLst>
+                  <a:ext uri="{28A0092B-C50C-407E-A947-70E740481C1C}">
+                    <a14:useLocalDpi xmlns:a14="http://schemas.microsoft.com/office/drawing/2010/main" val="0"/>
+                  </a:ext>
+                </a:extLst>
+              </a:blip>
+              <a:stretch>
+                <a:fillRect/>
+              </a:stretch>
+            </p:blipFill>
+            <p:spPr>
+              <a:xfrm>
+                <a:off x="3687207" y="2670144"/>
+                <a:ext cx="1316739" cy="1316739"/>
+              </a:xfrm>
+              <a:prstGeom prst="rect">
+                <a:avLst/>
+              </a:prstGeom>
+            </p:spPr>
+          </p:pic>
+        </p:grpSp>
+      </p:grpSp>
+      <p:sp>
+        <p:nvSpPr>
+          <p:cNvPr id="15" name="文本框 14">
+            <a:extLst>
+              <a:ext uri="{FF2B5EF4-FFF2-40B4-BE49-F238E27FC236}">
+                <a16:creationId xmlns:a16="http://schemas.microsoft.com/office/drawing/2014/main" id="{9B4E30B3-903B-4E54-88D2-EF4640908790}"/>
+              </a:ext>
+            </a:extLst>
+          </p:cNvPr>
+          <p:cNvSpPr txBox="1"/>
+          <p:nvPr/>
+        </p:nvSpPr>
+        <p:spPr>
+          <a:xfrm>
+            <a:off x="5340055" y="2840379"/>
+            <a:ext cx="3522118" cy="1200329"/>
+          </a:xfrm>
+          <a:prstGeom prst="rect">
+            <a:avLst/>
+          </a:prstGeom>
+          <a:noFill/>
+        </p:spPr>
+        <p:txBody>
+          <a:bodyPr wrap="none" rtlCol="0">
+            <a:spAutoFit/>
+          </a:bodyPr>
+          <a:lstStyle/>
+          <a:p>
+            <a:pPr marL="342892" indent="-342892">
+              <a:buFont typeface="Arial" panose="020B0604020202020204" pitchFamily="34" charset="0"/>
+              <a:buChar char="•"/>
+            </a:pPr>
+            <a:r>
+              <a:rPr lang="zh-CN" altLang="en-US" dirty="0">
+                <a:latin typeface="微软雅黑" panose="020B0503020204020204" pitchFamily="34" charset="-122"/>
+                <a:ea typeface="微软雅黑" panose="020B0503020204020204" pitchFamily="34" charset="-122"/>
+              </a:rPr>
+              <a:t>基于</a:t>
+            </a:r>
+            <a:r>
+              <a:rPr lang="en-US" altLang="zh-CN" dirty="0">
+                <a:latin typeface="微软雅黑" panose="020B0503020204020204" pitchFamily="34" charset="-122"/>
+                <a:ea typeface="微软雅黑" panose="020B0503020204020204" pitchFamily="34" charset="-122"/>
+              </a:rPr>
+              <a:t>ThinkPHP3.2</a:t>
+            </a:r>
+          </a:p>
+          <a:p>
+            <a:pPr marL="342892" indent="-342892">
+              <a:buFont typeface="Arial" panose="020B0604020202020204" pitchFamily="34" charset="0"/>
+              <a:buChar char="•"/>
+            </a:pPr>
+            <a:r>
+              <a:rPr lang="zh-CN" altLang="en-US" dirty="0">
+                <a:latin typeface="微软雅黑" panose="020B0503020204020204" pitchFamily="34" charset="-122"/>
+                <a:ea typeface="微软雅黑" panose="020B0503020204020204" pitchFamily="34" charset="-122"/>
+              </a:rPr>
+              <a:t>运行在</a:t>
+            </a:r>
+            <a:r>
+              <a:rPr lang="en-US" altLang="zh-CN" dirty="0">
+                <a:latin typeface="微软雅黑" panose="020B0503020204020204" pitchFamily="34" charset="-122"/>
+                <a:ea typeface="微软雅黑" panose="020B0503020204020204" pitchFamily="34" charset="-122"/>
+              </a:rPr>
+              <a:t>Linux</a:t>
+            </a:r>
+            <a:r>
+              <a:rPr lang="zh-CN" altLang="en-US" dirty="0">
+                <a:latin typeface="微软雅黑" panose="020B0503020204020204" pitchFamily="34" charset="-122"/>
+                <a:ea typeface="微软雅黑" panose="020B0503020204020204" pitchFamily="34" charset="-122"/>
+              </a:rPr>
+              <a:t>与</a:t>
+            </a:r>
+            <a:r>
+              <a:rPr lang="en-US" altLang="zh-CN" dirty="0">
+                <a:latin typeface="微软雅黑" panose="020B0503020204020204" pitchFamily="34" charset="-122"/>
+                <a:ea typeface="微软雅黑" panose="020B0503020204020204" pitchFamily="34" charset="-122"/>
+              </a:rPr>
+              <a:t>Windows</a:t>
+            </a:r>
+            <a:r>
+              <a:rPr lang="zh-CN" altLang="en-US" dirty="0">
+                <a:latin typeface="微软雅黑" panose="020B0503020204020204" pitchFamily="34" charset="-122"/>
+                <a:ea typeface="微软雅黑" panose="020B0503020204020204" pitchFamily="34" charset="-122"/>
+              </a:rPr>
+              <a:t>平台</a:t>
+            </a:r>
+            <a:endParaRPr lang="en-US" altLang="zh-CN" dirty="0">
+              <a:latin typeface="微软雅黑" panose="020B0503020204020204" pitchFamily="34" charset="-122"/>
+              <a:ea typeface="微软雅黑" panose="020B0503020204020204" pitchFamily="34" charset="-122"/>
+            </a:endParaRPr>
+          </a:p>
+          <a:p>
+            <a:pPr marL="342892" indent="-342892">
+              <a:buFont typeface="Arial" panose="020B0604020202020204" pitchFamily="34" charset="0"/>
+              <a:buChar char="•"/>
+            </a:pPr>
+            <a:r>
+              <a:rPr lang="zh-CN" altLang="en-US" dirty="0">
+                <a:latin typeface="微软雅黑" panose="020B0503020204020204" pitchFamily="34" charset="-122"/>
+                <a:ea typeface="微软雅黑" panose="020B0503020204020204" pitchFamily="34" charset="-122"/>
+              </a:rPr>
+              <a:t>使用</a:t>
+            </a:r>
+            <a:r>
+              <a:rPr lang="en-US" altLang="zh-CN" dirty="0">
+                <a:latin typeface="微软雅黑" panose="020B0503020204020204" pitchFamily="34" charset="-122"/>
+                <a:ea typeface="微软雅黑" panose="020B0503020204020204" pitchFamily="34" charset="-122"/>
+              </a:rPr>
+              <a:t>MySQL</a:t>
+            </a:r>
+            <a:r>
+              <a:rPr lang="zh-CN" altLang="en-US" dirty="0">
+                <a:latin typeface="微软雅黑" panose="020B0503020204020204" pitchFamily="34" charset="-122"/>
+                <a:ea typeface="微软雅黑" panose="020B0503020204020204" pitchFamily="34" charset="-122"/>
+              </a:rPr>
+              <a:t>数据库</a:t>
+            </a:r>
+            <a:endParaRPr lang="en-US" altLang="zh-CN" dirty="0">
+              <a:latin typeface="微软雅黑" panose="020B0503020204020204" pitchFamily="34" charset="-122"/>
+              <a:ea typeface="微软雅黑" panose="020B0503020204020204" pitchFamily="34" charset="-122"/>
+            </a:endParaRPr>
+          </a:p>
+          <a:p>
+            <a:pPr marL="342892" indent="-342892">
+              <a:buFont typeface="Arial" panose="020B0604020202020204" pitchFamily="34" charset="0"/>
+              <a:buChar char="•"/>
+            </a:pPr>
+            <a:r>
+              <a:rPr lang="zh-CN" altLang="en-US" dirty="0">
+                <a:latin typeface="微软雅黑" panose="020B0503020204020204" pitchFamily="34" charset="-122"/>
+                <a:ea typeface="微软雅黑" panose="020B0503020204020204" pitchFamily="34" charset="-122"/>
+              </a:rPr>
+              <a:t>用到</a:t>
+            </a:r>
+            <a:r>
+              <a:rPr lang="en-US" altLang="zh-CN" dirty="0">
+                <a:latin typeface="微软雅黑" panose="020B0503020204020204" pitchFamily="34" charset="-122"/>
+                <a:ea typeface="微软雅黑" panose="020B0503020204020204" pitchFamily="34" charset="-122"/>
+              </a:rPr>
+              <a:t>Bootstrap</a:t>
+            </a:r>
+            <a:r>
+              <a:rPr lang="zh-CN" altLang="en-US" dirty="0">
+                <a:latin typeface="微软雅黑" panose="020B0503020204020204" pitchFamily="34" charset="-122"/>
+                <a:ea typeface="微软雅黑" panose="020B0503020204020204" pitchFamily="34" charset="-122"/>
+              </a:rPr>
+              <a:t>框架</a:t>
+            </a:r>
+          </a:p>
+        </p:txBody>
+      </p:sp>
+      <p:grpSp>
+        <p:nvGrpSpPr>
+          <p:cNvPr id="16" name="组合 15">
+            <a:extLst>
+              <a:ext uri="{FF2B5EF4-FFF2-40B4-BE49-F238E27FC236}">
+                <a16:creationId xmlns:a16="http://schemas.microsoft.com/office/drawing/2014/main" id="{4A51BCD2-F4A7-441B-986D-46C357B2D082}"/>
+              </a:ext>
+            </a:extLst>
+          </p:cNvPr>
+          <p:cNvGrpSpPr/>
+          <p:nvPr/>
+        </p:nvGrpSpPr>
+        <p:grpSpPr>
+          <a:xfrm>
+            <a:off x="2858494" y="3147103"/>
+            <a:ext cx="4088735" cy="671064"/>
+            <a:chOff x="3811324" y="3053134"/>
+            <a:chExt cx="5451646" cy="894752"/>
+          </a:xfrm>
+        </p:grpSpPr>
+        <p:sp>
+          <p:nvSpPr>
+            <p:cNvPr id="17" name="文本框 16">
+              <a:extLst>
+                <a:ext uri="{FF2B5EF4-FFF2-40B4-BE49-F238E27FC236}">
+                  <a16:creationId xmlns:a16="http://schemas.microsoft.com/office/drawing/2014/main" id="{2C8E2D85-626A-4C96-8DBD-2E87D359D375}"/>
+                </a:ext>
+              </a:extLst>
+            </p:cNvPr>
+            <p:cNvSpPr txBox="1"/>
+            <p:nvPr/>
+          </p:nvSpPr>
+          <p:spPr>
+            <a:xfrm>
+              <a:off x="5733799" y="3208123"/>
+              <a:ext cx="3529171" cy="615553"/>
+            </a:xfrm>
+            <a:prstGeom prst="rect">
+              <a:avLst/>
+            </a:prstGeom>
+            <a:noFill/>
+          </p:spPr>
+          <p:txBody>
+            <a:bodyPr wrap="none" rtlCol="0">
+              <a:spAutoFit/>
+            </a:bodyPr>
+            <a:lstStyle/>
+            <a:p>
+              <a:r>
+                <a:rPr lang="zh-CN" altLang="en-US" sz="2400" dirty="0">
+                  <a:latin typeface="微软雅黑" panose="020B0503020204020204" pitchFamily="34" charset="-122"/>
+                  <a:ea typeface="微软雅黑" panose="020B0503020204020204" pitchFamily="34" charset="-122"/>
+                </a:rPr>
+                <a:t>社团短信群发平台</a:t>
+              </a:r>
+            </a:p>
+          </p:txBody>
+        </p:sp>
+        <p:pic>
+          <p:nvPicPr>
+            <p:cNvPr id="18" name="图片 17">
+              <a:extLst>
+                <a:ext uri="{FF2B5EF4-FFF2-40B4-BE49-F238E27FC236}">
+                  <a16:creationId xmlns:a16="http://schemas.microsoft.com/office/drawing/2014/main" id="{2D726AC3-6A7D-43E8-B435-FD107D04BB3F}"/>
+                </a:ext>
+              </a:extLst>
+            </p:cNvPr>
+            <p:cNvPicPr>
+              <a:picLocks noChangeAspect="1"/>
+            </p:cNvPicPr>
+            <p:nvPr/>
+          </p:nvPicPr>
+          <p:blipFill>
+            <a:blip r:embed="rId6">
+              <a:extLst>
+                <a:ext uri="{BEBA8EAE-BF5A-486C-A8C5-ECC9F3942E4B}">
+                  <a14:imgProps xmlns:a14="http://schemas.microsoft.com/office/drawing/2010/main">
+                    <a14:imgLayer r:embed="rId7">
+                      <a14:imgEffect>
+                        <a14:artisticPaintStrokes/>
+                      </a14:imgEffect>
+                    </a14:imgLayer>
+                  </a14:imgProps>
+                </a:ext>
+                <a:ext uri="{28A0092B-C50C-407E-A947-70E740481C1C}">
+                  <a14:useLocalDpi xmlns:a14="http://schemas.microsoft.com/office/drawing/2010/main" val="0"/>
+                </a:ext>
+              </a:extLst>
+            </a:blip>
+            <a:stretch>
+              <a:fillRect/>
+            </a:stretch>
+          </p:blipFill>
+          <p:spPr>
+            <a:xfrm>
+              <a:off x="3811324" y="3053134"/>
+              <a:ext cx="1305490" cy="894752"/>
+            </a:xfrm>
+            <a:prstGeom prst="rect">
+              <a:avLst/>
+            </a:prstGeom>
+          </p:spPr>
+        </p:pic>
+      </p:grpSp>
+      <p:grpSp>
+        <p:nvGrpSpPr>
+          <p:cNvPr id="22" name="组合 21">
+            <a:extLst>
+              <a:ext uri="{FF2B5EF4-FFF2-40B4-BE49-F238E27FC236}">
+                <a16:creationId xmlns:a16="http://schemas.microsoft.com/office/drawing/2014/main" id="{2C11BBD4-A182-4DFC-93CA-22FACB3BE76F}"/>
+              </a:ext>
+            </a:extLst>
+          </p:cNvPr>
+          <p:cNvGrpSpPr/>
+          <p:nvPr/>
+        </p:nvGrpSpPr>
+        <p:grpSpPr>
+          <a:xfrm>
+            <a:off x="2923210" y="3025433"/>
+            <a:ext cx="4024016" cy="914400"/>
+            <a:chOff x="3897614" y="2890910"/>
+            <a:chExt cx="5365354" cy="1219200"/>
+          </a:xfrm>
+        </p:grpSpPr>
+        <p:pic>
+          <p:nvPicPr>
+            <p:cNvPr id="23" name="图片 22">
+              <a:extLst>
+                <a:ext uri="{FF2B5EF4-FFF2-40B4-BE49-F238E27FC236}">
+                  <a16:creationId xmlns:a16="http://schemas.microsoft.com/office/drawing/2014/main" id="{C5DD4BAE-9570-46A5-A4F5-F55736E57080}"/>
+                </a:ext>
+              </a:extLst>
+            </p:cNvPr>
+            <p:cNvPicPr>
+              <a:picLocks noChangeAspect="1"/>
+            </p:cNvPicPr>
+            <p:nvPr/>
+          </p:nvPicPr>
+          <p:blipFill>
+            <a:blip r:embed="rId8">
+              <a:extLst>
+                <a:ext uri="{BEBA8EAE-BF5A-486C-A8C5-ECC9F3942E4B}">
+                  <a14:imgProps xmlns:a14="http://schemas.microsoft.com/office/drawing/2010/main">
+                    <a14:imgLayer r:embed="rId9">
+                      <a14:imgEffect>
+                        <a14:backgroundRemoval t="10000" b="90000" l="10000" r="90000">
+                          <a14:foregroundMark x1="43750" y1="84375" x2="53125" y2="88281"/>
+                          <a14:foregroundMark x1="38281" y1="82813" x2="70313" y2="82813"/>
+                          <a14:foregroundMark x1="87003" y1="46875" x2="88281" y2="56250"/>
+                          <a14:foregroundMark x1="85938" y1="39063" x2="86257" y2="41406"/>
+                          <a14:foregroundMark x1="89301" y1="46875" x2="86719" y2="61719"/>
+                          <a14:backgroundMark x1="92188" y1="41406" x2="92188" y2="46875"/>
+                        </a14:backgroundRemoval>
+                      </a14:imgEffect>
+                    </a14:imgLayer>
+                  </a14:imgProps>
+                </a:ext>
+                <a:ext uri="{28A0092B-C50C-407E-A947-70E740481C1C}">
+                  <a14:useLocalDpi xmlns:a14="http://schemas.microsoft.com/office/drawing/2010/main" val="0"/>
+                </a:ext>
+              </a:extLst>
+            </a:blip>
+            <a:stretch>
+              <a:fillRect/>
+            </a:stretch>
+          </p:blipFill>
+          <p:spPr>
+            <a:xfrm>
+              <a:off x="3897614" y="2890910"/>
+              <a:ext cx="1219200" cy="1219200"/>
+            </a:xfrm>
+            <a:prstGeom prst="rect">
+              <a:avLst/>
+            </a:prstGeom>
+          </p:spPr>
+        </p:pic>
+        <p:sp>
+          <p:nvSpPr>
+            <p:cNvPr id="24" name="文本框 23">
+              <a:extLst>
+                <a:ext uri="{FF2B5EF4-FFF2-40B4-BE49-F238E27FC236}">
+                  <a16:creationId xmlns:a16="http://schemas.microsoft.com/office/drawing/2014/main" id="{9BF4240B-2526-40AA-B56B-BF3C83A63FAF}"/>
+                </a:ext>
+              </a:extLst>
+            </p:cNvPr>
+            <p:cNvSpPr txBox="1"/>
+            <p:nvPr/>
+          </p:nvSpPr>
+          <p:spPr>
+            <a:xfrm>
+              <a:off x="5733798" y="3208123"/>
+              <a:ext cx="3529170" cy="615553"/>
+            </a:xfrm>
+            <a:prstGeom prst="rect">
+              <a:avLst/>
+            </a:prstGeom>
+            <a:noFill/>
+          </p:spPr>
+          <p:txBody>
+            <a:bodyPr wrap="none" rtlCol="0">
+              <a:spAutoFit/>
+            </a:bodyPr>
+            <a:lstStyle/>
+            <a:p>
+              <a:r>
+                <a:rPr lang="zh-CN" altLang="en-US" sz="2400" dirty="0">
+                  <a:latin typeface="微软雅黑" panose="020B0503020204020204" pitchFamily="34" charset="-122"/>
+                  <a:ea typeface="微软雅黑" panose="020B0503020204020204" pitchFamily="34" charset="-122"/>
+                </a:rPr>
+                <a:t>社团学习进度平台</a:t>
+              </a:r>
+            </a:p>
+          </p:txBody>
+        </p:sp>
+      </p:grpSp>
+      <p:grpSp>
+        <p:nvGrpSpPr>
+          <p:cNvPr id="25" name="组合 24">
+            <a:extLst>
+              <a:ext uri="{FF2B5EF4-FFF2-40B4-BE49-F238E27FC236}">
+                <a16:creationId xmlns:a16="http://schemas.microsoft.com/office/drawing/2014/main" id="{BFEB355B-69B3-49E2-91DC-9E4CBA41B5CF}"/>
+              </a:ext>
+            </a:extLst>
+          </p:cNvPr>
+          <p:cNvGrpSpPr/>
+          <p:nvPr/>
+        </p:nvGrpSpPr>
+        <p:grpSpPr>
+          <a:xfrm>
+            <a:off x="2926632" y="3061213"/>
+            <a:ext cx="3712819" cy="842841"/>
+            <a:chOff x="3902175" y="2938616"/>
+            <a:chExt cx="4950425" cy="1123788"/>
+          </a:xfrm>
+        </p:grpSpPr>
+        <p:pic>
+          <p:nvPicPr>
+            <p:cNvPr id="26" name="图片 25">
+              <a:extLst>
+                <a:ext uri="{FF2B5EF4-FFF2-40B4-BE49-F238E27FC236}">
+                  <a16:creationId xmlns:a16="http://schemas.microsoft.com/office/drawing/2014/main" id="{270FE679-8A14-4C34-BB91-610B4D3F8846}"/>
+                </a:ext>
+              </a:extLst>
+            </p:cNvPr>
+            <p:cNvPicPr>
+              <a:picLocks noChangeAspect="1"/>
+            </p:cNvPicPr>
+            <p:nvPr/>
+          </p:nvPicPr>
+          <p:blipFill>
+            <a:blip r:embed="rId10">
+              <a:extLst>
+                <a:ext uri="{28A0092B-C50C-407E-A947-70E740481C1C}">
+                  <a14:useLocalDpi xmlns:a14="http://schemas.microsoft.com/office/drawing/2010/main" val="0"/>
+                </a:ext>
+              </a:extLst>
+            </a:blip>
+            <a:stretch>
+              <a:fillRect/>
+            </a:stretch>
+          </p:blipFill>
+          <p:spPr>
+            <a:xfrm>
+              <a:off x="3902175" y="2938616"/>
+              <a:ext cx="1123788" cy="1123788"/>
+            </a:xfrm>
+            <a:prstGeom prst="rect">
+              <a:avLst/>
+            </a:prstGeom>
+          </p:spPr>
+        </p:pic>
+        <p:sp>
+          <p:nvSpPr>
+            <p:cNvPr id="27" name="文本框 26">
+              <a:extLst>
+                <a:ext uri="{FF2B5EF4-FFF2-40B4-BE49-F238E27FC236}">
+                  <a16:creationId xmlns:a16="http://schemas.microsoft.com/office/drawing/2014/main" id="{430AD496-C1E7-4981-9235-6DA32A812227}"/>
+                </a:ext>
+              </a:extLst>
+            </p:cNvPr>
+            <p:cNvSpPr txBox="1"/>
+            <p:nvPr/>
+          </p:nvSpPr>
+          <p:spPr>
+            <a:xfrm>
+              <a:off x="5733798" y="3208123"/>
+              <a:ext cx="3118802" cy="615553"/>
+            </a:xfrm>
+            <a:prstGeom prst="rect">
+              <a:avLst/>
+            </a:prstGeom>
+            <a:noFill/>
+          </p:spPr>
+          <p:txBody>
+            <a:bodyPr wrap="none" rtlCol="0">
+              <a:spAutoFit/>
+            </a:bodyPr>
+            <a:lstStyle/>
+            <a:p>
+              <a:r>
+                <a:rPr lang="zh-CN" altLang="en-US" sz="2400" dirty="0">
+                  <a:latin typeface="微软雅黑" panose="020B0503020204020204" pitchFamily="34" charset="-122"/>
+                  <a:ea typeface="微软雅黑" panose="020B0503020204020204" pitchFamily="34" charset="-122"/>
+                </a:rPr>
+                <a:t>社团排课班系统</a:t>
+              </a:r>
+            </a:p>
+          </p:txBody>
+        </p:sp>
+      </p:grpSp>
+      <p:grpSp>
+        <p:nvGrpSpPr>
+          <p:cNvPr id="28" name="组合 27">
+            <a:extLst>
+              <a:ext uri="{FF2B5EF4-FFF2-40B4-BE49-F238E27FC236}">
+                <a16:creationId xmlns:a16="http://schemas.microsoft.com/office/drawing/2014/main" id="{DB784D37-09C7-43FD-B29B-D2E56D1CCC93}"/>
+              </a:ext>
+            </a:extLst>
+          </p:cNvPr>
+          <p:cNvGrpSpPr/>
+          <p:nvPr/>
+        </p:nvGrpSpPr>
+        <p:grpSpPr>
+          <a:xfrm>
+            <a:off x="2550717" y="2095509"/>
+            <a:ext cx="4088734" cy="2666984"/>
+            <a:chOff x="1812169" y="2509991"/>
+            <a:chExt cx="5451643" cy="3555978"/>
+          </a:xfrm>
+        </p:grpSpPr>
+        <p:grpSp>
+          <p:nvGrpSpPr>
+            <p:cNvPr id="29" name="组合 28">
+              <a:extLst>
+                <a:ext uri="{FF2B5EF4-FFF2-40B4-BE49-F238E27FC236}">
+                  <a16:creationId xmlns:a16="http://schemas.microsoft.com/office/drawing/2014/main" id="{98E5E21F-36E3-4DD9-882E-55C47E20726D}"/>
+                </a:ext>
+              </a:extLst>
+            </p:cNvPr>
+            <p:cNvGrpSpPr/>
+            <p:nvPr/>
+          </p:nvGrpSpPr>
+          <p:grpSpPr>
+            <a:xfrm>
+              <a:off x="1812169" y="2509991"/>
+              <a:ext cx="4950424" cy="1123788"/>
+              <a:chOff x="3902175" y="2938616"/>
+              <a:chExt cx="4950424" cy="1123788"/>
+            </a:xfrm>
+          </p:grpSpPr>
+          <p:pic>
+            <p:nvPicPr>
+              <p:cNvPr id="36" name="图片 35">
+                <a:extLst>
+                  <a:ext uri="{FF2B5EF4-FFF2-40B4-BE49-F238E27FC236}">
+                    <a16:creationId xmlns:a16="http://schemas.microsoft.com/office/drawing/2014/main" id="{BC38D5A4-173B-46FB-9311-531DE5E25B7D}"/>
+                  </a:ext>
+                </a:extLst>
+              </p:cNvPr>
+              <p:cNvPicPr>
+                <a:picLocks noChangeAspect="1"/>
+              </p:cNvPicPr>
+              <p:nvPr/>
+            </p:nvPicPr>
+            <p:blipFill>
+              <a:blip r:embed="rId10">
+                <a:extLst>
+                  <a:ext uri="{28A0092B-C50C-407E-A947-70E740481C1C}">
+                    <a14:useLocalDpi xmlns:a14="http://schemas.microsoft.com/office/drawing/2010/main" val="0"/>
+                  </a:ext>
+                </a:extLst>
+              </a:blip>
+              <a:stretch>
+                <a:fillRect/>
+              </a:stretch>
+            </p:blipFill>
+            <p:spPr>
+              <a:xfrm>
+                <a:off x="3902175" y="2938616"/>
+                <a:ext cx="1123788" cy="1123788"/>
+              </a:xfrm>
+              <a:prstGeom prst="rect">
+                <a:avLst/>
+              </a:prstGeom>
+            </p:spPr>
+          </p:pic>
+          <p:sp>
+            <p:nvSpPr>
+              <p:cNvPr id="37" name="文本框 36">
+                <a:extLst>
+                  <a:ext uri="{FF2B5EF4-FFF2-40B4-BE49-F238E27FC236}">
+                    <a16:creationId xmlns:a16="http://schemas.microsoft.com/office/drawing/2014/main" id="{2DE656ED-2992-4357-BB28-27733F65ED38}"/>
+                  </a:ext>
+                </a:extLst>
+              </p:cNvPr>
+              <p:cNvSpPr txBox="1"/>
+              <p:nvPr/>
+            </p:nvSpPr>
+            <p:spPr>
+              <a:xfrm>
+                <a:off x="5733798" y="3208123"/>
+                <a:ext cx="3118801" cy="615553"/>
+              </a:xfrm>
+              <a:prstGeom prst="rect">
+                <a:avLst/>
+              </a:prstGeom>
+              <a:noFill/>
+            </p:spPr>
+            <p:txBody>
+              <a:bodyPr wrap="none" rtlCol="0">
+                <a:spAutoFit/>
+              </a:bodyPr>
+              <a:lstStyle/>
+              <a:p>
+                <a:r>
+                  <a:rPr lang="zh-CN" altLang="en-US" sz="2400" dirty="0">
+                    <a:latin typeface="微软雅黑" panose="020B0503020204020204" pitchFamily="34" charset="-122"/>
+                    <a:ea typeface="微软雅黑" panose="020B0503020204020204" pitchFamily="34" charset="-122"/>
+                  </a:rPr>
+                  <a:t>社团排值班系统</a:t>
+                </a:r>
+              </a:p>
+            </p:txBody>
+          </p:sp>
+        </p:grpSp>
+        <p:grpSp>
+          <p:nvGrpSpPr>
+            <p:cNvPr id="30" name="组合 29">
+              <a:extLst>
+                <a:ext uri="{FF2B5EF4-FFF2-40B4-BE49-F238E27FC236}">
+                  <a16:creationId xmlns:a16="http://schemas.microsoft.com/office/drawing/2014/main" id="{6648347E-85E7-4DC8-9B21-56703B4990CF}"/>
+                </a:ext>
+              </a:extLst>
+            </p:cNvPr>
+            <p:cNvGrpSpPr/>
+            <p:nvPr/>
+          </p:nvGrpSpPr>
+          <p:grpSpPr>
+            <a:xfrm>
+              <a:off x="1812169" y="3792898"/>
+              <a:ext cx="4954984" cy="1219200"/>
+              <a:chOff x="3897614" y="2890910"/>
+              <a:chExt cx="4954984" cy="1219200"/>
+            </a:xfrm>
+          </p:grpSpPr>
+          <p:pic>
+            <p:nvPicPr>
+              <p:cNvPr id="34" name="图片 33">
+                <a:extLst>
+                  <a:ext uri="{FF2B5EF4-FFF2-40B4-BE49-F238E27FC236}">
+                    <a16:creationId xmlns:a16="http://schemas.microsoft.com/office/drawing/2014/main" id="{48049543-1671-425D-B791-1BEF7C44A479}"/>
+                  </a:ext>
+                </a:extLst>
+              </p:cNvPr>
+              <p:cNvPicPr>
+                <a:picLocks noChangeAspect="1"/>
+              </p:cNvPicPr>
+              <p:nvPr/>
+            </p:nvPicPr>
+            <p:blipFill>
+              <a:blip r:embed="rId8">
+                <a:extLst>
+                  <a:ext uri="{BEBA8EAE-BF5A-486C-A8C5-ECC9F3942E4B}">
+                    <a14:imgProps xmlns:a14="http://schemas.microsoft.com/office/drawing/2010/main">
+                      <a14:imgLayer r:embed="rId9">
+                        <a14:imgEffect>
+                          <a14:backgroundRemoval t="10000" b="90000" l="10000" r="90000">
+                            <a14:foregroundMark x1="43750" y1="84375" x2="53125" y2="88281"/>
+                            <a14:foregroundMark x1="38281" y1="82813" x2="70313" y2="82813"/>
+                            <a14:foregroundMark x1="87003" y1="46875" x2="88281" y2="56250"/>
+                            <a14:foregroundMark x1="85938" y1="39063" x2="86257" y2="41406"/>
+                            <a14:foregroundMark x1="89301" y1="46875" x2="86719" y2="61719"/>
+                            <a14:backgroundMark x1="92188" y1="41406" x2="92188" y2="46875"/>
+                          </a14:backgroundRemoval>
+                        </a14:imgEffect>
+                      </a14:imgLayer>
+                    </a14:imgProps>
+                  </a:ext>
+                  <a:ext uri="{28A0092B-C50C-407E-A947-70E740481C1C}">
+                    <a14:useLocalDpi xmlns:a14="http://schemas.microsoft.com/office/drawing/2010/main" val="0"/>
+                  </a:ext>
+                </a:extLst>
+              </a:blip>
+              <a:stretch>
+                <a:fillRect/>
+              </a:stretch>
+            </p:blipFill>
+            <p:spPr>
+              <a:xfrm>
+                <a:off x="3897614" y="2890910"/>
+                <a:ext cx="1219200" cy="1219200"/>
+              </a:xfrm>
+              <a:prstGeom prst="rect">
+                <a:avLst/>
+              </a:prstGeom>
+            </p:spPr>
+          </p:pic>
+          <p:sp>
+            <p:nvSpPr>
+              <p:cNvPr id="35" name="文本框 34">
+                <a:extLst>
+                  <a:ext uri="{FF2B5EF4-FFF2-40B4-BE49-F238E27FC236}">
+                    <a16:creationId xmlns:a16="http://schemas.microsoft.com/office/drawing/2014/main" id="{EEFF9D7E-D59A-43DC-A842-D410E7184294}"/>
+                  </a:ext>
+                </a:extLst>
+              </p:cNvPr>
+              <p:cNvSpPr txBox="1"/>
+              <p:nvPr/>
+            </p:nvSpPr>
+            <p:spPr>
+              <a:xfrm>
+                <a:off x="5733797" y="3208123"/>
+                <a:ext cx="3118801" cy="615553"/>
+              </a:xfrm>
+              <a:prstGeom prst="rect">
+                <a:avLst/>
+              </a:prstGeom>
+              <a:noFill/>
+            </p:spPr>
+            <p:txBody>
+              <a:bodyPr wrap="none" rtlCol="0">
+                <a:spAutoFit/>
+              </a:bodyPr>
+              <a:lstStyle/>
+              <a:p>
+                <a:r>
+                  <a:rPr lang="zh-CN" altLang="en-US" sz="2400" dirty="0">
+                    <a:latin typeface="微软雅黑" panose="020B0503020204020204" pitchFamily="34" charset="-122"/>
+                    <a:ea typeface="微软雅黑" panose="020B0503020204020204" pitchFamily="34" charset="-122"/>
+                  </a:rPr>
+                  <a:t>社团学进度平台</a:t>
+                </a:r>
+              </a:p>
+            </p:txBody>
+          </p:sp>
+        </p:grpSp>
+        <p:grpSp>
+          <p:nvGrpSpPr>
+            <p:cNvPr id="31" name="组合 30">
+              <a:extLst>
+                <a:ext uri="{FF2B5EF4-FFF2-40B4-BE49-F238E27FC236}">
+                  <a16:creationId xmlns:a16="http://schemas.microsoft.com/office/drawing/2014/main" id="{2ACDDB84-2482-4780-868E-4BE2088BFB54}"/>
+                </a:ext>
+              </a:extLst>
+            </p:cNvPr>
+            <p:cNvGrpSpPr/>
+            <p:nvPr/>
+          </p:nvGrpSpPr>
+          <p:grpSpPr>
+            <a:xfrm>
+              <a:off x="1812169" y="5171217"/>
+              <a:ext cx="5451643" cy="894752"/>
+              <a:chOff x="3811324" y="3053134"/>
+              <a:chExt cx="5451643" cy="894752"/>
+            </a:xfrm>
+          </p:grpSpPr>
+          <p:sp>
+            <p:nvSpPr>
+              <p:cNvPr id="32" name="文本框 31">
+                <a:extLst>
+                  <a:ext uri="{FF2B5EF4-FFF2-40B4-BE49-F238E27FC236}">
+                    <a16:creationId xmlns:a16="http://schemas.microsoft.com/office/drawing/2014/main" id="{5C0ED7DE-1210-4B80-AF70-0672538CBF6A}"/>
+                  </a:ext>
+                </a:extLst>
+              </p:cNvPr>
+              <p:cNvSpPr txBox="1"/>
+              <p:nvPr/>
+            </p:nvSpPr>
+            <p:spPr>
+              <a:xfrm>
+                <a:off x="5733798" y="3208123"/>
+                <a:ext cx="3529169" cy="615553"/>
+              </a:xfrm>
+              <a:prstGeom prst="rect">
+                <a:avLst/>
+              </a:prstGeom>
+              <a:noFill/>
+            </p:spPr>
+            <p:txBody>
+              <a:bodyPr wrap="none" rtlCol="0">
+                <a:spAutoFit/>
+              </a:bodyPr>
+              <a:lstStyle/>
+              <a:p>
+                <a:r>
+                  <a:rPr lang="zh-CN" altLang="en-US" sz="2400" dirty="0">
+                    <a:latin typeface="微软雅黑" panose="020B0503020204020204" pitchFamily="34" charset="-122"/>
+                    <a:ea typeface="微软雅黑" panose="020B0503020204020204" pitchFamily="34" charset="-122"/>
+                  </a:rPr>
+                  <a:t>社团短信群发平台</a:t>
+                </a:r>
+              </a:p>
+            </p:txBody>
+          </p:sp>
+          <p:pic>
+            <p:nvPicPr>
+              <p:cNvPr id="33" name="图片 32">
+                <a:extLst>
+                  <a:ext uri="{FF2B5EF4-FFF2-40B4-BE49-F238E27FC236}">
+                    <a16:creationId xmlns:a16="http://schemas.microsoft.com/office/drawing/2014/main" id="{E4E24E66-78D6-4A21-86B9-4451AC634DE4}"/>
+                  </a:ext>
+                </a:extLst>
+              </p:cNvPr>
+              <p:cNvPicPr>
+                <a:picLocks noChangeAspect="1"/>
+              </p:cNvPicPr>
+              <p:nvPr/>
+            </p:nvPicPr>
+            <p:blipFill>
+              <a:blip r:embed="rId6">
+                <a:extLst>
+                  <a:ext uri="{BEBA8EAE-BF5A-486C-A8C5-ECC9F3942E4B}">
+                    <a14:imgProps xmlns:a14="http://schemas.microsoft.com/office/drawing/2010/main">
+                      <a14:imgLayer r:embed="rId7">
+                        <a14:imgEffect>
+                          <a14:artisticPaintStrokes/>
+                        </a14:imgEffect>
+                      </a14:imgLayer>
+                    </a14:imgProps>
+                  </a:ext>
+                  <a:ext uri="{28A0092B-C50C-407E-A947-70E740481C1C}">
+                    <a14:useLocalDpi xmlns:a14="http://schemas.microsoft.com/office/drawing/2010/main" val="0"/>
+                  </a:ext>
+                </a:extLst>
+              </a:blip>
+              <a:stretch>
+                <a:fillRect/>
+              </a:stretch>
+            </p:blipFill>
+            <p:spPr>
+              <a:xfrm>
+                <a:off x="3811324" y="3053134"/>
+                <a:ext cx="1305490" cy="894752"/>
+              </a:xfrm>
+              <a:prstGeom prst="rect">
+                <a:avLst/>
+              </a:prstGeom>
+            </p:spPr>
+          </p:pic>
+        </p:grpSp>
+      </p:grpSp>
+      <p:sp>
+        <p:nvSpPr>
+          <p:cNvPr id="38" name="文本框 37">
+            <a:extLst>
+              <a:ext uri="{FF2B5EF4-FFF2-40B4-BE49-F238E27FC236}">
+                <a16:creationId xmlns:a16="http://schemas.microsoft.com/office/drawing/2014/main" id="{1EB12025-715C-4578-B539-B6EF6F6B64E5}"/>
+              </a:ext>
+            </a:extLst>
+          </p:cNvPr>
+          <p:cNvSpPr txBox="1"/>
+          <p:nvPr/>
+        </p:nvSpPr>
+        <p:spPr>
+          <a:xfrm>
+            <a:off x="5734280" y="2297639"/>
+            <a:ext cx="2945037" cy="2585323"/>
+          </a:xfrm>
+          <a:prstGeom prst="rect">
+            <a:avLst/>
+          </a:prstGeom>
+          <a:noFill/>
+        </p:spPr>
+        <p:txBody>
+          <a:bodyPr wrap="none" rtlCol="0">
+            <a:spAutoFit/>
+          </a:bodyPr>
+          <a:lstStyle/>
+          <a:p>
+            <a:r>
+              <a:rPr lang="zh-CN" altLang="en-US" dirty="0">
+                <a:latin typeface="微软雅黑" panose="020B0503020204020204" pitchFamily="34" charset="-122"/>
+                <a:ea typeface="微软雅黑" panose="020B0503020204020204" pitchFamily="34" charset="-122"/>
+              </a:rPr>
+              <a:t>基于</a:t>
+            </a:r>
+            <a:r>
+              <a:rPr lang="en-US" altLang="zh-CN" dirty="0">
+                <a:latin typeface="微软雅黑" panose="020B0503020204020204" pitchFamily="34" charset="-122"/>
+                <a:ea typeface="微软雅黑" panose="020B0503020204020204" pitchFamily="34" charset="-122"/>
+              </a:rPr>
+              <a:t>Node.js</a:t>
+            </a:r>
+          </a:p>
+          <a:p>
+            <a:r>
+              <a:rPr lang="zh-CN" altLang="en-US" dirty="0">
+                <a:latin typeface="微软雅黑" panose="020B0503020204020204" pitchFamily="34" charset="-122"/>
+                <a:ea typeface="微软雅黑" panose="020B0503020204020204" pitchFamily="34" charset="-122"/>
+              </a:rPr>
+              <a:t>可运行在</a:t>
+            </a:r>
+            <a:r>
+              <a:rPr lang="en-US" altLang="zh-CN" dirty="0">
+                <a:latin typeface="微软雅黑" panose="020B0503020204020204" pitchFamily="34" charset="-122"/>
+                <a:ea typeface="微软雅黑" panose="020B0503020204020204" pitchFamily="34" charset="-122"/>
+              </a:rPr>
+              <a:t>Linux</a:t>
+            </a:r>
+            <a:r>
+              <a:rPr lang="zh-CN" altLang="en-US" dirty="0">
+                <a:latin typeface="微软雅黑" panose="020B0503020204020204" pitchFamily="34" charset="-122"/>
+                <a:ea typeface="微软雅黑" panose="020B0503020204020204" pitchFamily="34" charset="-122"/>
+              </a:rPr>
+              <a:t>与</a:t>
+            </a:r>
+            <a:r>
+              <a:rPr lang="en-US" altLang="zh-CN" dirty="0">
+                <a:latin typeface="微软雅黑" panose="020B0503020204020204" pitchFamily="34" charset="-122"/>
+                <a:ea typeface="微软雅黑" panose="020B0503020204020204" pitchFamily="34" charset="-122"/>
+              </a:rPr>
+              <a:t>Windows</a:t>
+            </a:r>
+          </a:p>
+          <a:p>
+            <a:r>
+              <a:rPr lang="zh-CN" altLang="en-US" dirty="0">
+                <a:latin typeface="微软雅黑" panose="020B0503020204020204" pitchFamily="34" charset="-122"/>
+                <a:ea typeface="微软雅黑" panose="020B0503020204020204" pitchFamily="34" charset="-122"/>
+              </a:rPr>
+              <a:t>使用</a:t>
+            </a:r>
+            <a:r>
+              <a:rPr lang="en-US" altLang="zh-CN" dirty="0">
+                <a:latin typeface="微软雅黑" panose="020B0503020204020204" pitchFamily="34" charset="-122"/>
+                <a:ea typeface="微软雅黑" panose="020B0503020204020204" pitchFamily="34" charset="-122"/>
+              </a:rPr>
+              <a:t>MongoDB</a:t>
+            </a:r>
+            <a:r>
+              <a:rPr lang="zh-CN" altLang="en-US" dirty="0">
+                <a:latin typeface="微软雅黑" panose="020B0503020204020204" pitchFamily="34" charset="-122"/>
+                <a:ea typeface="微软雅黑" panose="020B0503020204020204" pitchFamily="34" charset="-122"/>
+              </a:rPr>
+              <a:t>数据库</a:t>
+            </a:r>
+            <a:endParaRPr lang="en-US" altLang="zh-CN" dirty="0">
+              <a:latin typeface="微软雅黑" panose="020B0503020204020204" pitchFamily="34" charset="-122"/>
+              <a:ea typeface="微软雅黑" panose="020B0503020204020204" pitchFamily="34" charset="-122"/>
+            </a:endParaRPr>
+          </a:p>
+          <a:p>
+            <a:r>
+              <a:rPr lang="zh-CN" altLang="en-US" dirty="0">
+                <a:latin typeface="微软雅黑" panose="020B0503020204020204" pitchFamily="34" charset="-122"/>
+                <a:ea typeface="微软雅黑" panose="020B0503020204020204" pitchFamily="34" charset="-122"/>
+              </a:rPr>
+              <a:t>使用</a:t>
+            </a:r>
+            <a:r>
+              <a:rPr lang="en-US" altLang="zh-CN" dirty="0">
+                <a:latin typeface="微软雅黑" panose="020B0503020204020204" pitchFamily="34" charset="-122"/>
+                <a:ea typeface="微软雅黑" panose="020B0503020204020204" pitchFamily="34" charset="-122"/>
+              </a:rPr>
+              <a:t>Express</a:t>
+            </a:r>
+            <a:r>
+              <a:rPr lang="zh-CN" altLang="en-US" dirty="0">
+                <a:latin typeface="微软雅黑" panose="020B0503020204020204" pitchFamily="34" charset="-122"/>
+                <a:ea typeface="微软雅黑" panose="020B0503020204020204" pitchFamily="34" charset="-122"/>
+              </a:rPr>
+              <a:t>框架</a:t>
+            </a:r>
+            <a:endParaRPr lang="en-US" altLang="zh-CN" dirty="0">
+              <a:latin typeface="微软雅黑" panose="020B0503020204020204" pitchFamily="34" charset="-122"/>
+              <a:ea typeface="微软雅黑" panose="020B0503020204020204" pitchFamily="34" charset="-122"/>
+            </a:endParaRPr>
+          </a:p>
+          <a:p>
+            <a:r>
+              <a:rPr lang="zh-CN" altLang="en-US" dirty="0">
+                <a:latin typeface="微软雅黑" panose="020B0503020204020204" pitchFamily="34" charset="-122"/>
+                <a:ea typeface="微软雅黑" panose="020B0503020204020204" pitchFamily="34" charset="-122"/>
+              </a:rPr>
+              <a:t>与</a:t>
+            </a:r>
+            <a:r>
+              <a:rPr lang="en-US" altLang="zh-CN" dirty="0">
+                <a:latin typeface="微软雅黑" panose="020B0503020204020204" pitchFamily="34" charset="-122"/>
+                <a:ea typeface="微软雅黑" panose="020B0503020204020204" pitchFamily="34" charset="-122"/>
+              </a:rPr>
+              <a:t>C</a:t>
+            </a:r>
+            <a:r>
+              <a:rPr lang="zh-CN" altLang="en-US" dirty="0">
+                <a:latin typeface="微软雅黑" panose="020B0503020204020204" pitchFamily="34" charset="-122"/>
+                <a:ea typeface="微软雅黑" panose="020B0503020204020204" pitchFamily="34" charset="-122"/>
+              </a:rPr>
+              <a:t>算法结合</a:t>
+            </a:r>
+            <a:endParaRPr lang="en-US" altLang="zh-CN" dirty="0">
+              <a:latin typeface="微软雅黑" panose="020B0503020204020204" pitchFamily="34" charset="-122"/>
+              <a:ea typeface="微软雅黑" panose="020B0503020204020204" pitchFamily="34" charset="-122"/>
+            </a:endParaRPr>
+          </a:p>
+          <a:p>
+            <a:r>
+              <a:rPr lang="zh-CN" altLang="en-US" dirty="0">
+                <a:latin typeface="微软雅黑" panose="020B0503020204020204" pitchFamily="34" charset="-122"/>
+                <a:ea typeface="微软雅黑" panose="020B0503020204020204" pitchFamily="34" charset="-122"/>
+              </a:rPr>
+              <a:t>前端使用了</a:t>
+            </a:r>
+            <a:r>
+              <a:rPr lang="en-US" altLang="zh-CN" dirty="0">
+                <a:latin typeface="微软雅黑" panose="020B0503020204020204" pitchFamily="34" charset="-122"/>
+                <a:ea typeface="微软雅黑" panose="020B0503020204020204" pitchFamily="34" charset="-122"/>
+              </a:rPr>
+              <a:t>Bootstrap</a:t>
+            </a:r>
+            <a:r>
+              <a:rPr lang="zh-CN" altLang="en-US" dirty="0">
+                <a:latin typeface="微软雅黑" panose="020B0503020204020204" pitchFamily="34" charset="-122"/>
+                <a:ea typeface="微软雅黑" panose="020B0503020204020204" pitchFamily="34" charset="-122"/>
+              </a:rPr>
+              <a:t>框架</a:t>
+            </a:r>
+            <a:endParaRPr lang="en-US" altLang="zh-CN" dirty="0">
+              <a:latin typeface="微软雅黑" panose="020B0503020204020204" pitchFamily="34" charset="-122"/>
+              <a:ea typeface="微软雅黑" panose="020B0503020204020204" pitchFamily="34" charset="-122"/>
+            </a:endParaRPr>
+          </a:p>
+          <a:p>
+            <a:r>
+              <a:rPr lang="en-US" altLang="zh-CN" dirty="0" err="1">
+                <a:latin typeface="微软雅黑" panose="020B0503020204020204" pitchFamily="34" charset="-122"/>
+                <a:ea typeface="微软雅黑" panose="020B0503020204020204" pitchFamily="34" charset="-122"/>
+              </a:rPr>
+              <a:t>Jsonp</a:t>
+            </a:r>
+            <a:r>
+              <a:rPr lang="zh-CN" altLang="en-US" dirty="0">
+                <a:latin typeface="微软雅黑" panose="020B0503020204020204" pitchFamily="34" charset="-122"/>
+                <a:ea typeface="微软雅黑" panose="020B0503020204020204" pitchFamily="34" charset="-122"/>
+              </a:rPr>
+              <a:t>跨域访问</a:t>
+            </a:r>
+            <a:endParaRPr lang="en-US" altLang="zh-CN" dirty="0">
+              <a:latin typeface="微软雅黑" panose="020B0503020204020204" pitchFamily="34" charset="-122"/>
+              <a:ea typeface="微软雅黑" panose="020B0503020204020204" pitchFamily="34" charset="-122"/>
+            </a:endParaRPr>
+          </a:p>
+          <a:p>
+            <a:r>
+              <a:rPr lang="en-US" altLang="zh-CN" dirty="0">
+                <a:latin typeface="微软雅黑" panose="020B0503020204020204" pitchFamily="34" charset="-122"/>
+                <a:ea typeface="微软雅黑" panose="020B0503020204020204" pitchFamily="34" charset="-122"/>
+              </a:rPr>
+              <a:t>API</a:t>
+            </a:r>
+            <a:r>
+              <a:rPr lang="zh-CN" altLang="en-US" dirty="0">
+                <a:latin typeface="微软雅黑" panose="020B0503020204020204" pitchFamily="34" charset="-122"/>
+                <a:ea typeface="微软雅黑" panose="020B0503020204020204" pitchFamily="34" charset="-122"/>
+              </a:rPr>
+              <a:t>的调用</a:t>
+            </a:r>
+            <a:endParaRPr lang="en-US" altLang="zh-CN" dirty="0">
+              <a:latin typeface="微软雅黑" panose="020B0503020204020204" pitchFamily="34" charset="-122"/>
+              <a:ea typeface="微软雅黑" panose="020B0503020204020204" pitchFamily="34" charset="-122"/>
+            </a:endParaRPr>
+          </a:p>
+          <a:p>
+            <a:r>
+              <a:rPr lang="en-US" altLang="zh-CN" dirty="0" err="1">
+                <a:latin typeface="微软雅黑" panose="020B0503020204020204" pitchFamily="34" charset="-122"/>
+                <a:ea typeface="微软雅黑" panose="020B0503020204020204" pitchFamily="34" charset="-122"/>
+              </a:rPr>
+              <a:t>SuperAgent</a:t>
+            </a:r>
+            <a:r>
+              <a:rPr lang="zh-CN" altLang="en-US" dirty="0">
+                <a:latin typeface="微软雅黑" panose="020B0503020204020204" pitchFamily="34" charset="-122"/>
+                <a:ea typeface="微软雅黑" panose="020B0503020204020204" pitchFamily="34" charset="-122"/>
+              </a:rPr>
+              <a:t>超级代理爬虫</a:t>
+            </a:r>
+          </a:p>
+        </p:txBody>
+      </p:sp>
     </p:spTree>
     <p:extLst>
       <p:ext uri="{BB962C8B-B14F-4D97-AF65-F5344CB8AC3E}">
@@ -3743,219 +5076,33 @@
                       </p:childTnLst>
                     </p:cTn>
                   </p:par>
-                </p:childTnLst>
-              </p:cTn>
-              <p:prevCondLst>
-                <p:cond evt="onPrev" delay="0">
-                  <p:tgtEl>
-                    <p:sldTgt/>
-                  </p:tgtEl>
-                </p:cond>
-              </p:prevCondLst>
-              <p:nextCondLst>
-                <p:cond evt="onNext" delay="0">
-                  <p:tgtEl>
-                    <p:sldTgt/>
-                  </p:tgtEl>
-                </p:cond>
-              </p:nextCondLst>
-            </p:seq>
-          </p:childTnLst>
-        </p:cTn>
-      </p:par>
-    </p:tnLst>
-  </p:timing>
-</p:sld>
-</file>
-
-<file path=ppt/slides/slide11.xml><?xml version="1.0" encoding="utf-8"?>
-<p:sld xmlns:a="http://schemas.openxmlformats.org/drawingml/2006/main" xmlns:r="http://schemas.openxmlformats.org/officeDocument/2006/relationships" xmlns:p="http://schemas.openxmlformats.org/presentationml/2006/main">
-  <p:cSld>
-    <p:spTree>
-      <p:nvGrpSpPr>
-        <p:cNvPr id="1" name=""/>
-        <p:cNvGrpSpPr/>
-        <p:nvPr/>
-      </p:nvGrpSpPr>
-      <p:grpSpPr>
-        <a:xfrm>
-          <a:off x="0" y="0"/>
-          <a:ext cx="0" cy="0"/>
-          <a:chOff x="0" y="0"/>
-          <a:chExt cx="0" cy="0"/>
-        </a:xfrm>
-      </p:grpSpPr>
-      <p:grpSp>
-        <p:nvGrpSpPr>
-          <p:cNvPr id="10" name="组合 9"/>
-          <p:cNvGrpSpPr/>
-          <p:nvPr/>
-        </p:nvGrpSpPr>
-        <p:grpSpPr>
-          <a:xfrm>
-            <a:off x="3400955" y="2770631"/>
-            <a:ext cx="5390091" cy="1316739"/>
-            <a:chOff x="3400955" y="2770631"/>
-            <a:chExt cx="5390091" cy="1316739"/>
-          </a:xfrm>
-        </p:grpSpPr>
-        <p:pic>
-          <p:nvPicPr>
-            <p:cNvPr id="4" name="图片 3"/>
-            <p:cNvPicPr>
-              <a:picLocks noChangeAspect="1"/>
-            </p:cNvPicPr>
-            <p:nvPr/>
-          </p:nvPicPr>
-          <p:blipFill>
-            <a:blip r:embed="rId3">
-              <a:extLst>
-                <a:ext uri="{BEBA8EAE-BF5A-486C-A8C5-ECC9F3942E4B}">
-                  <a14:imgProps xmlns:a14="http://schemas.microsoft.com/office/drawing/2010/main">
-                    <a14:imgLayer r:embed="rId4">
-                      <a14:imgEffect>
-                        <a14:backgroundRemoval t="8594" b="90234" l="9766" r="91016">
-                          <a14:foregroundMark x1="44531" y1="42578" x2="44531" y2="42578"/>
-                          <a14:foregroundMark x1="66016" y1="44531" x2="66016" y2="44531"/>
-                          <a14:foregroundMark x1="62891" y1="37891" x2="59766" y2="48828"/>
-                          <a14:foregroundMark x1="56250" y1="58594" x2="58594" y2="53125"/>
-                          <a14:foregroundMark x1="39063" y1="53125" x2="9766" y2="56641"/>
-                          <a14:foregroundMark x1="47656" y1="27344" x2="51953" y2="10938"/>
-                          <a14:foregroundMark x1="57422" y1="8594" x2="50781" y2="8594"/>
-                          <a14:foregroundMark x1="82422" y1="39063" x2="91016" y2="54297"/>
-                          <a14:foregroundMark x1="76953" y1="56641" x2="65234" y2="66406"/>
-                          <a14:foregroundMark x1="61719" y1="62109" x2="12500" y2="43750"/>
-                          <a14:foregroundMark x1="12500" y1="43750" x2="72266" y2="63672"/>
-                          <a14:foregroundMark x1="72266" y1="63672" x2="47656" y2="44531"/>
-                          <a14:foregroundMark x1="28125" y1="33594" x2="60156" y2="60938"/>
-                          <a14:foregroundMark x1="60156" y1="60938" x2="56250" y2="39063"/>
-                          <a14:foregroundMark x1="47656" y1="31641" x2="79297" y2="35938"/>
-                          <a14:foregroundMark x1="80078" y1="44531" x2="61328" y2="12500"/>
-                          <a14:foregroundMark x1="61328" y1="12500" x2="56250" y2="17578"/>
-                          <a14:foregroundMark x1="69531" y1="42578" x2="76953" y2="27344"/>
-                          <a14:foregroundMark x1="59766" y1="40234" x2="29297" y2="66016"/>
-                          <a14:foregroundMark x1="29297" y1="66016" x2="57422" y2="45703"/>
-                          <a14:foregroundMark x1="44531" y1="25000" x2="51953" y2="28125"/>
-                          <a14:foregroundMark x1="56250" y1="20703" x2="43359" y2="39063"/>
-                          <a14:foregroundMark x1="51953" y1="28125" x2="48828" y2="64453"/>
-                          <a14:foregroundMark x1="48828" y1="64453" x2="56250" y2="69531"/>
-                          <a14:foregroundMark x1="40234" y1="65234" x2="41016" y2="90234"/>
-                          <a14:foregroundMark x1="33594" y1="65234" x2="33594" y2="85938"/>
-                          <a14:foregroundMark x1="26172" y1="62109" x2="39063" y2="79297"/>
-                        </a14:backgroundRemoval>
-                      </a14:imgEffect>
-                    </a14:imgLayer>
-                  </a14:imgProps>
-                </a:ext>
-                <a:ext uri="{28A0092B-C50C-407E-A947-70E740481C1C}">
-                  <a14:useLocalDpi xmlns:a14="http://schemas.microsoft.com/office/drawing/2010/main" val="0"/>
-                </a:ext>
-              </a:extLst>
-            </a:blip>
-            <a:stretch>
-              <a:fillRect/>
-            </a:stretch>
-          </p:blipFill>
-          <p:spPr>
-            <a:xfrm>
-              <a:off x="3400955" y="2770631"/>
-              <a:ext cx="1316739" cy="1316739"/>
-            </a:xfrm>
-            <a:prstGeom prst="rect">
-              <a:avLst/>
-            </a:prstGeom>
-          </p:spPr>
-        </p:pic>
-        <p:sp>
-          <p:nvSpPr>
-            <p:cNvPr id="6" name="文本框 5"/>
-            <p:cNvSpPr txBox="1"/>
-            <p:nvPr/>
-          </p:nvSpPr>
-          <p:spPr>
-            <a:xfrm>
-              <a:off x="5323430" y="3136614"/>
-              <a:ext cx="3467616" cy="584775"/>
-            </a:xfrm>
-            <a:prstGeom prst="rect">
-              <a:avLst/>
-            </a:prstGeom>
-            <a:noFill/>
-          </p:spPr>
-          <p:txBody>
-            <a:bodyPr wrap="none" rtlCol="0">
-              <a:spAutoFit/>
-            </a:bodyPr>
-            <a:lstStyle/>
-            <a:p>
-              <a:r>
-                <a:rPr lang="zh-CN" altLang="en-US" sz="3200" dirty="0">
-                  <a:latin typeface="微软雅黑" panose="020B0503020204020204" pitchFamily="34" charset="-122"/>
-                  <a:ea typeface="微软雅黑" panose="020B0503020204020204" pitchFamily="34" charset="-122"/>
-                </a:rPr>
-                <a:t>社团考试管理系统</a:t>
-              </a:r>
-            </a:p>
-          </p:txBody>
-        </p:sp>
-      </p:grpSp>
-    </p:spTree>
-    <p:extLst>
-      <p:ext uri="{BB962C8B-B14F-4D97-AF65-F5344CB8AC3E}">
-        <p14:creationId xmlns:p14="http://schemas.microsoft.com/office/powerpoint/2010/main" val="1012257373"/>
-      </p:ext>
-    </p:extLst>
-  </p:cSld>
-  <p:clrMapOvr>
-    <a:masterClrMapping/>
-  </p:clrMapOvr>
-  <mc:AlternateContent xmlns:mc="http://schemas.openxmlformats.org/markup-compatibility/2006" xmlns:p14="http://schemas.microsoft.com/office/powerpoint/2010/main">
-    <mc:Choice Requires="p14">
-      <p:transition spd="med" p14:dur="700">
-        <p:fade/>
-      </p:transition>
-    </mc:Choice>
-    <mc:Fallback xmlns="">
-      <p:transition spd="med">
-        <p:fade/>
-      </p:transition>
-    </mc:Fallback>
-  </mc:AlternateContent>
-  <p:timing>
-    <p:tnLst>
-      <p:par>
-        <p:cTn id="1" dur="indefinite" restart="never" nodeType="tmRoot">
-          <p:childTnLst>
-            <p:seq concurrent="1" nextAc="seek">
-              <p:cTn id="2" dur="indefinite" nodeType="mainSeq">
-                <p:childTnLst>
                   <p:par>
-                    <p:cTn id="3" fill="hold">
+                    <p:cTn id="13" fill="hold">
                       <p:stCondLst>
                         <p:cond delay="indefinite"/>
                       </p:stCondLst>
                       <p:childTnLst>
                         <p:par>
-                          <p:cTn id="4" fill="hold">
+                          <p:cTn id="14" fill="hold">
                             <p:stCondLst>
                               <p:cond delay="0"/>
                             </p:stCondLst>
                             <p:childTnLst>
                               <p:par>
-                                <p:cTn id="5" presetID="10" presetClass="entr" presetSubtype="0" fill="hold" nodeType="clickEffect">
+                                <p:cTn id="15" presetID="10" presetClass="entr" presetSubtype="0" fill="hold" nodeType="clickEffect">
                                   <p:stCondLst>
                                     <p:cond delay="0"/>
                                   </p:stCondLst>
                                   <p:childTnLst>
                                     <p:set>
                                       <p:cBhvr>
-                                        <p:cTn id="6" dur="1" fill="hold">
+                                        <p:cTn id="16" dur="1" fill="hold">
                                           <p:stCondLst>
                                             <p:cond delay="0"/>
                                           </p:stCondLst>
                                         </p:cTn>
                                         <p:tgtEl>
-                                          <p:spTgt spid="10"/>
+                                          <p:spTgt spid="5"/>
                                         </p:tgtEl>
                                         <p:attrNameLst>
                                           <p:attrName>style.visibility</p:attrName>
@@ -3967,9 +5114,9 @@
                                     </p:set>
                                     <p:animEffect transition="in" filter="fade">
                                       <p:cBhvr>
-                                        <p:cTn id="7" dur="500"/>
+                                        <p:cTn id="17" dur="500"/>
                                         <p:tgtEl>
-                                          <p:spTgt spid="10"/>
+                                          <p:spTgt spid="5"/>
                                         </p:tgtEl>
                                       </p:cBhvr>
                                     </p:animEffect>
@@ -3983,40 +5130,40 @@
                     </p:cTn>
                   </p:par>
                   <p:par>
-                    <p:cTn id="8" fill="hold">
+                    <p:cTn id="18" fill="hold">
                       <p:stCondLst>
                         <p:cond delay="indefinite"/>
                       </p:stCondLst>
                       <p:childTnLst>
                         <p:par>
-                          <p:cTn id="9" fill="hold">
+                          <p:cTn id="19" fill="hold">
                             <p:stCondLst>
                               <p:cond delay="0"/>
                             </p:stCondLst>
                             <p:childTnLst>
                               <p:par>
-                                <p:cTn id="10" presetID="10" presetClass="exit" presetSubtype="0" fill="hold" nodeType="clickEffect">
+                                <p:cTn id="20" presetID="10" presetClass="exit" presetSubtype="0" fill="hold" nodeType="clickEffect">
                                   <p:stCondLst>
                                     <p:cond delay="0"/>
                                   </p:stCondLst>
                                   <p:childTnLst>
                                     <p:animEffect transition="out" filter="fade">
                                       <p:cBhvr>
-                                        <p:cTn id="11" dur="500"/>
+                                        <p:cTn id="21" dur="500"/>
                                         <p:tgtEl>
-                                          <p:spTgt spid="10"/>
+                                          <p:spTgt spid="5"/>
                                         </p:tgtEl>
                                       </p:cBhvr>
                                     </p:animEffect>
                                     <p:set>
                                       <p:cBhvr>
-                                        <p:cTn id="12" dur="1" fill="hold">
+                                        <p:cTn id="22" dur="1" fill="hold">
                                           <p:stCondLst>
                                             <p:cond delay="499"/>
                                           </p:stCondLst>
                                         </p:cTn>
                                         <p:tgtEl>
-                                          <p:spTgt spid="10"/>
+                                          <p:spTgt spid="5"/>
                                         </p:tgtEl>
                                         <p:attrNameLst>
                                           <p:attrName>style.visibility</p:attrName>
@@ -4035,451 +5182,27 @@
                       </p:childTnLst>
                     </p:cTn>
                   </p:par>
-                </p:childTnLst>
-              </p:cTn>
-              <p:prevCondLst>
-                <p:cond evt="onPrev" delay="0">
-                  <p:tgtEl>
-                    <p:sldTgt/>
-                  </p:tgtEl>
-                </p:cond>
-              </p:prevCondLst>
-              <p:nextCondLst>
-                <p:cond evt="onNext" delay="0">
-                  <p:tgtEl>
-                    <p:sldTgt/>
-                  </p:tgtEl>
-                </p:cond>
-              </p:nextCondLst>
-            </p:seq>
-          </p:childTnLst>
-        </p:cTn>
-      </p:par>
-    </p:tnLst>
-  </p:timing>
-</p:sld>
-</file>
-
-<file path=ppt/slides/slide12.xml><?xml version="1.0" encoding="utf-8"?>
-<p:sld xmlns:a="http://schemas.openxmlformats.org/drawingml/2006/main" xmlns:r="http://schemas.openxmlformats.org/officeDocument/2006/relationships" xmlns:p="http://schemas.openxmlformats.org/presentationml/2006/main">
-  <p:cSld>
-    <p:spTree>
-      <p:nvGrpSpPr>
-        <p:cNvPr id="1" name=""/>
-        <p:cNvGrpSpPr/>
-        <p:nvPr/>
-      </p:nvGrpSpPr>
-      <p:grpSpPr>
-        <a:xfrm>
-          <a:off x="0" y="0"/>
-          <a:ext cx="0" cy="0"/>
-          <a:chOff x="0" y="0"/>
-          <a:chExt cx="0" cy="0"/>
-        </a:xfrm>
-      </p:grpSpPr>
-      <p:grpSp>
-        <p:nvGrpSpPr>
-          <p:cNvPr id="8" name="组合 7"/>
-          <p:cNvGrpSpPr/>
-          <p:nvPr/>
-        </p:nvGrpSpPr>
-        <p:grpSpPr>
-          <a:xfrm>
-            <a:off x="3400955" y="1933667"/>
-            <a:ext cx="5390091" cy="2990666"/>
-            <a:chOff x="3467372" y="1913381"/>
-            <a:chExt cx="5390091" cy="2990666"/>
-          </a:xfrm>
-        </p:grpSpPr>
-        <p:grpSp>
-          <p:nvGrpSpPr>
-            <p:cNvPr id="2" name="组合 1"/>
-            <p:cNvGrpSpPr/>
-            <p:nvPr/>
-          </p:nvGrpSpPr>
-          <p:grpSpPr>
-            <a:xfrm>
-              <a:off x="3467372" y="3587308"/>
-              <a:ext cx="5390091" cy="1316739"/>
-              <a:chOff x="3400955" y="2770631"/>
-              <a:chExt cx="5390091" cy="1316739"/>
-            </a:xfrm>
-          </p:grpSpPr>
-          <p:pic>
-            <p:nvPicPr>
-              <p:cNvPr id="3" name="图片 2"/>
-              <p:cNvPicPr>
-                <a:picLocks noChangeAspect="1"/>
-              </p:cNvPicPr>
-              <p:nvPr/>
-            </p:nvPicPr>
-            <p:blipFill>
-              <a:blip r:embed="rId2">
-                <a:extLst>
-                  <a:ext uri="{BEBA8EAE-BF5A-486C-A8C5-ECC9F3942E4B}">
-                    <a14:imgProps xmlns:a14="http://schemas.microsoft.com/office/drawing/2010/main">
-                      <a14:imgLayer r:embed="rId3">
-                        <a14:imgEffect>
-                          <a14:backgroundRemoval t="8594" b="90234" l="9766" r="91016">
-                            <a14:foregroundMark x1="44531" y1="42578" x2="44531" y2="42578"/>
-                            <a14:foregroundMark x1="66016" y1="44531" x2="66016" y2="44531"/>
-                            <a14:foregroundMark x1="62891" y1="37891" x2="59766" y2="48828"/>
-                            <a14:foregroundMark x1="56250" y1="58594" x2="58594" y2="53125"/>
-                            <a14:foregroundMark x1="39063" y1="53125" x2="9766" y2="56641"/>
-                            <a14:foregroundMark x1="47656" y1="27344" x2="51953" y2="10938"/>
-                            <a14:foregroundMark x1="57422" y1="8594" x2="50781" y2="8594"/>
-                            <a14:foregroundMark x1="82422" y1="39063" x2="91016" y2="54297"/>
-                            <a14:foregroundMark x1="76953" y1="56641" x2="65234" y2="66406"/>
-                            <a14:foregroundMark x1="61719" y1="62109" x2="12500" y2="43750"/>
-                            <a14:foregroundMark x1="12500" y1="43750" x2="72266" y2="63672"/>
-                            <a14:foregroundMark x1="72266" y1="63672" x2="47656" y2="44531"/>
-                            <a14:foregroundMark x1="28125" y1="33594" x2="60156" y2="60938"/>
-                            <a14:foregroundMark x1="60156" y1="60938" x2="56250" y2="39063"/>
-                            <a14:foregroundMark x1="47656" y1="31641" x2="79297" y2="35938"/>
-                            <a14:foregroundMark x1="80078" y1="44531" x2="61328" y2="12500"/>
-                            <a14:foregroundMark x1="61328" y1="12500" x2="56250" y2="17578"/>
-                            <a14:foregroundMark x1="69531" y1="42578" x2="76953" y2="27344"/>
-                            <a14:foregroundMark x1="59766" y1="40234" x2="29297" y2="66016"/>
-                            <a14:foregroundMark x1="29297" y1="66016" x2="57422" y2="45703"/>
-                            <a14:foregroundMark x1="44531" y1="25000" x2="51953" y2="28125"/>
-                            <a14:foregroundMark x1="56250" y1="20703" x2="43359" y2="39063"/>
-                            <a14:foregroundMark x1="51953" y1="28125" x2="48828" y2="64453"/>
-                            <a14:foregroundMark x1="48828" y1="64453" x2="56250" y2="69531"/>
-                            <a14:foregroundMark x1="40234" y1="65234" x2="41016" y2="90234"/>
-                            <a14:foregroundMark x1="33594" y1="65234" x2="33594" y2="85938"/>
-                            <a14:foregroundMark x1="26172" y1="62109" x2="39063" y2="79297"/>
-                          </a14:backgroundRemoval>
-                        </a14:imgEffect>
-                      </a14:imgLayer>
-                    </a14:imgProps>
-                  </a:ext>
-                  <a:ext uri="{28A0092B-C50C-407E-A947-70E740481C1C}">
-                    <a14:useLocalDpi xmlns:a14="http://schemas.microsoft.com/office/drawing/2010/main" val="0"/>
-                  </a:ext>
-                </a:extLst>
-              </a:blip>
-              <a:stretch>
-                <a:fillRect/>
-              </a:stretch>
-            </p:blipFill>
-            <p:spPr>
-              <a:xfrm>
-                <a:off x="3400955" y="2770631"/>
-                <a:ext cx="1316739" cy="1316739"/>
-              </a:xfrm>
-              <a:prstGeom prst="rect">
-                <a:avLst/>
-              </a:prstGeom>
-            </p:spPr>
-          </p:pic>
-          <p:sp>
-            <p:nvSpPr>
-              <p:cNvPr id="4" name="文本框 3"/>
-              <p:cNvSpPr txBox="1"/>
-              <p:nvPr/>
-            </p:nvSpPr>
-            <p:spPr>
-              <a:xfrm>
-                <a:off x="5323430" y="3136614"/>
-                <a:ext cx="3467616" cy="584775"/>
-              </a:xfrm>
-              <a:prstGeom prst="rect">
-                <a:avLst/>
-              </a:prstGeom>
-              <a:noFill/>
-            </p:spPr>
-            <p:txBody>
-              <a:bodyPr wrap="none" rtlCol="0">
-                <a:spAutoFit/>
-              </a:bodyPr>
-              <a:lstStyle/>
-              <a:p>
-                <a:r>
-                  <a:rPr lang="zh-CN" altLang="en-US" sz="3200" dirty="0">
-                    <a:latin typeface="微软雅黑" panose="020B0503020204020204" pitchFamily="34" charset="-122"/>
-                    <a:ea typeface="微软雅黑" panose="020B0503020204020204" pitchFamily="34" charset="-122"/>
-                  </a:rPr>
-                  <a:t>社团考试管理系统</a:t>
-                </a:r>
-              </a:p>
-            </p:txBody>
-          </p:sp>
-        </p:grpSp>
-        <p:grpSp>
-          <p:nvGrpSpPr>
-            <p:cNvPr id="5" name="组合 4"/>
-            <p:cNvGrpSpPr/>
-            <p:nvPr/>
-          </p:nvGrpSpPr>
-          <p:grpSpPr>
-            <a:xfrm>
-              <a:off x="3467373" y="1913381"/>
-              <a:ext cx="5390090" cy="1316739"/>
-              <a:chOff x="3687207" y="2670144"/>
-              <a:chExt cx="5390090" cy="1316739"/>
-            </a:xfrm>
-          </p:grpSpPr>
-          <p:sp>
-            <p:nvSpPr>
-              <p:cNvPr id="6" name="文本框 5"/>
-              <p:cNvSpPr txBox="1"/>
-              <p:nvPr/>
-            </p:nvSpPr>
-            <p:spPr>
-              <a:xfrm>
-                <a:off x="5609681" y="3036126"/>
-                <a:ext cx="3467616" cy="584775"/>
-              </a:xfrm>
-              <a:prstGeom prst="rect">
-                <a:avLst/>
-              </a:prstGeom>
-              <a:noFill/>
-            </p:spPr>
-            <p:txBody>
-              <a:bodyPr wrap="none" rtlCol="0">
-                <a:spAutoFit/>
-              </a:bodyPr>
-              <a:lstStyle/>
-              <a:p>
-                <a:r>
-                  <a:rPr lang="zh-CN" altLang="en-US" sz="3200" dirty="0">
-                    <a:latin typeface="微软雅黑" panose="020B0503020204020204" pitchFamily="34" charset="-122"/>
-                    <a:ea typeface="微软雅黑" panose="020B0503020204020204" pitchFamily="34" charset="-122"/>
-                  </a:rPr>
-                  <a:t>社团报名管理系统</a:t>
-                </a:r>
-              </a:p>
-            </p:txBody>
-          </p:sp>
-          <p:pic>
-            <p:nvPicPr>
-              <p:cNvPr id="7" name="图片 6"/>
-              <p:cNvPicPr>
-                <a:picLocks noChangeAspect="1"/>
-              </p:cNvPicPr>
-              <p:nvPr/>
-            </p:nvPicPr>
-            <p:blipFill>
-              <a:blip r:embed="rId4">
-                <a:extLst>
-                  <a:ext uri="{28A0092B-C50C-407E-A947-70E740481C1C}">
-                    <a14:useLocalDpi xmlns:a14="http://schemas.microsoft.com/office/drawing/2010/main" val="0"/>
-                  </a:ext>
-                </a:extLst>
-              </a:blip>
-              <a:stretch>
-                <a:fillRect/>
-              </a:stretch>
-            </p:blipFill>
-            <p:spPr>
-              <a:xfrm>
-                <a:off x="3687207" y="2670144"/>
-                <a:ext cx="1316739" cy="1316739"/>
-              </a:xfrm>
-              <a:prstGeom prst="rect">
-                <a:avLst/>
-              </a:prstGeom>
-            </p:spPr>
-          </p:pic>
-        </p:grpSp>
-      </p:grpSp>
-      <p:sp>
-        <p:nvSpPr>
-          <p:cNvPr id="9" name="文本框 8"/>
-          <p:cNvSpPr txBox="1"/>
-          <p:nvPr/>
-        </p:nvSpPr>
-        <p:spPr>
-          <a:xfrm>
-            <a:off x="6072568" y="2644170"/>
-            <a:ext cx="4629794" cy="1569660"/>
-          </a:xfrm>
-          <a:prstGeom prst="rect">
-            <a:avLst/>
-          </a:prstGeom>
-          <a:noFill/>
-        </p:spPr>
-        <p:txBody>
-          <a:bodyPr wrap="none" rtlCol="0">
-            <a:spAutoFit/>
-          </a:bodyPr>
-          <a:lstStyle/>
-          <a:p>
-            <a:pPr marL="457200" indent="-457200">
-              <a:buFont typeface="Arial" panose="020B0604020202020204" pitchFamily="34" charset="0"/>
-              <a:buChar char="•"/>
-            </a:pPr>
-            <a:r>
-              <a:rPr lang="zh-CN" altLang="en-US" sz="2400" dirty="0">
-                <a:latin typeface="微软雅黑" panose="020B0503020204020204" pitchFamily="34" charset="-122"/>
-                <a:ea typeface="微软雅黑" panose="020B0503020204020204" pitchFamily="34" charset="-122"/>
-              </a:rPr>
-              <a:t>基于</a:t>
-            </a:r>
-            <a:r>
-              <a:rPr lang="en-US" altLang="zh-CN" sz="2400" dirty="0">
-                <a:latin typeface="微软雅黑" panose="020B0503020204020204" pitchFamily="34" charset="-122"/>
-                <a:ea typeface="微软雅黑" panose="020B0503020204020204" pitchFamily="34" charset="-122"/>
-              </a:rPr>
-              <a:t>ThinkPHP3.2</a:t>
-            </a:r>
-          </a:p>
-          <a:p>
-            <a:pPr marL="457200" indent="-457200">
-              <a:buFont typeface="Arial" panose="020B0604020202020204" pitchFamily="34" charset="0"/>
-              <a:buChar char="•"/>
-            </a:pPr>
-            <a:r>
-              <a:rPr lang="zh-CN" altLang="en-US" sz="2400" dirty="0">
-                <a:latin typeface="微软雅黑" panose="020B0503020204020204" pitchFamily="34" charset="-122"/>
-                <a:ea typeface="微软雅黑" panose="020B0503020204020204" pitchFamily="34" charset="-122"/>
-              </a:rPr>
-              <a:t>运行在</a:t>
-            </a:r>
-            <a:r>
-              <a:rPr lang="en-US" altLang="zh-CN" sz="2400" dirty="0">
-                <a:latin typeface="微软雅黑" panose="020B0503020204020204" pitchFamily="34" charset="-122"/>
-                <a:ea typeface="微软雅黑" panose="020B0503020204020204" pitchFamily="34" charset="-122"/>
-              </a:rPr>
-              <a:t>Linux</a:t>
-            </a:r>
-            <a:r>
-              <a:rPr lang="zh-CN" altLang="en-US" sz="2400" dirty="0">
-                <a:latin typeface="微软雅黑" panose="020B0503020204020204" pitchFamily="34" charset="-122"/>
-                <a:ea typeface="微软雅黑" panose="020B0503020204020204" pitchFamily="34" charset="-122"/>
-              </a:rPr>
-              <a:t>与</a:t>
-            </a:r>
-            <a:r>
-              <a:rPr lang="en-US" altLang="zh-CN" sz="2400" dirty="0">
-                <a:latin typeface="微软雅黑" panose="020B0503020204020204" pitchFamily="34" charset="-122"/>
-                <a:ea typeface="微软雅黑" panose="020B0503020204020204" pitchFamily="34" charset="-122"/>
-              </a:rPr>
-              <a:t>Windows</a:t>
-            </a:r>
-            <a:r>
-              <a:rPr lang="zh-CN" altLang="en-US" sz="2400" dirty="0">
-                <a:latin typeface="微软雅黑" panose="020B0503020204020204" pitchFamily="34" charset="-122"/>
-                <a:ea typeface="微软雅黑" panose="020B0503020204020204" pitchFamily="34" charset="-122"/>
-              </a:rPr>
-              <a:t>平台</a:t>
-            </a:r>
-            <a:endParaRPr lang="en-US" altLang="zh-CN" sz="2400" dirty="0">
-              <a:latin typeface="微软雅黑" panose="020B0503020204020204" pitchFamily="34" charset="-122"/>
-              <a:ea typeface="微软雅黑" panose="020B0503020204020204" pitchFamily="34" charset="-122"/>
-            </a:endParaRPr>
-          </a:p>
-          <a:p>
-            <a:pPr marL="457200" indent="-457200">
-              <a:buFont typeface="Arial" panose="020B0604020202020204" pitchFamily="34" charset="0"/>
-              <a:buChar char="•"/>
-            </a:pPr>
-            <a:r>
-              <a:rPr lang="zh-CN" altLang="en-US" sz="2400" dirty="0">
-                <a:latin typeface="微软雅黑" panose="020B0503020204020204" pitchFamily="34" charset="-122"/>
-                <a:ea typeface="微软雅黑" panose="020B0503020204020204" pitchFamily="34" charset="-122"/>
-              </a:rPr>
-              <a:t>使用</a:t>
-            </a:r>
-            <a:r>
-              <a:rPr lang="en-US" altLang="zh-CN" sz="2400" dirty="0">
-                <a:latin typeface="微软雅黑" panose="020B0503020204020204" pitchFamily="34" charset="-122"/>
-                <a:ea typeface="微软雅黑" panose="020B0503020204020204" pitchFamily="34" charset="-122"/>
-              </a:rPr>
-              <a:t>MySQL</a:t>
-            </a:r>
-            <a:r>
-              <a:rPr lang="zh-CN" altLang="en-US" sz="2400" dirty="0">
-                <a:latin typeface="微软雅黑" panose="020B0503020204020204" pitchFamily="34" charset="-122"/>
-                <a:ea typeface="微软雅黑" panose="020B0503020204020204" pitchFamily="34" charset="-122"/>
-              </a:rPr>
-              <a:t>数据库</a:t>
-            </a:r>
-            <a:endParaRPr lang="en-US" altLang="zh-CN" sz="2400" dirty="0">
-              <a:latin typeface="微软雅黑" panose="020B0503020204020204" pitchFamily="34" charset="-122"/>
-              <a:ea typeface="微软雅黑" panose="020B0503020204020204" pitchFamily="34" charset="-122"/>
-            </a:endParaRPr>
-          </a:p>
-          <a:p>
-            <a:pPr marL="457200" indent="-457200">
-              <a:buFont typeface="Arial" panose="020B0604020202020204" pitchFamily="34" charset="0"/>
-              <a:buChar char="•"/>
-            </a:pPr>
-            <a:r>
-              <a:rPr lang="zh-CN" altLang="en-US" sz="2400" dirty="0">
-                <a:latin typeface="微软雅黑" panose="020B0503020204020204" pitchFamily="34" charset="-122"/>
-                <a:ea typeface="微软雅黑" panose="020B0503020204020204" pitchFamily="34" charset="-122"/>
-              </a:rPr>
-              <a:t>用到</a:t>
-            </a:r>
-            <a:r>
-              <a:rPr lang="en-US" altLang="zh-CN" sz="2400" dirty="0">
-                <a:latin typeface="微软雅黑" panose="020B0503020204020204" pitchFamily="34" charset="-122"/>
-                <a:ea typeface="微软雅黑" panose="020B0503020204020204" pitchFamily="34" charset="-122"/>
-              </a:rPr>
-              <a:t>Bootstrap</a:t>
-            </a:r>
-            <a:r>
-              <a:rPr lang="zh-CN" altLang="en-US" sz="2400" dirty="0">
-                <a:latin typeface="微软雅黑" panose="020B0503020204020204" pitchFamily="34" charset="-122"/>
-                <a:ea typeface="微软雅黑" panose="020B0503020204020204" pitchFamily="34" charset="-122"/>
-              </a:rPr>
-              <a:t>框架</a:t>
-            </a:r>
-          </a:p>
-        </p:txBody>
-      </p:sp>
-    </p:spTree>
-    <p:extLst>
-      <p:ext uri="{BB962C8B-B14F-4D97-AF65-F5344CB8AC3E}">
-        <p14:creationId xmlns:p14="http://schemas.microsoft.com/office/powerpoint/2010/main" val="2285373709"/>
-      </p:ext>
-    </p:extLst>
-  </p:cSld>
-  <p:clrMapOvr>
-    <a:masterClrMapping/>
-  </p:clrMapOvr>
-  <mc:AlternateContent xmlns:mc="http://schemas.openxmlformats.org/markup-compatibility/2006" xmlns:p14="http://schemas.microsoft.com/office/powerpoint/2010/main">
-    <mc:Choice Requires="p14">
-      <p:transition spd="med" p14:dur="700">
-        <p:fade/>
-      </p:transition>
-    </mc:Choice>
-    <mc:Fallback xmlns="">
-      <p:transition spd="med">
-        <p:fade/>
-      </p:transition>
-    </mc:Fallback>
-  </mc:AlternateContent>
-  <p:timing>
-    <p:tnLst>
-      <p:par>
-        <p:cTn id="1" dur="indefinite" restart="never" nodeType="tmRoot">
-          <p:childTnLst>
-            <p:seq concurrent="1" nextAc="seek">
-              <p:cTn id="2" dur="indefinite" nodeType="mainSeq">
-                <p:childTnLst>
                   <p:par>
-                    <p:cTn id="3" fill="hold">
+                    <p:cTn id="23" fill="hold">
                       <p:stCondLst>
                         <p:cond delay="indefinite"/>
                       </p:stCondLst>
                       <p:childTnLst>
                         <p:par>
-                          <p:cTn id="4" fill="hold">
+                          <p:cTn id="24" fill="hold">
                             <p:stCondLst>
                               <p:cond delay="0"/>
                             </p:stCondLst>
                             <p:childTnLst>
                               <p:par>
-                                <p:cTn id="5" presetID="10" presetClass="entr" presetSubtype="0" fill="hold" nodeType="clickEffect">
+                                <p:cTn id="25" presetID="10" presetClass="entr" presetSubtype="0" fill="hold" nodeType="clickEffect">
                                   <p:stCondLst>
                                     <p:cond delay="0"/>
                                   </p:stCondLst>
                                   <p:childTnLst>
                                     <p:set>
                                       <p:cBhvr>
-                                        <p:cTn id="6" dur="1" fill="hold">
+                                        <p:cTn id="26" dur="1" fill="hold">
                                           <p:stCondLst>
                                             <p:cond delay="0"/>
                                           </p:stCondLst>
@@ -4497,7 +5220,7 @@
                                     </p:set>
                                     <p:animEffect transition="in" filter="fade">
                                       <p:cBhvr>
-                                        <p:cTn id="7" dur="500"/>
+                                        <p:cTn id="27" dur="500"/>
                                         <p:tgtEl>
                                           <p:spTgt spid="8"/>
                                         </p:tgtEl>
@@ -4513,26 +5236,26 @@
                     </p:cTn>
                   </p:par>
                   <p:par>
-                    <p:cTn id="8" fill="hold">
+                    <p:cTn id="28" fill="hold">
                       <p:stCondLst>
                         <p:cond delay="indefinite"/>
                       </p:stCondLst>
                       <p:childTnLst>
                         <p:par>
-                          <p:cTn id="9" fill="hold">
+                          <p:cTn id="29" fill="hold">
                             <p:stCondLst>
                               <p:cond delay="0"/>
                             </p:stCondLst>
                             <p:childTnLst>
                               <p:par>
-                                <p:cTn id="10" presetID="42" presetClass="path" presetSubtype="0" accel="50000" decel="50000" fill="hold" nodeType="clickEffect">
+                                <p:cTn id="30" presetID="42" presetClass="path" presetSubtype="0" accel="50000" decel="50000" fill="hold" nodeType="clickEffect">
                                   <p:stCondLst>
                                     <p:cond delay="0"/>
                                   </p:stCondLst>
                                   <p:childTnLst>
-                                    <p:animMotion origin="layout" path="M 0 0 L -0.25508 0 " pathEditMode="relative" rAng="0" ptsTypes="AA">
+                                    <p:animMotion origin="layout" path="M -5.55556E-7 0 L -0.18281 0 " pathEditMode="relative" rAng="0" ptsTypes="AA">
                                       <p:cBhvr>
-                                        <p:cTn id="11" dur="2000" fill="hold"/>
+                                        <p:cTn id="31" dur="2000" fill="hold"/>
                                         <p:tgtEl>
                                           <p:spTgt spid="8"/>
                                         </p:tgtEl>
@@ -4541,7 +5264,7 @@
                                           <p:attrName>ppt_y</p:attrName>
                                         </p:attrNameLst>
                                       </p:cBhvr>
-                                      <p:rCtr x="-12760" y="0"/>
+                                      <p:rCtr x="-9149" y="0"/>
                                     </p:animMotion>
                                   </p:childTnLst>
                                 </p:cTn>
@@ -4553,32 +5276,32 @@
                     </p:cTn>
                   </p:par>
                   <p:par>
-                    <p:cTn id="12" fill="hold">
+                    <p:cTn id="32" fill="hold">
                       <p:stCondLst>
                         <p:cond delay="indefinite"/>
                       </p:stCondLst>
                       <p:childTnLst>
                         <p:par>
-                          <p:cTn id="13" fill="hold">
+                          <p:cTn id="33" fill="hold">
                             <p:stCondLst>
                               <p:cond delay="0"/>
                             </p:stCondLst>
                             <p:childTnLst>
                               <p:par>
-                                <p:cTn id="14" presetID="10" presetClass="entr" presetSubtype="0" fill="hold" grpId="0" nodeType="clickEffect">
+                                <p:cTn id="34" presetID="10" presetClass="entr" presetSubtype="0" fill="hold" grpId="0" nodeType="clickEffect">
                                   <p:stCondLst>
                                     <p:cond delay="0"/>
                                   </p:stCondLst>
                                   <p:childTnLst>
                                     <p:set>
                                       <p:cBhvr>
-                                        <p:cTn id="15" dur="1" fill="hold">
+                                        <p:cTn id="35" dur="1" fill="hold">
                                           <p:stCondLst>
                                             <p:cond delay="0"/>
                                           </p:stCondLst>
                                         </p:cTn>
                                         <p:tgtEl>
-                                          <p:spTgt spid="9"/>
+                                          <p:spTgt spid="15"/>
                                         </p:tgtEl>
                                         <p:attrNameLst>
                                           <p:attrName>style.visibility</p:attrName>
@@ -4590,9 +5313,561 @@
                                     </p:set>
                                     <p:animEffect transition="in" filter="fade">
                                       <p:cBhvr>
-                                        <p:cTn id="16" dur="500"/>
+                                        <p:cTn id="36" dur="500"/>
                                         <p:tgtEl>
-                                          <p:spTgt spid="9"/>
+                                          <p:spTgt spid="15"/>
+                                        </p:tgtEl>
+                                      </p:cBhvr>
+                                    </p:animEffect>
+                                  </p:childTnLst>
+                                </p:cTn>
+                              </p:par>
+                            </p:childTnLst>
+                          </p:cTn>
+                        </p:par>
+                      </p:childTnLst>
+                    </p:cTn>
+                  </p:par>
+                  <p:par>
+                    <p:cTn id="37" fill="hold">
+                      <p:stCondLst>
+                        <p:cond delay="indefinite"/>
+                      </p:stCondLst>
+                      <p:childTnLst>
+                        <p:par>
+                          <p:cTn id="38" fill="hold">
+                            <p:stCondLst>
+                              <p:cond delay="0"/>
+                            </p:stCondLst>
+                            <p:childTnLst>
+                              <p:par>
+                                <p:cTn id="39" presetID="10" presetClass="exit" presetSubtype="0" fill="hold" nodeType="clickEffect">
+                                  <p:stCondLst>
+                                    <p:cond delay="0"/>
+                                  </p:stCondLst>
+                                  <p:childTnLst>
+                                    <p:animEffect transition="out" filter="fade">
+                                      <p:cBhvr>
+                                        <p:cTn id="40" dur="500"/>
+                                        <p:tgtEl>
+                                          <p:spTgt spid="8"/>
+                                        </p:tgtEl>
+                                      </p:cBhvr>
+                                    </p:animEffect>
+                                    <p:set>
+                                      <p:cBhvr>
+                                        <p:cTn id="41" dur="1" fill="hold">
+                                          <p:stCondLst>
+                                            <p:cond delay="499"/>
+                                          </p:stCondLst>
+                                        </p:cTn>
+                                        <p:tgtEl>
+                                          <p:spTgt spid="8"/>
+                                        </p:tgtEl>
+                                        <p:attrNameLst>
+                                          <p:attrName>style.visibility</p:attrName>
+                                        </p:attrNameLst>
+                                      </p:cBhvr>
+                                      <p:to>
+                                        <p:strVal val="hidden"/>
+                                      </p:to>
+                                    </p:set>
+                                  </p:childTnLst>
+                                </p:cTn>
+                              </p:par>
+                              <p:par>
+                                <p:cTn id="42" presetID="10" presetClass="exit" presetSubtype="0" fill="hold" grpId="1" nodeType="withEffect">
+                                  <p:stCondLst>
+                                    <p:cond delay="0"/>
+                                  </p:stCondLst>
+                                  <p:childTnLst>
+                                    <p:animEffect transition="out" filter="fade">
+                                      <p:cBhvr>
+                                        <p:cTn id="43" dur="500"/>
+                                        <p:tgtEl>
+                                          <p:spTgt spid="15"/>
+                                        </p:tgtEl>
+                                      </p:cBhvr>
+                                    </p:animEffect>
+                                    <p:set>
+                                      <p:cBhvr>
+                                        <p:cTn id="44" dur="1" fill="hold">
+                                          <p:stCondLst>
+                                            <p:cond delay="499"/>
+                                          </p:stCondLst>
+                                        </p:cTn>
+                                        <p:tgtEl>
+                                          <p:spTgt spid="15"/>
+                                        </p:tgtEl>
+                                        <p:attrNameLst>
+                                          <p:attrName>style.visibility</p:attrName>
+                                        </p:attrNameLst>
+                                      </p:cBhvr>
+                                      <p:to>
+                                        <p:strVal val="hidden"/>
+                                      </p:to>
+                                    </p:set>
+                                  </p:childTnLst>
+                                </p:cTn>
+                              </p:par>
+                            </p:childTnLst>
+                          </p:cTn>
+                        </p:par>
+                      </p:childTnLst>
+                    </p:cTn>
+                  </p:par>
+                  <p:par>
+                    <p:cTn id="45" fill="hold">
+                      <p:stCondLst>
+                        <p:cond delay="indefinite"/>
+                      </p:stCondLst>
+                      <p:childTnLst>
+                        <p:par>
+                          <p:cTn id="46" fill="hold">
+                            <p:stCondLst>
+                              <p:cond delay="0"/>
+                            </p:stCondLst>
+                            <p:childTnLst>
+                              <p:par>
+                                <p:cTn id="47" presetID="10" presetClass="entr" presetSubtype="0" fill="hold" nodeType="clickEffect">
+                                  <p:stCondLst>
+                                    <p:cond delay="0"/>
+                                  </p:stCondLst>
+                                  <p:childTnLst>
+                                    <p:set>
+                                      <p:cBhvr>
+                                        <p:cTn id="48" dur="1" fill="hold">
+                                          <p:stCondLst>
+                                            <p:cond delay="0"/>
+                                          </p:stCondLst>
+                                        </p:cTn>
+                                        <p:tgtEl>
+                                          <p:spTgt spid="16"/>
+                                        </p:tgtEl>
+                                        <p:attrNameLst>
+                                          <p:attrName>style.visibility</p:attrName>
+                                        </p:attrNameLst>
+                                      </p:cBhvr>
+                                      <p:to>
+                                        <p:strVal val="visible"/>
+                                      </p:to>
+                                    </p:set>
+                                    <p:animEffect transition="in" filter="fade">
+                                      <p:cBhvr>
+                                        <p:cTn id="49" dur="500"/>
+                                        <p:tgtEl>
+                                          <p:spTgt spid="16"/>
+                                        </p:tgtEl>
+                                      </p:cBhvr>
+                                    </p:animEffect>
+                                  </p:childTnLst>
+                                </p:cTn>
+                              </p:par>
+                            </p:childTnLst>
+                          </p:cTn>
+                        </p:par>
+                      </p:childTnLst>
+                    </p:cTn>
+                  </p:par>
+                  <p:par>
+                    <p:cTn id="50" fill="hold">
+                      <p:stCondLst>
+                        <p:cond delay="indefinite"/>
+                      </p:stCondLst>
+                      <p:childTnLst>
+                        <p:par>
+                          <p:cTn id="51" fill="hold">
+                            <p:stCondLst>
+                              <p:cond delay="0"/>
+                            </p:stCondLst>
+                            <p:childTnLst>
+                              <p:par>
+                                <p:cTn id="52" presetID="10" presetClass="exit" presetSubtype="0" fill="hold" nodeType="clickEffect">
+                                  <p:stCondLst>
+                                    <p:cond delay="0"/>
+                                  </p:stCondLst>
+                                  <p:childTnLst>
+                                    <p:animEffect transition="out" filter="fade">
+                                      <p:cBhvr>
+                                        <p:cTn id="53" dur="500"/>
+                                        <p:tgtEl>
+                                          <p:spTgt spid="16"/>
+                                        </p:tgtEl>
+                                      </p:cBhvr>
+                                    </p:animEffect>
+                                    <p:set>
+                                      <p:cBhvr>
+                                        <p:cTn id="54" dur="1" fill="hold">
+                                          <p:stCondLst>
+                                            <p:cond delay="499"/>
+                                          </p:stCondLst>
+                                        </p:cTn>
+                                        <p:tgtEl>
+                                          <p:spTgt spid="16"/>
+                                        </p:tgtEl>
+                                        <p:attrNameLst>
+                                          <p:attrName>style.visibility</p:attrName>
+                                        </p:attrNameLst>
+                                      </p:cBhvr>
+                                      <p:to>
+                                        <p:strVal val="hidden"/>
+                                      </p:to>
+                                    </p:set>
+                                  </p:childTnLst>
+                                </p:cTn>
+                              </p:par>
+                            </p:childTnLst>
+                          </p:cTn>
+                        </p:par>
+                      </p:childTnLst>
+                    </p:cTn>
+                  </p:par>
+                  <p:par>
+                    <p:cTn id="55" fill="hold">
+                      <p:stCondLst>
+                        <p:cond delay="indefinite"/>
+                      </p:stCondLst>
+                      <p:childTnLst>
+                        <p:par>
+                          <p:cTn id="56" fill="hold">
+                            <p:stCondLst>
+                              <p:cond delay="0"/>
+                            </p:stCondLst>
+                            <p:childTnLst>
+                              <p:par>
+                                <p:cTn id="57" presetID="10" presetClass="entr" presetSubtype="0" fill="hold" nodeType="clickEffect">
+                                  <p:stCondLst>
+                                    <p:cond delay="0"/>
+                                  </p:stCondLst>
+                                  <p:childTnLst>
+                                    <p:set>
+                                      <p:cBhvr>
+                                        <p:cTn id="58" dur="1" fill="hold">
+                                          <p:stCondLst>
+                                            <p:cond delay="0"/>
+                                          </p:stCondLst>
+                                        </p:cTn>
+                                        <p:tgtEl>
+                                          <p:spTgt spid="22"/>
+                                        </p:tgtEl>
+                                        <p:attrNameLst>
+                                          <p:attrName>style.visibility</p:attrName>
+                                        </p:attrNameLst>
+                                      </p:cBhvr>
+                                      <p:to>
+                                        <p:strVal val="visible"/>
+                                      </p:to>
+                                    </p:set>
+                                    <p:animEffect transition="in" filter="fade">
+                                      <p:cBhvr>
+                                        <p:cTn id="59" dur="500"/>
+                                        <p:tgtEl>
+                                          <p:spTgt spid="22"/>
+                                        </p:tgtEl>
+                                      </p:cBhvr>
+                                    </p:animEffect>
+                                  </p:childTnLst>
+                                </p:cTn>
+                              </p:par>
+                            </p:childTnLst>
+                          </p:cTn>
+                        </p:par>
+                      </p:childTnLst>
+                    </p:cTn>
+                  </p:par>
+                  <p:par>
+                    <p:cTn id="60" fill="hold">
+                      <p:stCondLst>
+                        <p:cond delay="indefinite"/>
+                      </p:stCondLst>
+                      <p:childTnLst>
+                        <p:par>
+                          <p:cTn id="61" fill="hold">
+                            <p:stCondLst>
+                              <p:cond delay="0"/>
+                            </p:stCondLst>
+                            <p:childTnLst>
+                              <p:par>
+                                <p:cTn id="62" presetID="10" presetClass="exit" presetSubtype="0" fill="hold" nodeType="clickEffect">
+                                  <p:stCondLst>
+                                    <p:cond delay="0"/>
+                                  </p:stCondLst>
+                                  <p:childTnLst>
+                                    <p:animEffect transition="out" filter="fade">
+                                      <p:cBhvr>
+                                        <p:cTn id="63" dur="500"/>
+                                        <p:tgtEl>
+                                          <p:spTgt spid="22"/>
+                                        </p:tgtEl>
+                                      </p:cBhvr>
+                                    </p:animEffect>
+                                    <p:set>
+                                      <p:cBhvr>
+                                        <p:cTn id="64" dur="1" fill="hold">
+                                          <p:stCondLst>
+                                            <p:cond delay="499"/>
+                                          </p:stCondLst>
+                                        </p:cTn>
+                                        <p:tgtEl>
+                                          <p:spTgt spid="22"/>
+                                        </p:tgtEl>
+                                        <p:attrNameLst>
+                                          <p:attrName>style.visibility</p:attrName>
+                                        </p:attrNameLst>
+                                      </p:cBhvr>
+                                      <p:to>
+                                        <p:strVal val="hidden"/>
+                                      </p:to>
+                                    </p:set>
+                                  </p:childTnLst>
+                                </p:cTn>
+                              </p:par>
+                            </p:childTnLst>
+                          </p:cTn>
+                        </p:par>
+                      </p:childTnLst>
+                    </p:cTn>
+                  </p:par>
+                  <p:par>
+                    <p:cTn id="65" fill="hold">
+                      <p:stCondLst>
+                        <p:cond delay="indefinite"/>
+                      </p:stCondLst>
+                      <p:childTnLst>
+                        <p:par>
+                          <p:cTn id="66" fill="hold">
+                            <p:stCondLst>
+                              <p:cond delay="0"/>
+                            </p:stCondLst>
+                            <p:childTnLst>
+                              <p:par>
+                                <p:cTn id="67" presetID="10" presetClass="entr" presetSubtype="0" fill="hold" nodeType="clickEffect">
+                                  <p:stCondLst>
+                                    <p:cond delay="0"/>
+                                  </p:stCondLst>
+                                  <p:childTnLst>
+                                    <p:set>
+                                      <p:cBhvr>
+                                        <p:cTn id="68" dur="1" fill="hold">
+                                          <p:stCondLst>
+                                            <p:cond delay="0"/>
+                                          </p:stCondLst>
+                                        </p:cTn>
+                                        <p:tgtEl>
+                                          <p:spTgt spid="25"/>
+                                        </p:tgtEl>
+                                        <p:attrNameLst>
+                                          <p:attrName>style.visibility</p:attrName>
+                                        </p:attrNameLst>
+                                      </p:cBhvr>
+                                      <p:to>
+                                        <p:strVal val="visible"/>
+                                      </p:to>
+                                    </p:set>
+                                    <p:animEffect transition="in" filter="fade">
+                                      <p:cBhvr>
+                                        <p:cTn id="69" dur="500"/>
+                                        <p:tgtEl>
+                                          <p:spTgt spid="25"/>
+                                        </p:tgtEl>
+                                      </p:cBhvr>
+                                    </p:animEffect>
+                                  </p:childTnLst>
+                                </p:cTn>
+                              </p:par>
+                            </p:childTnLst>
+                          </p:cTn>
+                        </p:par>
+                      </p:childTnLst>
+                    </p:cTn>
+                  </p:par>
+                  <p:par>
+                    <p:cTn id="70" fill="hold">
+                      <p:stCondLst>
+                        <p:cond delay="indefinite"/>
+                      </p:stCondLst>
+                      <p:childTnLst>
+                        <p:par>
+                          <p:cTn id="71" fill="hold">
+                            <p:stCondLst>
+                              <p:cond delay="0"/>
+                            </p:stCondLst>
+                            <p:childTnLst>
+                              <p:par>
+                                <p:cTn id="72" presetID="10" presetClass="exit" presetSubtype="0" fill="hold" nodeType="clickEffect">
+                                  <p:stCondLst>
+                                    <p:cond delay="0"/>
+                                  </p:stCondLst>
+                                  <p:childTnLst>
+                                    <p:animEffect transition="out" filter="fade">
+                                      <p:cBhvr>
+                                        <p:cTn id="73" dur="500"/>
+                                        <p:tgtEl>
+                                          <p:spTgt spid="25"/>
+                                        </p:tgtEl>
+                                      </p:cBhvr>
+                                    </p:animEffect>
+                                    <p:set>
+                                      <p:cBhvr>
+                                        <p:cTn id="74" dur="1" fill="hold">
+                                          <p:stCondLst>
+                                            <p:cond delay="499"/>
+                                          </p:stCondLst>
+                                        </p:cTn>
+                                        <p:tgtEl>
+                                          <p:spTgt spid="25"/>
+                                        </p:tgtEl>
+                                        <p:attrNameLst>
+                                          <p:attrName>style.visibility</p:attrName>
+                                        </p:attrNameLst>
+                                      </p:cBhvr>
+                                      <p:to>
+                                        <p:strVal val="hidden"/>
+                                      </p:to>
+                                    </p:set>
+                                  </p:childTnLst>
+                                </p:cTn>
+                              </p:par>
+                            </p:childTnLst>
+                          </p:cTn>
+                        </p:par>
+                      </p:childTnLst>
+                    </p:cTn>
+                  </p:par>
+                  <p:par>
+                    <p:cTn id="75" fill="hold">
+                      <p:stCondLst>
+                        <p:cond delay="indefinite"/>
+                      </p:stCondLst>
+                      <p:childTnLst>
+                        <p:par>
+                          <p:cTn id="76" fill="hold">
+                            <p:stCondLst>
+                              <p:cond delay="0"/>
+                            </p:stCondLst>
+                            <p:childTnLst>
+                              <p:par>
+                                <p:cTn id="77" presetID="10" presetClass="entr" presetSubtype="0" fill="hold" nodeType="clickEffect">
+                                  <p:stCondLst>
+                                    <p:cond delay="0"/>
+                                  </p:stCondLst>
+                                  <p:childTnLst>
+                                    <p:set>
+                                      <p:cBhvr>
+                                        <p:cTn id="78" dur="1" fill="hold">
+                                          <p:stCondLst>
+                                            <p:cond delay="0"/>
+                                          </p:stCondLst>
+                                        </p:cTn>
+                                        <p:tgtEl>
+                                          <p:spTgt spid="28"/>
+                                        </p:tgtEl>
+                                        <p:attrNameLst>
+                                          <p:attrName>style.visibility</p:attrName>
+                                        </p:attrNameLst>
+                                      </p:cBhvr>
+                                      <p:to>
+                                        <p:strVal val="visible"/>
+                                      </p:to>
+                                    </p:set>
+                                    <p:animEffect transition="in" filter="fade">
+                                      <p:cBhvr>
+                                        <p:cTn id="79" dur="500"/>
+                                        <p:tgtEl>
+                                          <p:spTgt spid="28"/>
+                                        </p:tgtEl>
+                                      </p:cBhvr>
+                                    </p:animEffect>
+                                  </p:childTnLst>
+                                </p:cTn>
+                              </p:par>
+                            </p:childTnLst>
+                          </p:cTn>
+                        </p:par>
+                      </p:childTnLst>
+                    </p:cTn>
+                  </p:par>
+                  <p:par>
+                    <p:cTn id="80" fill="hold">
+                      <p:stCondLst>
+                        <p:cond delay="indefinite"/>
+                      </p:stCondLst>
+                      <p:childTnLst>
+                        <p:par>
+                          <p:cTn id="81" fill="hold">
+                            <p:stCondLst>
+                              <p:cond delay="0"/>
+                            </p:stCondLst>
+                            <p:childTnLst>
+                              <p:par>
+                                <p:cTn id="82" presetID="42" presetClass="path" presetSubtype="0" accel="50000" decel="50000" fill="hold" nodeType="clickEffect">
+                                  <p:stCondLst>
+                                    <p:cond delay="0"/>
+                                  </p:stCondLst>
+                                  <p:childTnLst>
+                                    <p:animMotion origin="layout" path="M 2.77778E-6 0 L -0.13125 -0.00278 " pathEditMode="relative" rAng="0" ptsTypes="AA">
+                                      <p:cBhvr>
+                                        <p:cTn id="83" dur="2000" fill="hold"/>
+                                        <p:tgtEl>
+                                          <p:spTgt spid="28"/>
+                                        </p:tgtEl>
+                                        <p:attrNameLst>
+                                          <p:attrName>ppt_x</p:attrName>
+                                          <p:attrName>ppt_y</p:attrName>
+                                        </p:attrNameLst>
+                                      </p:cBhvr>
+                                      <p:rCtr x="-6771" y="-139"/>
+                                    </p:animMotion>
+                                  </p:childTnLst>
+                                </p:cTn>
+                              </p:par>
+                            </p:childTnLst>
+                          </p:cTn>
+                        </p:par>
+                      </p:childTnLst>
+                    </p:cTn>
+                  </p:par>
+                  <p:par>
+                    <p:cTn id="84" fill="hold">
+                      <p:stCondLst>
+                        <p:cond delay="indefinite"/>
+                      </p:stCondLst>
+                      <p:childTnLst>
+                        <p:par>
+                          <p:cTn id="85" fill="hold">
+                            <p:stCondLst>
+                              <p:cond delay="0"/>
+                            </p:stCondLst>
+                            <p:childTnLst>
+                              <p:par>
+                                <p:cTn id="86" presetID="10" presetClass="entr" presetSubtype="0" fill="hold" grpId="0" nodeType="clickEffect">
+                                  <p:stCondLst>
+                                    <p:cond delay="0"/>
+                                  </p:stCondLst>
+                                  <p:childTnLst>
+                                    <p:set>
+                                      <p:cBhvr>
+                                        <p:cTn id="87" dur="1" fill="hold">
+                                          <p:stCondLst>
+                                            <p:cond delay="0"/>
+                                          </p:stCondLst>
+                                        </p:cTn>
+                                        <p:tgtEl>
+                                          <p:spTgt spid="38"/>
+                                        </p:tgtEl>
+                                        <p:attrNameLst>
+                                          <p:attrName>style.visibility</p:attrName>
+                                        </p:attrNameLst>
+                                      </p:cBhvr>
+                                      <p:to>
+                                        <p:strVal val="visible"/>
+                                      </p:to>
+                                    </p:set>
+                                    <p:animEffect transition="in" filter="fade">
+                                      <p:cBhvr>
+                                        <p:cTn id="88" dur="500"/>
+                                        <p:tgtEl>
+                                          <p:spTgt spid="38"/>
                                         </p:tgtEl>
                                       </p:cBhvr>
                                     </p:animEffect>
@@ -4627,1528 +5902,15 @@
       </p:par>
     </p:tnLst>
     <p:bldLst>
-      <p:bldP spid="9" grpId="0"/>
+      <p:bldP spid="15" grpId="0"/>
+      <p:bldP spid="15" grpId="1"/>
+      <p:bldP spid="38" grpId="0"/>
     </p:bldLst>
   </p:timing>
 </p:sld>
 </file>
 
-<file path=ppt/slides/slide13.xml><?xml version="1.0" encoding="utf-8"?>
-<p:sld xmlns:a="http://schemas.openxmlformats.org/drawingml/2006/main" xmlns:r="http://schemas.openxmlformats.org/officeDocument/2006/relationships" xmlns:p="http://schemas.openxmlformats.org/presentationml/2006/main">
-  <p:cSld>
-    <p:spTree>
-      <p:nvGrpSpPr>
-        <p:cNvPr id="1" name=""/>
-        <p:cNvGrpSpPr/>
-        <p:nvPr/>
-      </p:nvGrpSpPr>
-      <p:grpSpPr>
-        <a:xfrm>
-          <a:off x="0" y="0"/>
-          <a:ext cx="0" cy="0"/>
-          <a:chOff x="0" y="0"/>
-          <a:chExt cx="0" cy="0"/>
-        </a:xfrm>
-      </p:grpSpPr>
-      <p:grpSp>
-        <p:nvGrpSpPr>
-          <p:cNvPr id="8" name="组合 7"/>
-          <p:cNvGrpSpPr/>
-          <p:nvPr/>
-        </p:nvGrpSpPr>
-        <p:grpSpPr>
-          <a:xfrm>
-            <a:off x="3811324" y="3053134"/>
-            <a:ext cx="5390090" cy="894752"/>
-            <a:chOff x="3811324" y="3053134"/>
-            <a:chExt cx="5390090" cy="894752"/>
-          </a:xfrm>
-        </p:grpSpPr>
-        <p:sp>
-          <p:nvSpPr>
-            <p:cNvPr id="4" name="文本框 3"/>
-            <p:cNvSpPr txBox="1"/>
-            <p:nvPr/>
-          </p:nvSpPr>
-          <p:spPr>
-            <a:xfrm>
-              <a:off x="5733798" y="3208123"/>
-              <a:ext cx="3467616" cy="584775"/>
-            </a:xfrm>
-            <a:prstGeom prst="rect">
-              <a:avLst/>
-            </a:prstGeom>
-            <a:noFill/>
-          </p:spPr>
-          <p:txBody>
-            <a:bodyPr wrap="none" rtlCol="0">
-              <a:spAutoFit/>
-            </a:bodyPr>
-            <a:lstStyle/>
-            <a:p>
-              <a:r>
-                <a:rPr lang="zh-CN" altLang="en-US" sz="3200" dirty="0">
-                  <a:latin typeface="微软雅黑" panose="020B0503020204020204" pitchFamily="34" charset="-122"/>
-                  <a:ea typeface="微软雅黑" panose="020B0503020204020204" pitchFamily="34" charset="-122"/>
-                </a:rPr>
-                <a:t>社团短信群发平台</a:t>
-              </a:r>
-            </a:p>
-          </p:txBody>
-        </p:sp>
-        <p:pic>
-          <p:nvPicPr>
-            <p:cNvPr id="7" name="图片 6"/>
-            <p:cNvPicPr>
-              <a:picLocks noChangeAspect="1"/>
-            </p:cNvPicPr>
-            <p:nvPr/>
-          </p:nvPicPr>
-          <p:blipFill>
-            <a:blip r:embed="rId2">
-              <a:extLst>
-                <a:ext uri="{BEBA8EAE-BF5A-486C-A8C5-ECC9F3942E4B}">
-                  <a14:imgProps xmlns:a14="http://schemas.microsoft.com/office/drawing/2010/main">
-                    <a14:imgLayer r:embed="rId3">
-                      <a14:imgEffect>
-                        <a14:artisticPaintStrokes/>
-                      </a14:imgEffect>
-                    </a14:imgLayer>
-                  </a14:imgProps>
-                </a:ext>
-                <a:ext uri="{28A0092B-C50C-407E-A947-70E740481C1C}">
-                  <a14:useLocalDpi xmlns:a14="http://schemas.microsoft.com/office/drawing/2010/main" val="0"/>
-                </a:ext>
-              </a:extLst>
-            </a:blip>
-            <a:stretch>
-              <a:fillRect/>
-            </a:stretch>
-          </p:blipFill>
-          <p:spPr>
-            <a:xfrm>
-              <a:off x="3811324" y="3053134"/>
-              <a:ext cx="1305490" cy="894752"/>
-            </a:xfrm>
-            <a:prstGeom prst="rect">
-              <a:avLst/>
-            </a:prstGeom>
-          </p:spPr>
-        </p:pic>
-      </p:grpSp>
-    </p:spTree>
-    <p:extLst>
-      <p:ext uri="{BB962C8B-B14F-4D97-AF65-F5344CB8AC3E}">
-        <p14:creationId xmlns:p14="http://schemas.microsoft.com/office/powerpoint/2010/main" val="2802214696"/>
-      </p:ext>
-    </p:extLst>
-  </p:cSld>
-  <p:clrMapOvr>
-    <a:masterClrMapping/>
-  </p:clrMapOvr>
-  <mc:AlternateContent xmlns:mc="http://schemas.openxmlformats.org/markup-compatibility/2006" xmlns:p14="http://schemas.microsoft.com/office/powerpoint/2010/main">
-    <mc:Choice Requires="p14">
-      <p:transition spd="med" p14:dur="700">
-        <p:fade/>
-      </p:transition>
-    </mc:Choice>
-    <mc:Fallback xmlns="">
-      <p:transition spd="med">
-        <p:fade/>
-      </p:transition>
-    </mc:Fallback>
-  </mc:AlternateContent>
-  <p:timing>
-    <p:tnLst>
-      <p:par>
-        <p:cTn id="1" dur="indefinite" restart="never" nodeType="tmRoot">
-          <p:childTnLst>
-            <p:seq concurrent="1" nextAc="seek">
-              <p:cTn id="2" dur="indefinite" nodeType="mainSeq">
-                <p:childTnLst>
-                  <p:par>
-                    <p:cTn id="3" fill="hold">
-                      <p:stCondLst>
-                        <p:cond delay="indefinite"/>
-                      </p:stCondLst>
-                      <p:childTnLst>
-                        <p:par>
-                          <p:cTn id="4" fill="hold">
-                            <p:stCondLst>
-                              <p:cond delay="0"/>
-                            </p:stCondLst>
-                            <p:childTnLst>
-                              <p:par>
-                                <p:cTn id="5" presetID="10" presetClass="entr" presetSubtype="0" fill="hold" nodeType="clickEffect">
-                                  <p:stCondLst>
-                                    <p:cond delay="0"/>
-                                  </p:stCondLst>
-                                  <p:childTnLst>
-                                    <p:set>
-                                      <p:cBhvr>
-                                        <p:cTn id="6" dur="1" fill="hold">
-                                          <p:stCondLst>
-                                            <p:cond delay="0"/>
-                                          </p:stCondLst>
-                                        </p:cTn>
-                                        <p:tgtEl>
-                                          <p:spTgt spid="8"/>
-                                        </p:tgtEl>
-                                        <p:attrNameLst>
-                                          <p:attrName>style.visibility</p:attrName>
-                                        </p:attrNameLst>
-                                      </p:cBhvr>
-                                      <p:to>
-                                        <p:strVal val="visible"/>
-                                      </p:to>
-                                    </p:set>
-                                    <p:animEffect transition="in" filter="fade">
-                                      <p:cBhvr>
-                                        <p:cTn id="7" dur="500"/>
-                                        <p:tgtEl>
-                                          <p:spTgt spid="8"/>
-                                        </p:tgtEl>
-                                      </p:cBhvr>
-                                    </p:animEffect>
-                                  </p:childTnLst>
-                                </p:cTn>
-                              </p:par>
-                            </p:childTnLst>
-                          </p:cTn>
-                        </p:par>
-                      </p:childTnLst>
-                    </p:cTn>
-                  </p:par>
-                  <p:par>
-                    <p:cTn id="8" fill="hold">
-                      <p:stCondLst>
-                        <p:cond delay="indefinite"/>
-                      </p:stCondLst>
-                      <p:childTnLst>
-                        <p:par>
-                          <p:cTn id="9" fill="hold">
-                            <p:stCondLst>
-                              <p:cond delay="0"/>
-                            </p:stCondLst>
-                            <p:childTnLst>
-                              <p:par>
-                                <p:cTn id="10" presetID="10" presetClass="exit" presetSubtype="0" fill="hold" nodeType="clickEffect">
-                                  <p:stCondLst>
-                                    <p:cond delay="0"/>
-                                  </p:stCondLst>
-                                  <p:childTnLst>
-                                    <p:animEffect transition="out" filter="fade">
-                                      <p:cBhvr>
-                                        <p:cTn id="11" dur="500"/>
-                                        <p:tgtEl>
-                                          <p:spTgt spid="8"/>
-                                        </p:tgtEl>
-                                      </p:cBhvr>
-                                    </p:animEffect>
-                                    <p:set>
-                                      <p:cBhvr>
-                                        <p:cTn id="12" dur="1" fill="hold">
-                                          <p:stCondLst>
-                                            <p:cond delay="499"/>
-                                          </p:stCondLst>
-                                        </p:cTn>
-                                        <p:tgtEl>
-                                          <p:spTgt spid="8"/>
-                                        </p:tgtEl>
-                                        <p:attrNameLst>
-                                          <p:attrName>style.visibility</p:attrName>
-                                        </p:attrNameLst>
-                                      </p:cBhvr>
-                                      <p:to>
-                                        <p:strVal val="hidden"/>
-                                      </p:to>
-                                    </p:set>
-                                  </p:childTnLst>
-                                </p:cTn>
-                              </p:par>
-                            </p:childTnLst>
-                          </p:cTn>
-                        </p:par>
-                      </p:childTnLst>
-                    </p:cTn>
-                  </p:par>
-                </p:childTnLst>
-              </p:cTn>
-              <p:prevCondLst>
-                <p:cond evt="onPrev" delay="0">
-                  <p:tgtEl>
-                    <p:sldTgt/>
-                  </p:tgtEl>
-                </p:cond>
-              </p:prevCondLst>
-              <p:nextCondLst>
-                <p:cond evt="onNext" delay="0">
-                  <p:tgtEl>
-                    <p:sldTgt/>
-                  </p:tgtEl>
-                </p:cond>
-              </p:nextCondLst>
-            </p:seq>
-          </p:childTnLst>
-        </p:cTn>
-      </p:par>
-    </p:tnLst>
-  </p:timing>
-</p:sld>
-</file>
-
-<file path=ppt/slides/slide14.xml><?xml version="1.0" encoding="utf-8"?>
-<p:sld xmlns:a="http://schemas.openxmlformats.org/drawingml/2006/main" xmlns:r="http://schemas.openxmlformats.org/officeDocument/2006/relationships" xmlns:p="http://schemas.openxmlformats.org/presentationml/2006/main">
-  <p:cSld>
-    <p:spTree>
-      <p:nvGrpSpPr>
-        <p:cNvPr id="1" name=""/>
-        <p:cNvGrpSpPr/>
-        <p:nvPr/>
-      </p:nvGrpSpPr>
-      <p:grpSpPr>
-        <a:xfrm>
-          <a:off x="0" y="0"/>
-          <a:ext cx="0" cy="0"/>
-          <a:chOff x="0" y="0"/>
-          <a:chExt cx="0" cy="0"/>
-        </a:xfrm>
-      </p:grpSpPr>
-      <p:grpSp>
-        <p:nvGrpSpPr>
-          <p:cNvPr id="9" name="组合 8"/>
-          <p:cNvGrpSpPr/>
-          <p:nvPr/>
-        </p:nvGrpSpPr>
-        <p:grpSpPr>
-          <a:xfrm>
-            <a:off x="3897614" y="2890910"/>
-            <a:ext cx="5303800" cy="1219200"/>
-            <a:chOff x="3897614" y="2890910"/>
-            <a:chExt cx="5303800" cy="1219200"/>
-          </a:xfrm>
-        </p:grpSpPr>
-        <p:pic>
-          <p:nvPicPr>
-            <p:cNvPr id="7" name="图片 6"/>
-            <p:cNvPicPr>
-              <a:picLocks noChangeAspect="1"/>
-            </p:cNvPicPr>
-            <p:nvPr/>
-          </p:nvPicPr>
-          <p:blipFill>
-            <a:blip r:embed="rId2">
-              <a:extLst>
-                <a:ext uri="{BEBA8EAE-BF5A-486C-A8C5-ECC9F3942E4B}">
-                  <a14:imgProps xmlns:a14="http://schemas.microsoft.com/office/drawing/2010/main">
-                    <a14:imgLayer r:embed="rId3">
-                      <a14:imgEffect>
-                        <a14:backgroundRemoval t="10000" b="90000" l="10000" r="90000">
-                          <a14:foregroundMark x1="43750" y1="84375" x2="53125" y2="88281"/>
-                          <a14:foregroundMark x1="38281" y1="82813" x2="70313" y2="82813"/>
-                          <a14:foregroundMark x1="87003" y1="46875" x2="88281" y2="56250"/>
-                          <a14:foregroundMark x1="85938" y1="39063" x2="86257" y2="41406"/>
-                          <a14:foregroundMark x1="89301" y1="46875" x2="86719" y2="61719"/>
-                          <a14:backgroundMark x1="92188" y1="41406" x2="92188" y2="46875"/>
-                        </a14:backgroundRemoval>
-                      </a14:imgEffect>
-                    </a14:imgLayer>
-                  </a14:imgProps>
-                </a:ext>
-                <a:ext uri="{28A0092B-C50C-407E-A947-70E740481C1C}">
-                  <a14:useLocalDpi xmlns:a14="http://schemas.microsoft.com/office/drawing/2010/main" val="0"/>
-                </a:ext>
-              </a:extLst>
-            </a:blip>
-            <a:stretch>
-              <a:fillRect/>
-            </a:stretch>
-          </p:blipFill>
-          <p:spPr>
-            <a:xfrm>
-              <a:off x="3897614" y="2890910"/>
-              <a:ext cx="1219200" cy="1219200"/>
-            </a:xfrm>
-            <a:prstGeom prst="rect">
-              <a:avLst/>
-            </a:prstGeom>
-          </p:spPr>
-        </p:pic>
-        <p:sp>
-          <p:nvSpPr>
-            <p:cNvPr id="4" name="文本框 3"/>
-            <p:cNvSpPr txBox="1"/>
-            <p:nvPr/>
-          </p:nvSpPr>
-          <p:spPr>
-            <a:xfrm>
-              <a:off x="5733798" y="3208123"/>
-              <a:ext cx="3467616" cy="584775"/>
-            </a:xfrm>
-            <a:prstGeom prst="rect">
-              <a:avLst/>
-            </a:prstGeom>
-            <a:noFill/>
-          </p:spPr>
-          <p:txBody>
-            <a:bodyPr wrap="none" rtlCol="0">
-              <a:spAutoFit/>
-            </a:bodyPr>
-            <a:lstStyle/>
-            <a:p>
-              <a:r>
-                <a:rPr lang="zh-CN" altLang="en-US" sz="3200" dirty="0">
-                  <a:latin typeface="微软雅黑" panose="020B0503020204020204" pitchFamily="34" charset="-122"/>
-                  <a:ea typeface="微软雅黑" panose="020B0503020204020204" pitchFamily="34" charset="-122"/>
-                </a:rPr>
-                <a:t>社团学习进度平台</a:t>
-              </a:r>
-            </a:p>
-          </p:txBody>
-        </p:sp>
-      </p:grpSp>
-    </p:spTree>
-    <p:extLst>
-      <p:ext uri="{BB962C8B-B14F-4D97-AF65-F5344CB8AC3E}">
-        <p14:creationId xmlns:p14="http://schemas.microsoft.com/office/powerpoint/2010/main" val="2105668949"/>
-      </p:ext>
-    </p:extLst>
-  </p:cSld>
-  <p:clrMapOvr>
-    <a:masterClrMapping/>
-  </p:clrMapOvr>
-  <mc:AlternateContent xmlns:mc="http://schemas.openxmlformats.org/markup-compatibility/2006" xmlns:p14="http://schemas.microsoft.com/office/powerpoint/2010/main">
-    <mc:Choice Requires="p14">
-      <p:transition spd="med" p14:dur="700">
-        <p:fade/>
-      </p:transition>
-    </mc:Choice>
-    <mc:Fallback xmlns="">
-      <p:transition spd="med">
-        <p:fade/>
-      </p:transition>
-    </mc:Fallback>
-  </mc:AlternateContent>
-  <p:timing>
-    <p:tnLst>
-      <p:par>
-        <p:cTn id="1" dur="indefinite" restart="never" nodeType="tmRoot">
-          <p:childTnLst>
-            <p:seq concurrent="1" nextAc="seek">
-              <p:cTn id="2" dur="indefinite" nodeType="mainSeq">
-                <p:childTnLst>
-                  <p:par>
-                    <p:cTn id="3" fill="hold">
-                      <p:stCondLst>
-                        <p:cond delay="indefinite"/>
-                      </p:stCondLst>
-                      <p:childTnLst>
-                        <p:par>
-                          <p:cTn id="4" fill="hold">
-                            <p:stCondLst>
-                              <p:cond delay="0"/>
-                            </p:stCondLst>
-                            <p:childTnLst>
-                              <p:par>
-                                <p:cTn id="5" presetID="10" presetClass="entr" presetSubtype="0" fill="hold" nodeType="clickEffect">
-                                  <p:stCondLst>
-                                    <p:cond delay="0"/>
-                                  </p:stCondLst>
-                                  <p:childTnLst>
-                                    <p:set>
-                                      <p:cBhvr>
-                                        <p:cTn id="6" dur="1" fill="hold">
-                                          <p:stCondLst>
-                                            <p:cond delay="0"/>
-                                          </p:stCondLst>
-                                        </p:cTn>
-                                        <p:tgtEl>
-                                          <p:spTgt spid="9"/>
-                                        </p:tgtEl>
-                                        <p:attrNameLst>
-                                          <p:attrName>style.visibility</p:attrName>
-                                        </p:attrNameLst>
-                                      </p:cBhvr>
-                                      <p:to>
-                                        <p:strVal val="visible"/>
-                                      </p:to>
-                                    </p:set>
-                                    <p:animEffect transition="in" filter="fade">
-                                      <p:cBhvr>
-                                        <p:cTn id="7" dur="500"/>
-                                        <p:tgtEl>
-                                          <p:spTgt spid="9"/>
-                                        </p:tgtEl>
-                                      </p:cBhvr>
-                                    </p:animEffect>
-                                  </p:childTnLst>
-                                </p:cTn>
-                              </p:par>
-                            </p:childTnLst>
-                          </p:cTn>
-                        </p:par>
-                      </p:childTnLst>
-                    </p:cTn>
-                  </p:par>
-                  <p:par>
-                    <p:cTn id="8" fill="hold">
-                      <p:stCondLst>
-                        <p:cond delay="indefinite"/>
-                      </p:stCondLst>
-                      <p:childTnLst>
-                        <p:par>
-                          <p:cTn id="9" fill="hold">
-                            <p:stCondLst>
-                              <p:cond delay="0"/>
-                            </p:stCondLst>
-                            <p:childTnLst>
-                              <p:par>
-                                <p:cTn id="10" presetID="10" presetClass="exit" presetSubtype="0" fill="hold" nodeType="clickEffect">
-                                  <p:stCondLst>
-                                    <p:cond delay="0"/>
-                                  </p:stCondLst>
-                                  <p:childTnLst>
-                                    <p:animEffect transition="out" filter="fade">
-                                      <p:cBhvr>
-                                        <p:cTn id="11" dur="500"/>
-                                        <p:tgtEl>
-                                          <p:spTgt spid="9"/>
-                                        </p:tgtEl>
-                                      </p:cBhvr>
-                                    </p:animEffect>
-                                    <p:set>
-                                      <p:cBhvr>
-                                        <p:cTn id="12" dur="1" fill="hold">
-                                          <p:stCondLst>
-                                            <p:cond delay="499"/>
-                                          </p:stCondLst>
-                                        </p:cTn>
-                                        <p:tgtEl>
-                                          <p:spTgt spid="9"/>
-                                        </p:tgtEl>
-                                        <p:attrNameLst>
-                                          <p:attrName>style.visibility</p:attrName>
-                                        </p:attrNameLst>
-                                      </p:cBhvr>
-                                      <p:to>
-                                        <p:strVal val="hidden"/>
-                                      </p:to>
-                                    </p:set>
-                                  </p:childTnLst>
-                                </p:cTn>
-                              </p:par>
-                            </p:childTnLst>
-                          </p:cTn>
-                        </p:par>
-                      </p:childTnLst>
-                    </p:cTn>
-                  </p:par>
-                </p:childTnLst>
-              </p:cTn>
-              <p:prevCondLst>
-                <p:cond evt="onPrev" delay="0">
-                  <p:tgtEl>
-                    <p:sldTgt/>
-                  </p:tgtEl>
-                </p:cond>
-              </p:prevCondLst>
-              <p:nextCondLst>
-                <p:cond evt="onNext" delay="0">
-                  <p:tgtEl>
-                    <p:sldTgt/>
-                  </p:tgtEl>
-                </p:cond>
-              </p:nextCondLst>
-            </p:seq>
-          </p:childTnLst>
-        </p:cTn>
-      </p:par>
-    </p:tnLst>
-  </p:timing>
-</p:sld>
-</file>
-
-<file path=ppt/slides/slide15.xml><?xml version="1.0" encoding="utf-8"?>
-<p:sld xmlns:a="http://schemas.openxmlformats.org/drawingml/2006/main" xmlns:r="http://schemas.openxmlformats.org/officeDocument/2006/relationships" xmlns:p="http://schemas.openxmlformats.org/presentationml/2006/main">
-  <p:cSld>
-    <p:spTree>
-      <p:nvGrpSpPr>
-        <p:cNvPr id="1" name=""/>
-        <p:cNvGrpSpPr/>
-        <p:nvPr/>
-      </p:nvGrpSpPr>
-      <p:grpSpPr>
-        <a:xfrm>
-          <a:off x="0" y="0"/>
-          <a:ext cx="0" cy="0"/>
-          <a:chOff x="0" y="0"/>
-          <a:chExt cx="0" cy="0"/>
-        </a:xfrm>
-      </p:grpSpPr>
-      <p:grpSp>
-        <p:nvGrpSpPr>
-          <p:cNvPr id="9" name="组合 8"/>
-          <p:cNvGrpSpPr/>
-          <p:nvPr/>
-        </p:nvGrpSpPr>
-        <p:grpSpPr>
-          <a:xfrm>
-            <a:off x="3902175" y="2938616"/>
-            <a:ext cx="4888870" cy="1123788"/>
-            <a:chOff x="3902175" y="2938616"/>
-            <a:chExt cx="4888870" cy="1123788"/>
-          </a:xfrm>
-        </p:grpSpPr>
-        <p:pic>
-          <p:nvPicPr>
-            <p:cNvPr id="7" name="图片 6"/>
-            <p:cNvPicPr>
-              <a:picLocks noChangeAspect="1"/>
-            </p:cNvPicPr>
-            <p:nvPr/>
-          </p:nvPicPr>
-          <p:blipFill>
-            <a:blip r:embed="rId2">
-              <a:extLst>
-                <a:ext uri="{28A0092B-C50C-407E-A947-70E740481C1C}">
-                  <a14:useLocalDpi xmlns:a14="http://schemas.microsoft.com/office/drawing/2010/main" val="0"/>
-                </a:ext>
-              </a:extLst>
-            </a:blip>
-            <a:stretch>
-              <a:fillRect/>
-            </a:stretch>
-          </p:blipFill>
-          <p:spPr>
-            <a:xfrm>
-              <a:off x="3902175" y="2938616"/>
-              <a:ext cx="1123788" cy="1123788"/>
-            </a:xfrm>
-            <a:prstGeom prst="rect">
-              <a:avLst/>
-            </a:prstGeom>
-          </p:spPr>
-        </p:pic>
-        <p:sp>
-          <p:nvSpPr>
-            <p:cNvPr id="4" name="文本框 3"/>
-            <p:cNvSpPr txBox="1"/>
-            <p:nvPr/>
-          </p:nvSpPr>
-          <p:spPr>
-            <a:xfrm>
-              <a:off x="5733798" y="3208123"/>
-              <a:ext cx="3057247" cy="584775"/>
-            </a:xfrm>
-            <a:prstGeom prst="rect">
-              <a:avLst/>
-            </a:prstGeom>
-            <a:noFill/>
-          </p:spPr>
-          <p:txBody>
-            <a:bodyPr wrap="none" rtlCol="0">
-              <a:spAutoFit/>
-            </a:bodyPr>
-            <a:lstStyle/>
-            <a:p>
-              <a:r>
-                <a:rPr lang="zh-CN" altLang="en-US" sz="3200" dirty="0">
-                  <a:latin typeface="微软雅黑" panose="020B0503020204020204" pitchFamily="34" charset="-122"/>
-                  <a:ea typeface="微软雅黑" panose="020B0503020204020204" pitchFamily="34" charset="-122"/>
-                </a:rPr>
-                <a:t>社团排课班系统</a:t>
-              </a:r>
-            </a:p>
-          </p:txBody>
-        </p:sp>
-      </p:grpSp>
-    </p:spTree>
-    <p:extLst>
-      <p:ext uri="{BB962C8B-B14F-4D97-AF65-F5344CB8AC3E}">
-        <p14:creationId xmlns:p14="http://schemas.microsoft.com/office/powerpoint/2010/main" val="162373148"/>
-      </p:ext>
-    </p:extLst>
-  </p:cSld>
-  <p:clrMapOvr>
-    <a:masterClrMapping/>
-  </p:clrMapOvr>
-  <mc:AlternateContent xmlns:mc="http://schemas.openxmlformats.org/markup-compatibility/2006" xmlns:p14="http://schemas.microsoft.com/office/powerpoint/2010/main">
-    <mc:Choice Requires="p14">
-      <p:transition spd="med" p14:dur="700">
-        <p:fade/>
-      </p:transition>
-    </mc:Choice>
-    <mc:Fallback xmlns="">
-      <p:transition spd="med">
-        <p:fade/>
-      </p:transition>
-    </mc:Fallback>
-  </mc:AlternateContent>
-  <p:timing>
-    <p:tnLst>
-      <p:par>
-        <p:cTn id="1" dur="indefinite" restart="never" nodeType="tmRoot">
-          <p:childTnLst>
-            <p:seq concurrent="1" nextAc="seek">
-              <p:cTn id="2" dur="indefinite" nodeType="mainSeq">
-                <p:childTnLst>
-                  <p:par>
-                    <p:cTn id="3" fill="hold">
-                      <p:stCondLst>
-                        <p:cond delay="indefinite"/>
-                      </p:stCondLst>
-                      <p:childTnLst>
-                        <p:par>
-                          <p:cTn id="4" fill="hold">
-                            <p:stCondLst>
-                              <p:cond delay="0"/>
-                            </p:stCondLst>
-                            <p:childTnLst>
-                              <p:par>
-                                <p:cTn id="5" presetID="10" presetClass="entr" presetSubtype="0" fill="hold" nodeType="clickEffect">
-                                  <p:stCondLst>
-                                    <p:cond delay="0"/>
-                                  </p:stCondLst>
-                                  <p:childTnLst>
-                                    <p:set>
-                                      <p:cBhvr>
-                                        <p:cTn id="6" dur="1" fill="hold">
-                                          <p:stCondLst>
-                                            <p:cond delay="0"/>
-                                          </p:stCondLst>
-                                        </p:cTn>
-                                        <p:tgtEl>
-                                          <p:spTgt spid="9"/>
-                                        </p:tgtEl>
-                                        <p:attrNameLst>
-                                          <p:attrName>style.visibility</p:attrName>
-                                        </p:attrNameLst>
-                                      </p:cBhvr>
-                                      <p:to>
-                                        <p:strVal val="visible"/>
-                                      </p:to>
-                                    </p:set>
-                                    <p:animEffect transition="in" filter="fade">
-                                      <p:cBhvr>
-                                        <p:cTn id="7" dur="500"/>
-                                        <p:tgtEl>
-                                          <p:spTgt spid="9"/>
-                                        </p:tgtEl>
-                                      </p:cBhvr>
-                                    </p:animEffect>
-                                  </p:childTnLst>
-                                </p:cTn>
-                              </p:par>
-                            </p:childTnLst>
-                          </p:cTn>
-                        </p:par>
-                      </p:childTnLst>
-                    </p:cTn>
-                  </p:par>
-                  <p:par>
-                    <p:cTn id="8" fill="hold">
-                      <p:stCondLst>
-                        <p:cond delay="indefinite"/>
-                      </p:stCondLst>
-                      <p:childTnLst>
-                        <p:par>
-                          <p:cTn id="9" fill="hold">
-                            <p:stCondLst>
-                              <p:cond delay="0"/>
-                            </p:stCondLst>
-                            <p:childTnLst>
-                              <p:par>
-                                <p:cTn id="10" presetID="10" presetClass="exit" presetSubtype="0" fill="hold" nodeType="clickEffect">
-                                  <p:stCondLst>
-                                    <p:cond delay="0"/>
-                                  </p:stCondLst>
-                                  <p:childTnLst>
-                                    <p:animEffect transition="out" filter="fade">
-                                      <p:cBhvr>
-                                        <p:cTn id="11" dur="500"/>
-                                        <p:tgtEl>
-                                          <p:spTgt spid="9"/>
-                                        </p:tgtEl>
-                                      </p:cBhvr>
-                                    </p:animEffect>
-                                    <p:set>
-                                      <p:cBhvr>
-                                        <p:cTn id="12" dur="1" fill="hold">
-                                          <p:stCondLst>
-                                            <p:cond delay="499"/>
-                                          </p:stCondLst>
-                                        </p:cTn>
-                                        <p:tgtEl>
-                                          <p:spTgt spid="9"/>
-                                        </p:tgtEl>
-                                        <p:attrNameLst>
-                                          <p:attrName>style.visibility</p:attrName>
-                                        </p:attrNameLst>
-                                      </p:cBhvr>
-                                      <p:to>
-                                        <p:strVal val="hidden"/>
-                                      </p:to>
-                                    </p:set>
-                                  </p:childTnLst>
-                                </p:cTn>
-                              </p:par>
-                            </p:childTnLst>
-                          </p:cTn>
-                        </p:par>
-                      </p:childTnLst>
-                    </p:cTn>
-                  </p:par>
-                </p:childTnLst>
-              </p:cTn>
-              <p:prevCondLst>
-                <p:cond evt="onPrev" delay="0">
-                  <p:tgtEl>
-                    <p:sldTgt/>
-                  </p:tgtEl>
-                </p:cond>
-              </p:prevCondLst>
-              <p:nextCondLst>
-                <p:cond evt="onNext" delay="0">
-                  <p:tgtEl>
-                    <p:sldTgt/>
-                  </p:tgtEl>
-                </p:cond>
-              </p:nextCondLst>
-            </p:seq>
-          </p:childTnLst>
-        </p:cTn>
-      </p:par>
-    </p:tnLst>
-  </p:timing>
-</p:sld>
-</file>
-
-<file path=ppt/slides/slide16.xml><?xml version="1.0" encoding="utf-8"?>
-<p:sld xmlns:a="http://schemas.openxmlformats.org/drawingml/2006/main" xmlns:r="http://schemas.openxmlformats.org/officeDocument/2006/relationships" xmlns:p="http://schemas.openxmlformats.org/presentationml/2006/main">
-  <p:cSld>
-    <p:spTree>
-      <p:nvGrpSpPr>
-        <p:cNvPr id="1" name=""/>
-        <p:cNvGrpSpPr/>
-        <p:nvPr/>
-      </p:nvGrpSpPr>
-      <p:grpSpPr>
-        <a:xfrm>
-          <a:off x="0" y="0"/>
-          <a:ext cx="0" cy="0"/>
-          <a:chOff x="0" y="0"/>
-          <a:chExt cx="0" cy="0"/>
-        </a:xfrm>
-      </p:grpSpPr>
-      <p:grpSp>
-        <p:nvGrpSpPr>
-          <p:cNvPr id="11" name="组合 10"/>
-          <p:cNvGrpSpPr/>
-          <p:nvPr/>
-        </p:nvGrpSpPr>
-        <p:grpSpPr>
-          <a:xfrm>
-            <a:off x="3400955" y="1651011"/>
-            <a:ext cx="5390090" cy="3555978"/>
-            <a:chOff x="1812169" y="2509991"/>
-            <a:chExt cx="5390090" cy="3555978"/>
-          </a:xfrm>
-        </p:grpSpPr>
-        <p:grpSp>
-          <p:nvGrpSpPr>
-            <p:cNvPr id="2" name="组合 1"/>
-            <p:cNvGrpSpPr/>
-            <p:nvPr/>
-          </p:nvGrpSpPr>
-          <p:grpSpPr>
-            <a:xfrm>
-              <a:off x="1812169" y="2509991"/>
-              <a:ext cx="4888870" cy="1123788"/>
-              <a:chOff x="3902175" y="2938616"/>
-              <a:chExt cx="4888870" cy="1123788"/>
-            </a:xfrm>
-          </p:grpSpPr>
-          <p:pic>
-            <p:nvPicPr>
-              <p:cNvPr id="3" name="图片 2"/>
-              <p:cNvPicPr>
-                <a:picLocks noChangeAspect="1"/>
-              </p:cNvPicPr>
-              <p:nvPr/>
-            </p:nvPicPr>
-            <p:blipFill>
-              <a:blip r:embed="rId2">
-                <a:extLst>
-                  <a:ext uri="{28A0092B-C50C-407E-A947-70E740481C1C}">
-                    <a14:useLocalDpi xmlns:a14="http://schemas.microsoft.com/office/drawing/2010/main" val="0"/>
-                  </a:ext>
-                </a:extLst>
-              </a:blip>
-              <a:stretch>
-                <a:fillRect/>
-              </a:stretch>
-            </p:blipFill>
-            <p:spPr>
-              <a:xfrm>
-                <a:off x="3902175" y="2938616"/>
-                <a:ext cx="1123788" cy="1123788"/>
-              </a:xfrm>
-              <a:prstGeom prst="rect">
-                <a:avLst/>
-              </a:prstGeom>
-            </p:spPr>
-          </p:pic>
-          <p:sp>
-            <p:nvSpPr>
-              <p:cNvPr id="4" name="文本框 3"/>
-              <p:cNvSpPr txBox="1"/>
-              <p:nvPr/>
-            </p:nvSpPr>
-            <p:spPr>
-              <a:xfrm>
-                <a:off x="5733798" y="3208123"/>
-                <a:ext cx="3057247" cy="584775"/>
-              </a:xfrm>
-              <a:prstGeom prst="rect">
-                <a:avLst/>
-              </a:prstGeom>
-              <a:noFill/>
-            </p:spPr>
-            <p:txBody>
-              <a:bodyPr wrap="none" rtlCol="0">
-                <a:spAutoFit/>
-              </a:bodyPr>
-              <a:lstStyle/>
-              <a:p>
-                <a:r>
-                  <a:rPr lang="zh-CN" altLang="en-US" sz="3200" dirty="0">
-                    <a:latin typeface="微软雅黑" panose="020B0503020204020204" pitchFamily="34" charset="-122"/>
-                    <a:ea typeface="微软雅黑" panose="020B0503020204020204" pitchFamily="34" charset="-122"/>
-                  </a:rPr>
-                  <a:t>社团排课班系统</a:t>
-                </a:r>
-              </a:p>
-            </p:txBody>
-          </p:sp>
-        </p:grpSp>
-        <p:grpSp>
-          <p:nvGrpSpPr>
-            <p:cNvPr id="5" name="组合 4"/>
-            <p:cNvGrpSpPr/>
-            <p:nvPr/>
-          </p:nvGrpSpPr>
-          <p:grpSpPr>
-            <a:xfrm>
-              <a:off x="1812169" y="3792898"/>
-              <a:ext cx="5303800" cy="1219200"/>
-              <a:chOff x="3897614" y="2890910"/>
-              <a:chExt cx="5303800" cy="1219200"/>
-            </a:xfrm>
-          </p:grpSpPr>
-          <p:pic>
-            <p:nvPicPr>
-              <p:cNvPr id="6" name="图片 5"/>
-              <p:cNvPicPr>
-                <a:picLocks noChangeAspect="1"/>
-              </p:cNvPicPr>
-              <p:nvPr/>
-            </p:nvPicPr>
-            <p:blipFill>
-              <a:blip r:embed="rId3">
-                <a:extLst>
-                  <a:ext uri="{BEBA8EAE-BF5A-486C-A8C5-ECC9F3942E4B}">
-                    <a14:imgProps xmlns:a14="http://schemas.microsoft.com/office/drawing/2010/main">
-                      <a14:imgLayer r:embed="rId4">
-                        <a14:imgEffect>
-                          <a14:backgroundRemoval t="10000" b="90000" l="10000" r="90000">
-                            <a14:foregroundMark x1="43750" y1="84375" x2="53125" y2="88281"/>
-                            <a14:foregroundMark x1="38281" y1="82813" x2="70313" y2="82813"/>
-                            <a14:foregroundMark x1="87003" y1="46875" x2="88281" y2="56250"/>
-                            <a14:foregroundMark x1="85938" y1="39063" x2="86257" y2="41406"/>
-                            <a14:foregroundMark x1="89301" y1="46875" x2="86719" y2="61719"/>
-                            <a14:backgroundMark x1="92188" y1="41406" x2="92188" y2="46875"/>
-                          </a14:backgroundRemoval>
-                        </a14:imgEffect>
-                      </a14:imgLayer>
-                    </a14:imgProps>
-                  </a:ext>
-                  <a:ext uri="{28A0092B-C50C-407E-A947-70E740481C1C}">
-                    <a14:useLocalDpi xmlns:a14="http://schemas.microsoft.com/office/drawing/2010/main" val="0"/>
-                  </a:ext>
-                </a:extLst>
-              </a:blip>
-              <a:stretch>
-                <a:fillRect/>
-              </a:stretch>
-            </p:blipFill>
-            <p:spPr>
-              <a:xfrm>
-                <a:off x="3897614" y="2890910"/>
-                <a:ext cx="1219200" cy="1219200"/>
-              </a:xfrm>
-              <a:prstGeom prst="rect">
-                <a:avLst/>
-              </a:prstGeom>
-            </p:spPr>
-          </p:pic>
-          <p:sp>
-            <p:nvSpPr>
-              <p:cNvPr id="7" name="文本框 6"/>
-              <p:cNvSpPr txBox="1"/>
-              <p:nvPr/>
-            </p:nvSpPr>
-            <p:spPr>
-              <a:xfrm>
-                <a:off x="5733798" y="3208123"/>
-                <a:ext cx="3467616" cy="584775"/>
-              </a:xfrm>
-              <a:prstGeom prst="rect">
-                <a:avLst/>
-              </a:prstGeom>
-              <a:noFill/>
-            </p:spPr>
-            <p:txBody>
-              <a:bodyPr wrap="none" rtlCol="0">
-                <a:spAutoFit/>
-              </a:bodyPr>
-              <a:lstStyle/>
-              <a:p>
-                <a:r>
-                  <a:rPr lang="zh-CN" altLang="en-US" sz="3200" dirty="0">
-                    <a:latin typeface="微软雅黑" panose="020B0503020204020204" pitchFamily="34" charset="-122"/>
-                    <a:ea typeface="微软雅黑" panose="020B0503020204020204" pitchFamily="34" charset="-122"/>
-                  </a:rPr>
-                  <a:t>社团学习进度平台</a:t>
-                </a:r>
-              </a:p>
-            </p:txBody>
-          </p:sp>
-        </p:grpSp>
-        <p:grpSp>
-          <p:nvGrpSpPr>
-            <p:cNvPr id="8" name="组合 7"/>
-            <p:cNvGrpSpPr/>
-            <p:nvPr/>
-          </p:nvGrpSpPr>
-          <p:grpSpPr>
-            <a:xfrm>
-              <a:off x="1812169" y="5171217"/>
-              <a:ext cx="5390090" cy="894752"/>
-              <a:chOff x="3811324" y="3053134"/>
-              <a:chExt cx="5390090" cy="894752"/>
-            </a:xfrm>
-          </p:grpSpPr>
-          <p:sp>
-            <p:nvSpPr>
-              <p:cNvPr id="9" name="文本框 8"/>
-              <p:cNvSpPr txBox="1"/>
-              <p:nvPr/>
-            </p:nvSpPr>
-            <p:spPr>
-              <a:xfrm>
-                <a:off x="5733798" y="3208123"/>
-                <a:ext cx="3467616" cy="584775"/>
-              </a:xfrm>
-              <a:prstGeom prst="rect">
-                <a:avLst/>
-              </a:prstGeom>
-              <a:noFill/>
-            </p:spPr>
-            <p:txBody>
-              <a:bodyPr wrap="none" rtlCol="0">
-                <a:spAutoFit/>
-              </a:bodyPr>
-              <a:lstStyle/>
-              <a:p>
-                <a:r>
-                  <a:rPr lang="zh-CN" altLang="en-US" sz="3200" dirty="0">
-                    <a:latin typeface="微软雅黑" panose="020B0503020204020204" pitchFamily="34" charset="-122"/>
-                    <a:ea typeface="微软雅黑" panose="020B0503020204020204" pitchFamily="34" charset="-122"/>
-                  </a:rPr>
-                  <a:t>社团短信群发平台</a:t>
-                </a:r>
-              </a:p>
-            </p:txBody>
-          </p:sp>
-          <p:pic>
-            <p:nvPicPr>
-              <p:cNvPr id="10" name="图片 9"/>
-              <p:cNvPicPr>
-                <a:picLocks noChangeAspect="1"/>
-              </p:cNvPicPr>
-              <p:nvPr/>
-            </p:nvPicPr>
-            <p:blipFill>
-              <a:blip r:embed="rId5">
-                <a:extLst>
-                  <a:ext uri="{BEBA8EAE-BF5A-486C-A8C5-ECC9F3942E4B}">
-                    <a14:imgProps xmlns:a14="http://schemas.microsoft.com/office/drawing/2010/main">
-                      <a14:imgLayer r:embed="rId6">
-                        <a14:imgEffect>
-                          <a14:artisticPaintStrokes/>
-                        </a14:imgEffect>
-                      </a14:imgLayer>
-                    </a14:imgProps>
-                  </a:ext>
-                  <a:ext uri="{28A0092B-C50C-407E-A947-70E740481C1C}">
-                    <a14:useLocalDpi xmlns:a14="http://schemas.microsoft.com/office/drawing/2010/main" val="0"/>
-                  </a:ext>
-                </a:extLst>
-              </a:blip>
-              <a:stretch>
-                <a:fillRect/>
-              </a:stretch>
-            </p:blipFill>
-            <p:spPr>
-              <a:xfrm>
-                <a:off x="3811324" y="3053134"/>
-                <a:ext cx="1305490" cy="894752"/>
-              </a:xfrm>
-              <a:prstGeom prst="rect">
-                <a:avLst/>
-              </a:prstGeom>
-            </p:spPr>
-          </p:pic>
-        </p:grpSp>
-      </p:grpSp>
-      <p:sp>
-        <p:nvSpPr>
-          <p:cNvPr id="12" name="文本框 11"/>
-          <p:cNvSpPr txBox="1"/>
-          <p:nvPr/>
-        </p:nvSpPr>
-        <p:spPr>
-          <a:xfrm>
-            <a:off x="7743037" y="1905506"/>
-            <a:ext cx="3860352" cy="3416320"/>
-          </a:xfrm>
-          <a:prstGeom prst="rect">
-            <a:avLst/>
-          </a:prstGeom>
-          <a:noFill/>
-        </p:spPr>
-        <p:txBody>
-          <a:bodyPr wrap="none" rtlCol="0">
-            <a:spAutoFit/>
-          </a:bodyPr>
-          <a:lstStyle/>
-          <a:p>
-            <a:r>
-              <a:rPr lang="zh-CN" altLang="en-US" sz="2400" dirty="0">
-                <a:latin typeface="微软雅黑" panose="020B0503020204020204" pitchFamily="34" charset="-122"/>
-                <a:ea typeface="微软雅黑" panose="020B0503020204020204" pitchFamily="34" charset="-122"/>
-              </a:rPr>
-              <a:t>基于</a:t>
-            </a:r>
-            <a:r>
-              <a:rPr lang="en-US" altLang="zh-CN" sz="2400" dirty="0">
-                <a:latin typeface="微软雅黑" panose="020B0503020204020204" pitchFamily="34" charset="-122"/>
-                <a:ea typeface="微软雅黑" panose="020B0503020204020204" pitchFamily="34" charset="-122"/>
-              </a:rPr>
-              <a:t>Node.js</a:t>
-            </a:r>
-          </a:p>
-          <a:p>
-            <a:r>
-              <a:rPr lang="zh-CN" altLang="en-US" sz="2400" dirty="0">
-                <a:latin typeface="微软雅黑" panose="020B0503020204020204" pitchFamily="34" charset="-122"/>
-                <a:ea typeface="微软雅黑" panose="020B0503020204020204" pitchFamily="34" charset="-122"/>
-              </a:rPr>
-              <a:t>可运行在</a:t>
-            </a:r>
-            <a:r>
-              <a:rPr lang="en-US" altLang="zh-CN" sz="2400" dirty="0">
-                <a:latin typeface="微软雅黑" panose="020B0503020204020204" pitchFamily="34" charset="-122"/>
-                <a:ea typeface="微软雅黑" panose="020B0503020204020204" pitchFamily="34" charset="-122"/>
-              </a:rPr>
-              <a:t>Linux</a:t>
-            </a:r>
-            <a:r>
-              <a:rPr lang="zh-CN" altLang="en-US" sz="2400" dirty="0">
-                <a:latin typeface="微软雅黑" panose="020B0503020204020204" pitchFamily="34" charset="-122"/>
-                <a:ea typeface="微软雅黑" panose="020B0503020204020204" pitchFamily="34" charset="-122"/>
-              </a:rPr>
-              <a:t>与</a:t>
-            </a:r>
-            <a:r>
-              <a:rPr lang="en-US" altLang="zh-CN" sz="2400" dirty="0">
-                <a:latin typeface="微软雅黑" panose="020B0503020204020204" pitchFamily="34" charset="-122"/>
-                <a:ea typeface="微软雅黑" panose="020B0503020204020204" pitchFamily="34" charset="-122"/>
-              </a:rPr>
-              <a:t>Windows</a:t>
-            </a:r>
-          </a:p>
-          <a:p>
-            <a:r>
-              <a:rPr lang="zh-CN" altLang="en-US" sz="2400" dirty="0">
-                <a:latin typeface="微软雅黑" panose="020B0503020204020204" pitchFamily="34" charset="-122"/>
-                <a:ea typeface="微软雅黑" panose="020B0503020204020204" pitchFamily="34" charset="-122"/>
-              </a:rPr>
-              <a:t>使用</a:t>
-            </a:r>
-            <a:r>
-              <a:rPr lang="en-US" altLang="zh-CN" sz="2400" dirty="0">
-                <a:latin typeface="微软雅黑" panose="020B0503020204020204" pitchFamily="34" charset="-122"/>
-                <a:ea typeface="微软雅黑" panose="020B0503020204020204" pitchFamily="34" charset="-122"/>
-              </a:rPr>
-              <a:t>MongoDB</a:t>
-            </a:r>
-            <a:r>
-              <a:rPr lang="zh-CN" altLang="en-US" sz="2400" dirty="0">
-                <a:latin typeface="微软雅黑" panose="020B0503020204020204" pitchFamily="34" charset="-122"/>
-                <a:ea typeface="微软雅黑" panose="020B0503020204020204" pitchFamily="34" charset="-122"/>
-              </a:rPr>
-              <a:t>数据库</a:t>
-            </a:r>
-            <a:endParaRPr lang="en-US" altLang="zh-CN" sz="2400" dirty="0">
-              <a:latin typeface="微软雅黑" panose="020B0503020204020204" pitchFamily="34" charset="-122"/>
-              <a:ea typeface="微软雅黑" panose="020B0503020204020204" pitchFamily="34" charset="-122"/>
-            </a:endParaRPr>
-          </a:p>
-          <a:p>
-            <a:r>
-              <a:rPr lang="zh-CN" altLang="en-US" sz="2400" dirty="0">
-                <a:latin typeface="微软雅黑" panose="020B0503020204020204" pitchFamily="34" charset="-122"/>
-                <a:ea typeface="微软雅黑" panose="020B0503020204020204" pitchFamily="34" charset="-122"/>
-              </a:rPr>
-              <a:t>使用</a:t>
-            </a:r>
-            <a:r>
-              <a:rPr lang="en-US" altLang="zh-CN" sz="2400" dirty="0">
-                <a:latin typeface="微软雅黑" panose="020B0503020204020204" pitchFamily="34" charset="-122"/>
-                <a:ea typeface="微软雅黑" panose="020B0503020204020204" pitchFamily="34" charset="-122"/>
-              </a:rPr>
-              <a:t>Express</a:t>
-            </a:r>
-            <a:r>
-              <a:rPr lang="zh-CN" altLang="en-US" sz="2400" dirty="0">
-                <a:latin typeface="微软雅黑" panose="020B0503020204020204" pitchFamily="34" charset="-122"/>
-                <a:ea typeface="微软雅黑" panose="020B0503020204020204" pitchFamily="34" charset="-122"/>
-              </a:rPr>
-              <a:t>框架</a:t>
-            </a:r>
-            <a:endParaRPr lang="en-US" altLang="zh-CN" sz="2400" dirty="0">
-              <a:latin typeface="微软雅黑" panose="020B0503020204020204" pitchFamily="34" charset="-122"/>
-              <a:ea typeface="微软雅黑" panose="020B0503020204020204" pitchFamily="34" charset="-122"/>
-            </a:endParaRPr>
-          </a:p>
-          <a:p>
-            <a:r>
-              <a:rPr lang="zh-CN" altLang="en-US" sz="2400" dirty="0">
-                <a:latin typeface="微软雅黑" panose="020B0503020204020204" pitchFamily="34" charset="-122"/>
-                <a:ea typeface="微软雅黑" panose="020B0503020204020204" pitchFamily="34" charset="-122"/>
-              </a:rPr>
-              <a:t>与</a:t>
-            </a:r>
-            <a:r>
-              <a:rPr lang="en-US" altLang="zh-CN" sz="2400" dirty="0">
-                <a:latin typeface="微软雅黑" panose="020B0503020204020204" pitchFamily="34" charset="-122"/>
-                <a:ea typeface="微软雅黑" panose="020B0503020204020204" pitchFamily="34" charset="-122"/>
-              </a:rPr>
-              <a:t>C</a:t>
-            </a:r>
-            <a:r>
-              <a:rPr lang="zh-CN" altLang="en-US" sz="2400" dirty="0">
-                <a:latin typeface="微软雅黑" panose="020B0503020204020204" pitchFamily="34" charset="-122"/>
-                <a:ea typeface="微软雅黑" panose="020B0503020204020204" pitchFamily="34" charset="-122"/>
-              </a:rPr>
-              <a:t>算法结合</a:t>
-            </a:r>
-            <a:endParaRPr lang="en-US" altLang="zh-CN" sz="2400" dirty="0">
-              <a:latin typeface="微软雅黑" panose="020B0503020204020204" pitchFamily="34" charset="-122"/>
-              <a:ea typeface="微软雅黑" panose="020B0503020204020204" pitchFamily="34" charset="-122"/>
-            </a:endParaRPr>
-          </a:p>
-          <a:p>
-            <a:r>
-              <a:rPr lang="zh-CN" altLang="en-US" sz="2400" dirty="0">
-                <a:latin typeface="微软雅黑" panose="020B0503020204020204" pitchFamily="34" charset="-122"/>
-                <a:ea typeface="微软雅黑" panose="020B0503020204020204" pitchFamily="34" charset="-122"/>
-              </a:rPr>
-              <a:t>前端使用了</a:t>
-            </a:r>
-            <a:r>
-              <a:rPr lang="en-US" altLang="zh-CN" sz="2400" dirty="0">
-                <a:latin typeface="微软雅黑" panose="020B0503020204020204" pitchFamily="34" charset="-122"/>
-                <a:ea typeface="微软雅黑" panose="020B0503020204020204" pitchFamily="34" charset="-122"/>
-              </a:rPr>
-              <a:t>Bootstrap</a:t>
-            </a:r>
-            <a:r>
-              <a:rPr lang="zh-CN" altLang="en-US" sz="2400" dirty="0">
-                <a:latin typeface="微软雅黑" panose="020B0503020204020204" pitchFamily="34" charset="-122"/>
-                <a:ea typeface="微软雅黑" panose="020B0503020204020204" pitchFamily="34" charset="-122"/>
-              </a:rPr>
-              <a:t>框架</a:t>
-            </a:r>
-            <a:endParaRPr lang="en-US" altLang="zh-CN" sz="2400" dirty="0">
-              <a:latin typeface="微软雅黑" panose="020B0503020204020204" pitchFamily="34" charset="-122"/>
-              <a:ea typeface="微软雅黑" panose="020B0503020204020204" pitchFamily="34" charset="-122"/>
-            </a:endParaRPr>
-          </a:p>
-          <a:p>
-            <a:r>
-              <a:rPr lang="en-US" altLang="zh-CN" sz="2400" dirty="0" err="1">
-                <a:latin typeface="微软雅黑" panose="020B0503020204020204" pitchFamily="34" charset="-122"/>
-                <a:ea typeface="微软雅黑" panose="020B0503020204020204" pitchFamily="34" charset="-122"/>
-              </a:rPr>
-              <a:t>Jsonp</a:t>
-            </a:r>
-            <a:r>
-              <a:rPr lang="zh-CN" altLang="en-US" sz="2400" dirty="0">
-                <a:latin typeface="微软雅黑" panose="020B0503020204020204" pitchFamily="34" charset="-122"/>
-                <a:ea typeface="微软雅黑" panose="020B0503020204020204" pitchFamily="34" charset="-122"/>
-              </a:rPr>
-              <a:t>跨域访问</a:t>
-            </a:r>
-            <a:endParaRPr lang="en-US" altLang="zh-CN" sz="2400" dirty="0">
-              <a:latin typeface="微软雅黑" panose="020B0503020204020204" pitchFamily="34" charset="-122"/>
-              <a:ea typeface="微软雅黑" panose="020B0503020204020204" pitchFamily="34" charset="-122"/>
-            </a:endParaRPr>
-          </a:p>
-          <a:p>
-            <a:r>
-              <a:rPr lang="en-US" altLang="zh-CN" sz="2400" dirty="0">
-                <a:latin typeface="微软雅黑" panose="020B0503020204020204" pitchFamily="34" charset="-122"/>
-                <a:ea typeface="微软雅黑" panose="020B0503020204020204" pitchFamily="34" charset="-122"/>
-              </a:rPr>
-              <a:t>API</a:t>
-            </a:r>
-            <a:r>
-              <a:rPr lang="zh-CN" altLang="en-US" sz="2400" dirty="0">
-                <a:latin typeface="微软雅黑" panose="020B0503020204020204" pitchFamily="34" charset="-122"/>
-                <a:ea typeface="微软雅黑" panose="020B0503020204020204" pitchFamily="34" charset="-122"/>
-              </a:rPr>
-              <a:t>的调用</a:t>
-            </a:r>
-            <a:endParaRPr lang="en-US" altLang="zh-CN" sz="2400" dirty="0">
-              <a:latin typeface="微软雅黑" panose="020B0503020204020204" pitchFamily="34" charset="-122"/>
-              <a:ea typeface="微软雅黑" panose="020B0503020204020204" pitchFamily="34" charset="-122"/>
-            </a:endParaRPr>
-          </a:p>
-          <a:p>
-            <a:r>
-              <a:rPr lang="en-US" altLang="zh-CN" sz="2400" dirty="0" err="1">
-                <a:latin typeface="微软雅黑" panose="020B0503020204020204" pitchFamily="34" charset="-122"/>
-                <a:ea typeface="微软雅黑" panose="020B0503020204020204" pitchFamily="34" charset="-122"/>
-              </a:rPr>
-              <a:t>SuperAgent</a:t>
-            </a:r>
-            <a:r>
-              <a:rPr lang="zh-CN" altLang="en-US" sz="2400" dirty="0">
-                <a:latin typeface="微软雅黑" panose="020B0503020204020204" pitchFamily="34" charset="-122"/>
-                <a:ea typeface="微软雅黑" panose="020B0503020204020204" pitchFamily="34" charset="-122"/>
-              </a:rPr>
-              <a:t>超级代理爬虫</a:t>
-            </a:r>
-          </a:p>
-        </p:txBody>
-      </p:sp>
-    </p:spTree>
-    <p:extLst>
-      <p:ext uri="{BB962C8B-B14F-4D97-AF65-F5344CB8AC3E}">
-        <p14:creationId xmlns:p14="http://schemas.microsoft.com/office/powerpoint/2010/main" val="2074861344"/>
-      </p:ext>
-    </p:extLst>
-  </p:cSld>
-  <p:clrMapOvr>
-    <a:masterClrMapping/>
-  </p:clrMapOvr>
-  <mc:AlternateContent xmlns:mc="http://schemas.openxmlformats.org/markup-compatibility/2006" xmlns:p14="http://schemas.microsoft.com/office/powerpoint/2010/main">
-    <mc:Choice Requires="p14">
-      <p:transition spd="med" p14:dur="700">
-        <p:fade/>
-      </p:transition>
-    </mc:Choice>
-    <mc:Fallback xmlns="">
-      <p:transition spd="med">
-        <p:fade/>
-      </p:transition>
-    </mc:Fallback>
-  </mc:AlternateContent>
-  <p:timing>
-    <p:tnLst>
-      <p:par>
-        <p:cTn id="1" dur="indefinite" restart="never" nodeType="tmRoot">
-          <p:childTnLst>
-            <p:seq concurrent="1" nextAc="seek">
-              <p:cTn id="2" dur="indefinite" nodeType="mainSeq">
-                <p:childTnLst>
-                  <p:par>
-                    <p:cTn id="3" fill="hold">
-                      <p:stCondLst>
-                        <p:cond delay="indefinite"/>
-                      </p:stCondLst>
-                      <p:childTnLst>
-                        <p:par>
-                          <p:cTn id="4" fill="hold">
-                            <p:stCondLst>
-                              <p:cond delay="0"/>
-                            </p:stCondLst>
-                            <p:childTnLst>
-                              <p:par>
-                                <p:cTn id="5" presetID="10" presetClass="entr" presetSubtype="0" fill="hold" nodeType="clickEffect">
-                                  <p:stCondLst>
-                                    <p:cond delay="0"/>
-                                  </p:stCondLst>
-                                  <p:childTnLst>
-                                    <p:set>
-                                      <p:cBhvr>
-                                        <p:cTn id="6" dur="1" fill="hold">
-                                          <p:stCondLst>
-                                            <p:cond delay="0"/>
-                                          </p:stCondLst>
-                                        </p:cTn>
-                                        <p:tgtEl>
-                                          <p:spTgt spid="11"/>
-                                        </p:tgtEl>
-                                        <p:attrNameLst>
-                                          <p:attrName>style.visibility</p:attrName>
-                                        </p:attrNameLst>
-                                      </p:cBhvr>
-                                      <p:to>
-                                        <p:strVal val="visible"/>
-                                      </p:to>
-                                    </p:set>
-                                    <p:animEffect transition="in" filter="fade">
-                                      <p:cBhvr>
-                                        <p:cTn id="7" dur="500"/>
-                                        <p:tgtEl>
-                                          <p:spTgt spid="11"/>
-                                        </p:tgtEl>
-                                      </p:cBhvr>
-                                    </p:animEffect>
-                                  </p:childTnLst>
-                                </p:cTn>
-                              </p:par>
-                            </p:childTnLst>
-                          </p:cTn>
-                        </p:par>
-                      </p:childTnLst>
-                    </p:cTn>
-                  </p:par>
-                  <p:par>
-                    <p:cTn id="8" fill="hold">
-                      <p:stCondLst>
-                        <p:cond delay="indefinite"/>
-                      </p:stCondLst>
-                      <p:childTnLst>
-                        <p:par>
-                          <p:cTn id="9" fill="hold">
-                            <p:stCondLst>
-                              <p:cond delay="0"/>
-                            </p:stCondLst>
-                            <p:childTnLst>
-                              <p:par>
-                                <p:cTn id="10" presetID="42" presetClass="path" presetSubtype="0" accel="50000" decel="50000" fill="hold" nodeType="clickEffect">
-                                  <p:stCondLst>
-                                    <p:cond delay="0"/>
-                                  </p:stCondLst>
-                                  <p:childTnLst>
-                                    <p:animMotion origin="layout" path="M 0 0 L -0.25156 -0.00278 " pathEditMode="relative" rAng="0" ptsTypes="AA">
-                                      <p:cBhvr>
-                                        <p:cTn id="11" dur="2000" fill="hold"/>
-                                        <p:tgtEl>
-                                          <p:spTgt spid="11"/>
-                                        </p:tgtEl>
-                                        <p:attrNameLst>
-                                          <p:attrName>ppt_x</p:attrName>
-                                          <p:attrName>ppt_y</p:attrName>
-                                        </p:attrNameLst>
-                                      </p:cBhvr>
-                                      <p:rCtr x="-12578" y="-139"/>
-                                    </p:animMotion>
-                                  </p:childTnLst>
-                                </p:cTn>
-                              </p:par>
-                            </p:childTnLst>
-                          </p:cTn>
-                        </p:par>
-                      </p:childTnLst>
-                    </p:cTn>
-                  </p:par>
-                  <p:par>
-                    <p:cTn id="12" fill="hold">
-                      <p:stCondLst>
-                        <p:cond delay="indefinite"/>
-                      </p:stCondLst>
-                      <p:childTnLst>
-                        <p:par>
-                          <p:cTn id="13" fill="hold">
-                            <p:stCondLst>
-                              <p:cond delay="0"/>
-                            </p:stCondLst>
-                            <p:childTnLst>
-                              <p:par>
-                                <p:cTn id="14" presetID="10" presetClass="entr" presetSubtype="0" fill="hold" grpId="0" nodeType="clickEffect">
-                                  <p:stCondLst>
-                                    <p:cond delay="0"/>
-                                  </p:stCondLst>
-                                  <p:childTnLst>
-                                    <p:set>
-                                      <p:cBhvr>
-                                        <p:cTn id="15" dur="1" fill="hold">
-                                          <p:stCondLst>
-                                            <p:cond delay="0"/>
-                                          </p:stCondLst>
-                                        </p:cTn>
-                                        <p:tgtEl>
-                                          <p:spTgt spid="12"/>
-                                        </p:tgtEl>
-                                        <p:attrNameLst>
-                                          <p:attrName>style.visibility</p:attrName>
-                                        </p:attrNameLst>
-                                      </p:cBhvr>
-                                      <p:to>
-                                        <p:strVal val="visible"/>
-                                      </p:to>
-                                    </p:set>
-                                    <p:animEffect transition="in" filter="fade">
-                                      <p:cBhvr>
-                                        <p:cTn id="16" dur="500"/>
-                                        <p:tgtEl>
-                                          <p:spTgt spid="12"/>
-                                        </p:tgtEl>
-                                      </p:cBhvr>
-                                    </p:animEffect>
-                                  </p:childTnLst>
-                                </p:cTn>
-                              </p:par>
-                            </p:childTnLst>
-                          </p:cTn>
-                        </p:par>
-                      </p:childTnLst>
-                    </p:cTn>
-                  </p:par>
-                </p:childTnLst>
-              </p:cTn>
-              <p:prevCondLst>
-                <p:cond evt="onPrev" delay="0">
-                  <p:tgtEl>
-                    <p:sldTgt/>
-                  </p:tgtEl>
-                </p:cond>
-              </p:prevCondLst>
-              <p:nextCondLst>
-                <p:cond evt="onNext" delay="0">
-                  <p:tgtEl>
-                    <p:sldTgt/>
-                  </p:tgtEl>
-                </p:cond>
-              </p:nextCondLst>
-            </p:seq>
-          </p:childTnLst>
-        </p:cTn>
-      </p:par>
-    </p:tnLst>
-    <p:bldLst>
-      <p:bldP spid="12" grpId="0"/>
-    </p:bldLst>
-  </p:timing>
-</p:sld>
-</file>
-
-<file path=ppt/slides/slide17.xml><?xml version="1.0" encoding="utf-8"?>
+<file path=ppt/slides/slide11.xml><?xml version="1.0" encoding="utf-8"?>
 <p:sld xmlns:a="http://schemas.openxmlformats.org/drawingml/2006/main" xmlns:r="http://schemas.openxmlformats.org/officeDocument/2006/relationships" xmlns:p="http://schemas.openxmlformats.org/presentationml/2006/main">
   <p:cSld>
     <p:spTree>
@@ -6179,8 +5941,8 @@
         </p:nvSpPr>
         <p:spPr>
           <a:xfrm>
-            <a:off x="4875153" y="3044280"/>
-            <a:ext cx="2441694" cy="769441"/>
+            <a:off x="3656365" y="3140463"/>
+            <a:ext cx="1877437" cy="600164"/>
           </a:xfrm>
           <a:prstGeom prst="rect">
             <a:avLst/>
@@ -6194,7 +5956,7 @@
           <a:lstStyle/>
           <a:p>
             <a:r>
-              <a:rPr lang="zh-CN" altLang="en-US" sz="4400" dirty="0">
+              <a:rPr lang="zh-CN" altLang="en-US" sz="3300" dirty="0">
                 <a:latin typeface="微软雅黑" panose="020B0503020204020204" pitchFamily="34" charset="-122"/>
                 <a:ea typeface="微软雅黑" panose="020B0503020204020204" pitchFamily="34" charset="-122"/>
               </a:rPr>
@@ -6228,7 +5990,7 @@
 </p:sld>
 </file>
 
-<file path=ppt/slides/slide18.xml><?xml version="1.0" encoding="utf-8"?>
+<file path=ppt/slides/slide12.xml><?xml version="1.0" encoding="utf-8"?>
 <p:sld xmlns:a="http://schemas.openxmlformats.org/drawingml/2006/main" xmlns:r="http://schemas.openxmlformats.org/officeDocument/2006/relationships" xmlns:p="http://schemas.openxmlformats.org/presentationml/2006/main">
   <p:cSld>
     <p:spTree>
@@ -6259,8 +6021,8 @@
         </p:nvSpPr>
         <p:spPr>
           <a:xfrm>
-            <a:off x="2041186" y="2951629"/>
-            <a:ext cx="8109627" cy="2862322"/>
+            <a:off x="1530892" y="2440352"/>
+            <a:ext cx="6082220" cy="2169825"/>
           </a:xfrm>
           <a:prstGeom prst="rect">
             <a:avLst/>
@@ -6272,67 +6034,67 @@
           </a:bodyPr>
           <a:lstStyle/>
           <a:p>
-            <a:pPr indent="457200"/>
-            <a:r>
-              <a:rPr lang="zh-CN" altLang="en-US" dirty="0"/>
+            <a:pPr indent="342892"/>
+            <a:r>
+              <a:rPr lang="zh-CN" altLang="en-US" sz="1350" dirty="0"/>
               <a:t>本课题在虽然完成了社团管理的工具开发，也同样对其大规模应用进行有关测试虽然完成了社团管理的工具开发， 也同样对其大规模应用进行有关测试不过还是因为时间与精力问题 ，留有以下：</a:t>
             </a:r>
           </a:p>
           <a:p>
             <a:r>
-              <a:rPr lang="zh-CN" altLang="en-US" dirty="0"/>
+              <a:rPr lang="zh-CN" altLang="en-US" sz="1350" dirty="0"/>
               <a:t>（</a:t>
             </a:r>
             <a:r>
-              <a:rPr lang="en-US" altLang="zh-CN" dirty="0"/>
+              <a:rPr lang="en-US" altLang="zh-CN" sz="1350" dirty="0"/>
               <a:t>1</a:t>
             </a:r>
             <a:r>
-              <a:rPr lang="zh-CN" altLang="en-US" dirty="0"/>
+              <a:rPr lang="zh-CN" altLang="en-US" sz="1350" dirty="0"/>
               <a:t>）邮件与短信通知平台没有很好的结合，还是简单利用 </a:t>
             </a:r>
             <a:r>
-              <a:rPr lang="en-US" altLang="zh-CN" dirty="0"/>
+              <a:rPr lang="en-US" altLang="zh-CN" sz="1350" dirty="0"/>
               <a:t>API</a:t>
             </a:r>
             <a:r>
-              <a:rPr lang="zh-CN" altLang="en-US" dirty="0"/>
+              <a:rPr lang="zh-CN" altLang="en-US" sz="1350" dirty="0"/>
               <a:t>界面 。</a:t>
             </a:r>
           </a:p>
           <a:p>
             <a:r>
-              <a:rPr lang="zh-CN" altLang="en-US" dirty="0"/>
+              <a:rPr lang="zh-CN" altLang="en-US" sz="1350" dirty="0"/>
               <a:t>（</a:t>
             </a:r>
             <a:r>
-              <a:rPr lang="en-US" altLang="zh-CN" dirty="0"/>
+              <a:rPr lang="en-US" altLang="zh-CN" sz="1350" dirty="0"/>
               <a:t>2</a:t>
             </a:r>
             <a:r>
-              <a:rPr lang="zh-CN" altLang="en-US" dirty="0"/>
+              <a:rPr lang="zh-CN" altLang="en-US" sz="1350" dirty="0"/>
               <a:t>）用户数据的转移还是很混乱，没有做好统一希望以后可通过方便流 用户数据的转移还是很混乱，没有做好统一希望以后可通过方便流 用户数据的转移还是很混乱，没有做好统一希望以后可通过方便流 处理与传递数据 。</a:t>
             </a:r>
           </a:p>
           <a:p>
             <a:r>
-              <a:rPr lang="zh-CN" altLang="en-US" dirty="0"/>
+              <a:rPr lang="zh-CN" altLang="en-US" sz="1350" dirty="0"/>
               <a:t>（</a:t>
             </a:r>
             <a:r>
-              <a:rPr lang="en-US" altLang="zh-CN" dirty="0"/>
+              <a:rPr lang="en-US" altLang="zh-CN" sz="1350" dirty="0"/>
               <a:t>3</a:t>
             </a:r>
             <a:r>
-              <a:rPr lang="zh-CN" altLang="en-US" dirty="0"/>
+              <a:rPr lang="zh-CN" altLang="en-US" sz="1350" dirty="0"/>
               <a:t>）</a:t>
             </a:r>
             <a:r>
-              <a:rPr lang="en-US" altLang="zh-CN" dirty="0"/>
+              <a:rPr lang="en-US" altLang="zh-CN" sz="1350" dirty="0"/>
               <a:t>Docker</a:t>
             </a:r>
             <a:r>
-              <a:rPr lang="zh-CN" altLang="en-US" dirty="0"/>
+              <a:rPr lang="zh-CN" altLang="en-US" sz="1350" dirty="0"/>
               <a:t>的配置可以再简化，做到一个命令就按需部 署而非的配置可以再简化，做到一个命令就按需部 署而非的配置可以再简化，做到一个命令就按需部 署而非的配置可以再简化，做到一个命令就按需部 署而非署。</a:t>
             </a:r>
           </a:p>
@@ -6352,8 +6114,8 @@
         </p:nvSpPr>
         <p:spPr>
           <a:xfrm>
-            <a:off x="5490705" y="1044049"/>
-            <a:ext cx="1210588" cy="707886"/>
+            <a:off x="4118030" y="1640287"/>
+            <a:ext cx="954107" cy="553998"/>
           </a:xfrm>
           <a:prstGeom prst="rect">
             <a:avLst/>
@@ -6367,7 +6129,7 @@
           <a:lstStyle/>
           <a:p>
             <a:r>
-              <a:rPr lang="zh-CN" altLang="en-US" sz="4000" dirty="0"/>
+              <a:rPr lang="zh-CN" altLang="en-US" sz="3000" dirty="0"/>
               <a:t>问题</a:t>
             </a:r>
           </a:p>
@@ -6377,6 +6139,90 @@
     <p:extLst>
       <p:ext uri="{BB962C8B-B14F-4D97-AF65-F5344CB8AC3E}">
         <p14:creationId xmlns:p14="http://schemas.microsoft.com/office/powerpoint/2010/main" val="2032558000"/>
+      </p:ext>
+    </p:extLst>
+  </p:cSld>
+  <p:clrMapOvr>
+    <a:masterClrMapping/>
+  </p:clrMapOvr>
+  <mc:AlternateContent xmlns:mc="http://schemas.openxmlformats.org/markup-compatibility/2006" xmlns:p14="http://schemas.microsoft.com/office/powerpoint/2010/main">
+    <mc:Choice Requires="p14">
+      <p:transition spd="med" p14:dur="700">
+        <p:fade/>
+      </p:transition>
+    </mc:Choice>
+    <mc:Fallback xmlns="">
+      <p:transition spd="med">
+        <p:fade/>
+      </p:transition>
+    </mc:Fallback>
+  </mc:AlternateContent>
+</p:sld>
+</file>
+
+<file path=ppt/slides/slide13.xml><?xml version="1.0" encoding="utf-8"?>
+<p:sld xmlns:a="http://schemas.openxmlformats.org/drawingml/2006/main" xmlns:r="http://schemas.openxmlformats.org/officeDocument/2006/relationships" xmlns:p="http://schemas.openxmlformats.org/presentationml/2006/main">
+  <p:cSld>
+    <p:spTree>
+      <p:nvGrpSpPr>
+        <p:cNvPr id="1" name=""/>
+        <p:cNvGrpSpPr/>
+        <p:nvPr/>
+      </p:nvGrpSpPr>
+      <p:grpSpPr>
+        <a:xfrm>
+          <a:off x="0" y="0"/>
+          <a:ext cx="0" cy="0"/>
+          <a:chOff x="0" y="0"/>
+          <a:chExt cx="0" cy="0"/>
+        </a:xfrm>
+      </p:grpSpPr>
+      <p:sp>
+        <p:nvSpPr>
+          <p:cNvPr id="2" name="文本框 1">
+            <a:extLst>
+              <a:ext uri="{FF2B5EF4-FFF2-40B4-BE49-F238E27FC236}">
+                <a16:creationId xmlns:a16="http://schemas.microsoft.com/office/drawing/2014/main" id="{1A0961F6-3FE4-4011-A9B2-F31698CFF50B}"/>
+              </a:ext>
+            </a:extLst>
+          </p:cNvPr>
+          <p:cNvSpPr txBox="1"/>
+          <p:nvPr/>
+        </p:nvSpPr>
+        <p:spPr>
+          <a:xfrm>
+            <a:off x="2017454" y="2644170"/>
+            <a:ext cx="5109091" cy="1569660"/>
+          </a:xfrm>
+          <a:prstGeom prst="rect">
+            <a:avLst/>
+          </a:prstGeom>
+          <a:noFill/>
+        </p:spPr>
+        <p:txBody>
+          <a:bodyPr wrap="none" rtlCol="0">
+            <a:spAutoFit/>
+          </a:bodyPr>
+          <a:lstStyle/>
+          <a:p>
+            <a:r>
+              <a:rPr lang="zh-CN" altLang="en-US" sz="4800" dirty="0"/>
+              <a:t>感谢老师的倾听！</a:t>
+            </a:r>
+            <a:endParaRPr lang="en-US" altLang="zh-CN" sz="4800" dirty="0"/>
+          </a:p>
+          <a:p>
+            <a:r>
+              <a:rPr lang="zh-CN" altLang="en-US" sz="4800" dirty="0"/>
+              <a:t>请老师提出建议。</a:t>
+            </a:r>
+          </a:p>
+        </p:txBody>
+      </p:sp>
+    </p:spTree>
+    <p:extLst>
+      <p:ext uri="{BB962C8B-B14F-4D97-AF65-F5344CB8AC3E}">
+        <p14:creationId xmlns:p14="http://schemas.microsoft.com/office/powerpoint/2010/main" val="1110946935"/>
       </p:ext>
     </p:extLst>
   </p:cSld>
@@ -6436,8 +6282,8 @@
         </p:blipFill>
         <p:spPr>
           <a:xfrm>
-            <a:off x="0" y="-1"/>
-            <a:ext cx="12192000" cy="4468059"/>
+            <a:off x="0" y="857251"/>
+            <a:ext cx="9144000" cy="3351044"/>
           </a:xfrm>
           <a:prstGeom prst="rect">
             <a:avLst/>
@@ -6458,8 +6304,8 @@
         </p:nvSpPr>
         <p:spPr>
           <a:xfrm>
-            <a:off x="597877" y="3136612"/>
-            <a:ext cx="5109091" cy="584775"/>
+            <a:off x="448409" y="3209710"/>
+            <a:ext cx="3877985" cy="461665"/>
           </a:xfrm>
           <a:prstGeom prst="rect">
             <a:avLst/>
@@ -6473,7 +6319,7 @@
           <a:lstStyle/>
           <a:p>
             <a:r>
-              <a:rPr lang="zh-CN" altLang="en-US" sz="3200" b="1" dirty="0">
+              <a:rPr lang="zh-CN" altLang="en-US" sz="2400" b="1" dirty="0">
                 <a:ln w="9525">
                   <a:solidFill>
                     <a:schemeClr val="bg1"/>
@@ -6509,8 +6355,8 @@
         </p:nvSpPr>
         <p:spPr>
           <a:xfrm>
-            <a:off x="597877" y="3721387"/>
-            <a:ext cx="2529860" cy="646331"/>
+            <a:off x="448408" y="3648292"/>
+            <a:ext cx="1943161" cy="507831"/>
           </a:xfrm>
           <a:prstGeom prst="rect">
             <a:avLst/>
@@ -6524,7 +6370,7 @@
           <a:lstStyle/>
           <a:p>
             <a:r>
-              <a:rPr lang="en-US" altLang="zh-CN" sz="3600" b="1" dirty="0">
+              <a:rPr lang="en-US" altLang="zh-CN" sz="2700" b="1" dirty="0">
                 <a:ln w="9525">
                   <a:solidFill>
                     <a:schemeClr val="bg1"/>
@@ -6541,7 +6387,7 @@
               </a:rPr>
               <a:t>CONTENTS</a:t>
             </a:r>
-            <a:endParaRPr lang="zh-CN" altLang="en-US" sz="3600" b="1" dirty="0">
+            <a:endParaRPr lang="zh-CN" altLang="en-US" sz="2700" b="1" dirty="0">
               <a:solidFill>
                 <a:schemeClr val="bg1">
                   <a:lumMod val="75000"/>
@@ -6566,10 +6412,10 @@
         </p:nvGrpSpPr>
         <p:grpSpPr>
           <a:xfrm>
-            <a:off x="669175" y="5006531"/>
-            <a:ext cx="2266345" cy="830997"/>
-            <a:chOff x="513061" y="5006531"/>
-            <a:chExt cx="2266345" cy="830997"/>
+            <a:off x="479199" y="4600612"/>
+            <a:ext cx="1722442" cy="646331"/>
+            <a:chOff x="482817" y="4991143"/>
+            <a:chExt cx="2296589" cy="861775"/>
           </a:xfrm>
         </p:grpSpPr>
         <p:sp>
@@ -6586,8 +6432,8 @@
           </p:nvSpPr>
           <p:spPr>
             <a:xfrm>
-              <a:off x="513061" y="5006531"/>
-              <a:ext cx="809837" cy="830997"/>
+              <a:off x="482817" y="4991143"/>
+              <a:ext cx="870325" cy="861775"/>
             </a:xfrm>
             <a:prstGeom prst="rect">
               <a:avLst/>
@@ -6602,7 +6448,7 @@
             <a:p>
               <a:pPr algn="ctr"/>
               <a:r>
-                <a:rPr kumimoji="1" lang="en-US" altLang="zh-CN" sz="4800" dirty="0">
+                <a:rPr kumimoji="1" lang="en-US" altLang="zh-CN" sz="3600" dirty="0">
                   <a:ln w="0"/>
                   <a:gradFill>
                     <a:gsLst>
@@ -6620,7 +6466,7 @@
                 </a:rPr>
                 <a:t>01</a:t>
               </a:r>
-              <a:endParaRPr kumimoji="1" lang="zh-CN" altLang="en-US" sz="4800" dirty="0">
+              <a:endParaRPr kumimoji="1" lang="zh-CN" altLang="en-US" sz="3600" dirty="0">
                 <a:ln w="0"/>
                 <a:gradFill>
                   <a:gsLst>
@@ -6653,8 +6499,8 @@
           </p:nvSpPr>
           <p:spPr>
             <a:xfrm>
-              <a:off x="1226816" y="5248515"/>
-              <a:ext cx="1552590" cy="523220"/>
+              <a:off x="1226816" y="5233127"/>
+              <a:ext cx="1552590" cy="553998"/>
             </a:xfrm>
             <a:prstGeom prst="rect">
               <a:avLst/>
@@ -6667,7 +6513,7 @@
             <a:lstStyle/>
             <a:p>
               <a:r>
-                <a:rPr lang="zh-CN" altLang="en-US" sz="1600" dirty="0">
+                <a:rPr lang="zh-CN" altLang="en-US" sz="1200" dirty="0">
                   <a:ln w="0"/>
                   <a:effectLst>
                     <a:outerShdw blurRad="38100" dist="19050" dir="2700000" algn="tl" rotWithShape="0">
@@ -6682,7 +6528,7 @@
                 </a:rPr>
                 <a:t>报名系统</a:t>
               </a:r>
-              <a:endParaRPr lang="en-US" altLang="zh-CN" sz="1600" dirty="0">
+              <a:endParaRPr lang="en-US" altLang="zh-CN" sz="1200" dirty="0">
                 <a:ln w="0"/>
                 <a:effectLst>
                   <a:outerShdw blurRad="38100" dist="19050" dir="2700000" algn="tl" rotWithShape="0">
@@ -6698,7 +6544,7 @@
             </a:p>
             <a:p>
               <a:r>
-                <a:rPr lang="en-US" altLang="zh-CN" sz="1200" dirty="0">
+                <a:rPr lang="en-US" altLang="zh-CN" sz="900" dirty="0">
                   <a:ln w="0"/>
                   <a:effectLst>
                     <a:outerShdw blurRad="38100" dist="19050" dir="2700000" algn="tl" rotWithShape="0">
@@ -6712,7 +6558,7 @@
                 </a:rPr>
                 <a:t>Sign up</a:t>
               </a:r>
-              <a:endParaRPr kumimoji="1" lang="zh-CN" altLang="en-US" sz="1200" dirty="0">
+              <a:endParaRPr kumimoji="1" lang="zh-CN" altLang="en-US" sz="900" dirty="0">
                 <a:ln w="0"/>
                 <a:effectLst>
                   <a:outerShdw blurRad="38100" dist="19050" dir="2700000" algn="tl" rotWithShape="0">
@@ -6742,8 +6588,8 @@
         </p:nvSpPr>
         <p:spPr>
           <a:xfrm>
-            <a:off x="2935519" y="5006531"/>
-            <a:ext cx="809837" cy="830997"/>
+            <a:off x="2178959" y="4600610"/>
+            <a:ext cx="652744" cy="646331"/>
           </a:xfrm>
           <a:prstGeom prst="rect">
             <a:avLst/>
@@ -6767,7 +6613,7 @@
           <a:p>
             <a:pPr algn="ctr"/>
             <a:r>
-              <a:rPr kumimoji="1" lang="en-US" altLang="zh-CN" sz="4800" dirty="0">
+              <a:rPr kumimoji="1" lang="en-US" altLang="zh-CN" sz="3600" dirty="0">
                 <a:ln w="0"/>
                 <a:gradFill>
                   <a:gsLst>
@@ -6785,7 +6631,7 @@
               </a:rPr>
               <a:t>02</a:t>
             </a:r>
-            <a:endParaRPr kumimoji="1" lang="zh-CN" altLang="en-US" sz="4800" dirty="0">
+            <a:endParaRPr kumimoji="1" lang="zh-CN" altLang="en-US" sz="3600" dirty="0">
               <a:ln w="0"/>
               <a:gradFill>
                 <a:gsLst>
@@ -6818,8 +6664,8 @@
         </p:nvSpPr>
         <p:spPr>
           <a:xfrm>
-            <a:off x="5201864" y="5006531"/>
-            <a:ext cx="809837" cy="830997"/>
+            <a:off x="3878717" y="4600610"/>
+            <a:ext cx="652744" cy="646331"/>
           </a:xfrm>
           <a:prstGeom prst="rect">
             <a:avLst/>
@@ -6834,7 +6680,7 @@
           <a:p>
             <a:pPr algn="ctr"/>
             <a:r>
-              <a:rPr kumimoji="1" lang="en-US" altLang="zh-CN" sz="4800" dirty="0">
+              <a:rPr kumimoji="1" lang="en-US" altLang="zh-CN" sz="3600" dirty="0">
                 <a:ln w="0"/>
                 <a:gradFill>
                   <a:gsLst>
@@ -6852,7 +6698,7 @@
               </a:rPr>
               <a:t>03</a:t>
             </a:r>
-            <a:endParaRPr kumimoji="1" lang="zh-CN" altLang="en-US" sz="4800" dirty="0">
+            <a:endParaRPr kumimoji="1" lang="zh-CN" altLang="en-US" sz="3600" dirty="0">
               <a:ln w="0"/>
               <a:gradFill>
                 <a:gsLst>
@@ -6885,10 +6731,10 @@
         </p:nvGrpSpPr>
         <p:grpSpPr>
           <a:xfrm>
-            <a:off x="7468209" y="5006531"/>
-            <a:ext cx="2266346" cy="830997"/>
-            <a:chOff x="7312095" y="5006531"/>
-            <a:chExt cx="2266346" cy="830997"/>
+            <a:off x="5578475" y="4600613"/>
+            <a:ext cx="1722442" cy="646331"/>
+            <a:chOff x="7281851" y="4991143"/>
+            <a:chExt cx="2296590" cy="861775"/>
           </a:xfrm>
         </p:grpSpPr>
         <p:sp>
@@ -6905,8 +6751,8 @@
           </p:nvSpPr>
           <p:spPr>
             <a:xfrm>
-              <a:off x="7312095" y="5006531"/>
-              <a:ext cx="809837" cy="830997"/>
+              <a:off x="7281851" y="4991143"/>
+              <a:ext cx="870325" cy="861775"/>
             </a:xfrm>
             <a:prstGeom prst="rect">
               <a:avLst/>
@@ -6921,7 +6767,7 @@
             <a:p>
               <a:pPr algn="ctr"/>
               <a:r>
-                <a:rPr kumimoji="1" lang="en-US" altLang="zh-CN" sz="4800" dirty="0">
+                <a:rPr kumimoji="1" lang="en-US" altLang="zh-CN" sz="3600" dirty="0">
                   <a:ln w="0"/>
                   <a:gradFill>
                     <a:gsLst>
@@ -6939,7 +6785,7 @@
                 </a:rPr>
                 <a:t>04</a:t>
               </a:r>
-              <a:endParaRPr kumimoji="1" lang="zh-CN" altLang="en-US" sz="4800" dirty="0">
+              <a:endParaRPr kumimoji="1" lang="zh-CN" altLang="en-US" sz="3600" dirty="0">
                 <a:ln w="0"/>
                 <a:gradFill>
                   <a:gsLst>
@@ -6972,8 +6818,8 @@
           </p:nvSpPr>
           <p:spPr>
             <a:xfrm>
-              <a:off x="8025851" y="5248515"/>
-              <a:ext cx="1552590" cy="523220"/>
+              <a:off x="8025851" y="5233127"/>
+              <a:ext cx="1552590" cy="553998"/>
             </a:xfrm>
             <a:prstGeom prst="rect">
               <a:avLst/>
@@ -6986,7 +6832,7 @@
             <a:lstStyle/>
             <a:p>
               <a:r>
-                <a:rPr lang="zh-CN" altLang="en-US" sz="1600" dirty="0">
+                <a:rPr lang="zh-CN" altLang="en-US" sz="1200" dirty="0">
                   <a:ln w="0"/>
                   <a:effectLst>
                     <a:outerShdw blurRad="38100" dist="19050" dir="2700000" algn="tl" rotWithShape="0">
@@ -7004,7 +6850,7 @@
             </a:p>
             <a:p>
               <a:r>
-                <a:rPr lang="en-US" altLang="zh-CN" sz="1200" dirty="0">
+                <a:rPr lang="en-US" altLang="zh-CN" sz="900" dirty="0">
                   <a:ln w="0"/>
                   <a:effectLst>
                     <a:outerShdw blurRad="38100" dist="19050" dir="2700000" algn="tl" rotWithShape="0">
@@ -7018,7 +6864,7 @@
                 </a:rPr>
                 <a:t>Learn</a:t>
               </a:r>
-              <a:endParaRPr kumimoji="1" lang="zh-CN" altLang="en-US" sz="1200" dirty="0">
+              <a:endParaRPr kumimoji="1" lang="zh-CN" altLang="en-US" sz="900" dirty="0">
                 <a:ln w="0"/>
                 <a:effectLst>
                   <a:outerShdw blurRad="38100" dist="19050" dir="2700000" algn="tl" rotWithShape="0">
@@ -7048,10 +6894,10 @@
         </p:nvGrpSpPr>
         <p:grpSpPr>
           <a:xfrm>
-            <a:off x="9734555" y="5006531"/>
-            <a:ext cx="2266346" cy="830997"/>
-            <a:chOff x="9578441" y="5006531"/>
-            <a:chExt cx="2266346" cy="830997"/>
+            <a:off x="7278234" y="4600613"/>
+            <a:ext cx="1722442" cy="646331"/>
+            <a:chOff x="9548197" y="4991143"/>
+            <a:chExt cx="2296590" cy="861775"/>
           </a:xfrm>
         </p:grpSpPr>
         <p:sp>
@@ -7068,8 +6914,8 @@
           </p:nvSpPr>
           <p:spPr>
             <a:xfrm>
-              <a:off x="9578441" y="5006531"/>
-              <a:ext cx="809837" cy="830997"/>
+              <a:off x="9548197" y="4991143"/>
+              <a:ext cx="870325" cy="861775"/>
             </a:xfrm>
             <a:prstGeom prst="rect">
               <a:avLst/>
@@ -7084,7 +6930,7 @@
             <a:p>
               <a:pPr algn="ctr"/>
               <a:r>
-                <a:rPr kumimoji="1" lang="en-US" altLang="zh-CN" sz="4800" dirty="0">
+                <a:rPr kumimoji="1" lang="en-US" altLang="zh-CN" sz="3600" dirty="0">
                   <a:ln w="0"/>
                   <a:gradFill>
                     <a:gsLst>
@@ -7102,7 +6948,7 @@
                 </a:rPr>
                 <a:t>05</a:t>
               </a:r>
-              <a:endParaRPr kumimoji="1" lang="zh-CN" altLang="en-US" sz="4800" dirty="0">
+              <a:endParaRPr kumimoji="1" lang="zh-CN" altLang="en-US" sz="3600" dirty="0">
                 <a:ln w="0"/>
                 <a:gradFill>
                   <a:gsLst>
@@ -7135,8 +6981,8 @@
           </p:nvSpPr>
           <p:spPr>
             <a:xfrm>
-              <a:off x="10292197" y="5248515"/>
-              <a:ext cx="1552590" cy="523220"/>
+              <a:off x="10292197" y="5233127"/>
+              <a:ext cx="1552590" cy="553998"/>
             </a:xfrm>
             <a:prstGeom prst="rect">
               <a:avLst/>
@@ -7149,7 +6995,7 @@
             <a:lstStyle/>
             <a:p>
               <a:r>
-                <a:rPr lang="zh-CN" altLang="en-US" sz="1600" dirty="0">
+                <a:rPr lang="zh-CN" altLang="en-US" sz="1200" dirty="0">
                   <a:ln w="0"/>
                   <a:effectLst>
                     <a:outerShdw blurRad="38100" dist="19050" dir="2700000" algn="tl" rotWithShape="0">
@@ -7164,7 +7010,7 @@
                 </a:rPr>
                 <a:t>值班系统</a:t>
               </a:r>
-              <a:endParaRPr lang="en-US" altLang="zh-CN" sz="1600" dirty="0">
+              <a:endParaRPr lang="en-US" altLang="zh-CN" sz="1200" dirty="0">
                 <a:ln w="0"/>
                 <a:effectLst>
                   <a:outerShdw blurRad="38100" dist="19050" dir="2700000" algn="tl" rotWithShape="0">
@@ -7180,7 +7026,7 @@
             </a:p>
             <a:p>
               <a:r>
-                <a:rPr lang="en-US" altLang="zh-CN" sz="1200" dirty="0">
+                <a:rPr lang="en-US" altLang="zh-CN" sz="900" dirty="0">
                   <a:ln w="0"/>
                   <a:effectLst>
                     <a:outerShdw blurRad="38100" dist="19050" dir="2700000" algn="tl" rotWithShape="0">
@@ -7194,7 +7040,7 @@
                 </a:rPr>
                 <a:t>On duty</a:t>
               </a:r>
-              <a:endParaRPr kumimoji="1" lang="zh-CN" altLang="en-US" sz="1200" dirty="0">
+              <a:endParaRPr kumimoji="1" lang="zh-CN" altLang="en-US" sz="900" dirty="0">
                 <a:ln w="0"/>
                 <a:effectLst>
                   <a:outerShdw blurRad="38100" dist="19050" dir="2700000" algn="tl" rotWithShape="0">
@@ -7224,8 +7070,8 @@
         </p:nvSpPr>
         <p:spPr>
           <a:xfrm>
-            <a:off x="3649275" y="5248515"/>
-            <a:ext cx="1552590" cy="523220"/>
+            <a:off x="2736957" y="4782095"/>
+            <a:ext cx="1164443" cy="415498"/>
           </a:xfrm>
           <a:prstGeom prst="rect">
             <a:avLst/>
@@ -7238,7 +7084,7 @@
           <a:lstStyle/>
           <a:p>
             <a:r>
-              <a:rPr lang="zh-CN" altLang="en-US" sz="1600" dirty="0">
+              <a:rPr lang="zh-CN" altLang="en-US" sz="1200" dirty="0">
                 <a:ln w="0"/>
                 <a:effectLst>
                   <a:outerShdw blurRad="38100" dist="19050" dir="2700000" algn="tl" rotWithShape="0">
@@ -7256,7 +7102,7 @@
           </a:p>
           <a:p>
             <a:r>
-              <a:rPr lang="en-US" altLang="zh-CN" sz="1200" dirty="0">
+              <a:rPr lang="en-US" altLang="zh-CN" sz="900" dirty="0">
                 <a:ln w="0"/>
                 <a:effectLst>
                   <a:outerShdw blurRad="38100" dist="19050" dir="2700000" algn="tl" rotWithShape="0">
@@ -7287,8 +7133,8 @@
         </p:nvSpPr>
         <p:spPr>
           <a:xfrm>
-            <a:off x="5915620" y="5248515"/>
-            <a:ext cx="1552590" cy="523220"/>
+            <a:off x="4436716" y="4782095"/>
+            <a:ext cx="1164443" cy="415498"/>
           </a:xfrm>
           <a:prstGeom prst="rect">
             <a:avLst/>
@@ -7301,7 +7147,7 @@
           <a:lstStyle/>
           <a:p>
             <a:r>
-              <a:rPr lang="zh-CN" altLang="en-US" sz="1600" dirty="0">
+              <a:rPr lang="zh-CN" altLang="en-US" sz="1200" dirty="0">
                 <a:ln w="0"/>
                 <a:effectLst>
                   <a:outerShdw blurRad="38100" dist="19050" dir="2700000" algn="tl" rotWithShape="0">
@@ -7316,7 +7162,7 @@
               </a:rPr>
               <a:t>通知系统</a:t>
             </a:r>
-            <a:endParaRPr lang="en-US" altLang="zh-CN" sz="1200" dirty="0">
+            <a:endParaRPr lang="en-US" altLang="zh-CN" sz="900" dirty="0">
               <a:ln w="0"/>
               <a:effectLst>
                 <a:outerShdw blurRad="38100" dist="19050" dir="2700000" algn="tl" rotWithShape="0">
@@ -7332,7 +7178,7 @@
           </a:p>
           <a:p>
             <a:r>
-              <a:rPr lang="en-US" altLang="zh-CN" sz="1200" dirty="0">
+              <a:rPr lang="en-US" altLang="zh-CN" sz="900" dirty="0">
                 <a:ln w="0"/>
                 <a:effectLst>
                   <a:outerShdw blurRad="38100" dist="19050" dir="2700000" algn="tl" rotWithShape="0">
@@ -7419,8 +7265,8 @@
         </p:blipFill>
         <p:spPr>
           <a:xfrm>
-            <a:off x="1213460" y="705190"/>
-            <a:ext cx="9765079" cy="5447619"/>
+            <a:off x="910097" y="1386145"/>
+            <a:ext cx="7323809" cy="4085714"/>
           </a:xfrm>
           <a:prstGeom prst="roundRect">
             <a:avLst>
@@ -7496,8 +7342,8 @@
         </p:nvSpPr>
         <p:spPr bwMode="auto">
           <a:xfrm>
-            <a:off x="1847491" y="1065362"/>
-            <a:ext cx="1475117" cy="4727275"/>
+            <a:off x="1385621" y="1656274"/>
+            <a:ext cx="1106338" cy="3545456"/>
           </a:xfrm>
           <a:prstGeom prst="downArrow">
             <a:avLst/>
@@ -7522,41 +7368,29 @@
           </a:fontRef>
         </p:style>
         <p:txBody>
-          <a:bodyPr vert="horz" wrap="square" lIns="91440" tIns="45720" rIns="91440" bIns="45720" numCol="1" rtlCol="0" anchor="t" anchorCtr="0" compatLnSpc="1">
+          <a:bodyPr vert="horz" wrap="square" lIns="68580" tIns="34290" rIns="68580" bIns="34290" numCol="1" rtlCol="0" anchor="t" anchorCtr="0" compatLnSpc="1">
             <a:prstTxWarp prst="textNoShape">
               <a:avLst/>
             </a:prstTxWarp>
           </a:bodyPr>
           <a:lstStyle/>
           <a:p>
-            <a:pPr marL="0" marR="0" indent="0" algn="ctr" defTabSz="914400" rtl="0" eaLnBrk="1" fontAlgn="base" latinLnBrk="0" hangingPunct="1">
-              <a:lnSpc>
-                <a:spcPct val="100000"/>
-              </a:lnSpc>
+            <a:pPr algn="ctr" fontAlgn="base">
               <a:spcBef>
                 <a:spcPct val="0"/>
               </a:spcBef>
               <a:spcAft>
                 <a:spcPct val="0"/>
               </a:spcAft>
-              <a:buClrTx/>
-              <a:buSzTx/>
-              <a:buFontTx/>
-              <a:buNone/>
-              <a:tabLst/>
             </a:pPr>
             <a:r>
-              <a:rPr kumimoji="0" lang="zh-CN" altLang="en-US" sz="4200" b="0" i="0" u="none" strike="noStrike" cap="none" normalizeH="0" baseline="0" dirty="0">
-                <a:ln>
-                  <a:noFill/>
-                </a:ln>
+              <a:rPr lang="zh-CN" altLang="en-US" sz="3150" dirty="0">
                 <a:solidFill>
                   <a:schemeClr val="bg1">
                     <a:lumMod val="75000"/>
                     <a:lumOff val="25000"/>
                   </a:schemeClr>
                 </a:solidFill>
-                <a:effectLst/>
                 <a:latin typeface="Gill Sans" charset="0"/>
                 <a:ea typeface="Heiti SC Light" charset="0"/>
                 <a:cs typeface="Heiti SC Light" charset="0"/>
@@ -7581,10 +7415,10 @@
         </p:nvGrpSpPr>
         <p:grpSpPr>
           <a:xfrm>
-            <a:off x="4504428" y="3428999"/>
-            <a:ext cx="6849372" cy="1477329"/>
+            <a:off x="3378322" y="3429004"/>
+            <a:ext cx="5137031" cy="1107997"/>
             <a:chOff x="2494473" y="2459503"/>
-            <a:chExt cx="6849372" cy="1477329"/>
+            <a:chExt cx="6849374" cy="1477327"/>
           </a:xfrm>
         </p:grpSpPr>
         <p:sp>
@@ -7601,8 +7435,8 @@
           </p:nvSpPr>
           <p:spPr>
             <a:xfrm>
-              <a:off x="3493923" y="2459504"/>
-              <a:ext cx="5849922" cy="1477328"/>
+              <a:off x="3493924" y="2459504"/>
+              <a:ext cx="5849923" cy="1477326"/>
             </a:xfrm>
             <a:prstGeom prst="rect">
               <a:avLst/>
@@ -7615,54 +7449,54 @@
             <a:lstStyle/>
             <a:p>
               <a:r>
-                <a:rPr lang="zh-CN" altLang="en-US" dirty="0">
+                <a:rPr lang="zh-CN" altLang="en-US" sz="1350" dirty="0">
                   <a:latin typeface="微软雅黑 Light" panose="020B0502040204020203" pitchFamily="34" charset="-122"/>
                   <a:ea typeface="微软雅黑 Light" panose="020B0502040204020203" pitchFamily="34" charset="-122"/>
                 </a:rPr>
                 <a:t>逗号分隔值（</a:t>
               </a:r>
               <a:r>
-                <a:rPr lang="en-US" altLang="zh-CN" dirty="0">
+                <a:rPr lang="en-US" altLang="zh-CN" sz="1350" dirty="0">
                   <a:latin typeface="微软雅黑 Light" panose="020B0502040204020203" pitchFamily="34" charset="-122"/>
                   <a:ea typeface="微软雅黑 Light" panose="020B0502040204020203" pitchFamily="34" charset="-122"/>
                 </a:rPr>
                 <a:t>Comma-Separated Values</a:t>
               </a:r>
               <a:r>
-                <a:rPr lang="zh-CN" altLang="en-US" dirty="0">
+                <a:rPr lang="zh-CN" altLang="en-US" sz="1350" dirty="0">
                   <a:latin typeface="微软雅黑 Light" panose="020B0502040204020203" pitchFamily="34" charset="-122"/>
                   <a:ea typeface="微软雅黑 Light" panose="020B0502040204020203" pitchFamily="34" charset="-122"/>
                 </a:rPr>
                 <a:t>，</a:t>
               </a:r>
               <a:r>
-                <a:rPr lang="en-US" altLang="zh-CN" dirty="0">
+                <a:rPr lang="en-US" altLang="zh-CN" sz="1350" dirty="0">
                   <a:latin typeface="微软雅黑 Light" panose="020B0502040204020203" pitchFamily="34" charset="-122"/>
                   <a:ea typeface="微软雅黑 Light" panose="020B0502040204020203" pitchFamily="34" charset="-122"/>
                 </a:rPr>
                 <a:t>CSV</a:t>
               </a:r>
               <a:r>
-                <a:rPr lang="zh-CN" altLang="en-US" dirty="0">
+                <a:rPr lang="zh-CN" altLang="en-US" sz="1350" dirty="0">
                   <a:latin typeface="微软雅黑 Light" panose="020B0502040204020203" pitchFamily="34" charset="-122"/>
                   <a:ea typeface="微软雅黑 Light" panose="020B0502040204020203" pitchFamily="34" charset="-122"/>
                 </a:rPr>
                 <a:t>，有时也称为字符分隔值，因为分隔字符也可以不是逗号），其文件以纯文本形式存储表格数据（数字和文本）。</a:t>
               </a:r>
-              <a:endParaRPr lang="en-US" altLang="zh-CN" dirty="0">
+              <a:endParaRPr lang="en-US" altLang="zh-CN" sz="1350" dirty="0">
                 <a:latin typeface="微软雅黑 Light" panose="020B0502040204020203" pitchFamily="34" charset="-122"/>
                 <a:ea typeface="微软雅黑 Light" panose="020B0502040204020203" pitchFamily="34" charset="-122"/>
               </a:endParaRPr>
             </a:p>
             <a:p>
-              <a:endParaRPr lang="en-US" altLang="zh-CN" dirty="0">
+              <a:endParaRPr lang="en-US" altLang="zh-CN" sz="1350" dirty="0">
                 <a:latin typeface="微软雅黑 Light" panose="020B0502040204020203" pitchFamily="34" charset="-122"/>
                 <a:ea typeface="微软雅黑 Light" panose="020B0502040204020203" pitchFamily="34" charset="-122"/>
               </a:endParaRPr>
             </a:p>
             <a:p>
               <a:r>
-                <a:rPr lang="en-US" altLang="zh-CN" sz="1600" dirty="0">
+                <a:rPr lang="en-US" altLang="zh-CN" sz="1200" dirty="0">
                   <a:solidFill>
                     <a:schemeClr val="tx1">
                       <a:lumMod val="90000"/>
@@ -7674,7 +7508,7 @@
                 <a:t>——</a:t>
               </a:r>
               <a:r>
-                <a:rPr lang="zh-CN" altLang="en-US" sz="1600" dirty="0">
+                <a:rPr lang="zh-CN" altLang="en-US" sz="1200" dirty="0">
                   <a:solidFill>
                     <a:schemeClr val="tx1">
                       <a:lumMod val="90000"/>
@@ -7751,8 +7585,8 @@
         </p:nvSpPr>
         <p:spPr>
           <a:xfrm>
-            <a:off x="6096000" y="1854679"/>
-            <a:ext cx="3132589" cy="707886"/>
+            <a:off x="4572004" y="2248259"/>
+            <a:ext cx="2395207" cy="553998"/>
           </a:xfrm>
           <a:prstGeom prst="rect">
             <a:avLst/>
@@ -7766,11 +7600,11 @@
           <a:lstStyle/>
           <a:p>
             <a:r>
-              <a:rPr lang="en-US" altLang="zh-CN" sz="4000" dirty="0"/>
+              <a:rPr lang="en-US" altLang="zh-CN" sz="3000" dirty="0"/>
               <a:t>CSV</a:t>
             </a:r>
             <a:r>
-              <a:rPr lang="zh-CN" altLang="en-US" sz="4000" dirty="0"/>
+              <a:rPr lang="zh-CN" altLang="en-US" sz="3000" dirty="0"/>
               <a:t>数据传输</a:t>
             </a:r>
           </a:p>
@@ -7798,142 +7632,6 @@
       </p:transition>
     </mc:Fallback>
   </mc:AlternateContent>
-  <p:timing>
-    <p:tnLst>
-      <p:par>
-        <p:cTn id="1" dur="indefinite" restart="never" nodeType="tmRoot">
-          <p:childTnLst>
-            <p:seq concurrent="1" nextAc="seek">
-              <p:cTn id="2" dur="indefinite" nodeType="mainSeq">
-                <p:childTnLst>
-                  <p:par>
-                    <p:cTn id="3" fill="hold">
-                      <p:stCondLst>
-                        <p:cond delay="indefinite"/>
-                      </p:stCondLst>
-                      <p:childTnLst>
-                        <p:par>
-                          <p:cTn id="4" fill="hold">
-                            <p:stCondLst>
-                              <p:cond delay="0"/>
-                            </p:stCondLst>
-                            <p:childTnLst>
-                              <p:par>
-                                <p:cTn id="5" presetID="10" presetClass="entr" presetSubtype="0" fill="hold" nodeType="clickEffect">
-                                  <p:stCondLst>
-                                    <p:cond delay="0"/>
-                                  </p:stCondLst>
-                                  <p:childTnLst>
-                                    <p:set>
-                                      <p:cBhvr>
-                                        <p:cTn id="6" dur="1" fill="hold">
-                                          <p:stCondLst>
-                                            <p:cond delay="0"/>
-                                          </p:stCondLst>
-                                        </p:cTn>
-                                        <p:tgtEl>
-                                          <p:spTgt spid="3"/>
-                                        </p:tgtEl>
-                                        <p:attrNameLst>
-                                          <p:attrName>style.visibility</p:attrName>
-                                        </p:attrNameLst>
-                                      </p:cBhvr>
-                                      <p:to>
-                                        <p:strVal val="visible"/>
-                                      </p:to>
-                                    </p:set>
-                                    <p:animEffect transition="in" filter="fade">
-                                      <p:cBhvr>
-                                        <p:cTn id="7" dur="500"/>
-                                        <p:tgtEl>
-                                          <p:spTgt spid="3"/>
-                                        </p:tgtEl>
-                                      </p:cBhvr>
-                                    </p:animEffect>
-                                  </p:childTnLst>
-                                </p:cTn>
-                              </p:par>
-                            </p:childTnLst>
-                          </p:cTn>
-                        </p:par>
-                      </p:childTnLst>
-                    </p:cTn>
-                  </p:par>
-                  <p:par>
-                    <p:cTn id="8" fill="hold">
-                      <p:stCondLst>
-                        <p:cond delay="indefinite"/>
-                      </p:stCondLst>
-                      <p:childTnLst>
-                        <p:par>
-                          <p:cTn id="9" fill="hold">
-                            <p:stCondLst>
-                              <p:cond delay="0"/>
-                            </p:stCondLst>
-                            <p:childTnLst>
-                              <p:par>
-                                <p:cTn id="10" presetID="10" presetClass="exit" presetSubtype="0" fill="hold" nodeType="clickEffect">
-                                  <p:stCondLst>
-                                    <p:cond delay="0"/>
-                                  </p:stCondLst>
-                                  <p:childTnLst>
-                                    <p:animEffect transition="out" filter="fade">
-                                      <p:cBhvr>
-                                        <p:cTn id="11" dur="500"/>
-                                        <p:tgtEl>
-                                          <p:spTgt spid="3"/>
-                                        </p:tgtEl>
-                                      </p:cBhvr>
-                                    </p:animEffect>
-                                    <p:set>
-                                      <p:cBhvr>
-                                        <p:cTn id="12" dur="1" fill="hold">
-                                          <p:stCondLst>
-                                            <p:cond delay="499"/>
-                                          </p:stCondLst>
-                                        </p:cTn>
-                                        <p:tgtEl>
-                                          <p:spTgt spid="3"/>
-                                        </p:tgtEl>
-                                        <p:attrNameLst>
-                                          <p:attrName>style.visibility</p:attrName>
-                                        </p:attrNameLst>
-                                      </p:cBhvr>
-                                      <p:to>
-                                        <p:strVal val="hidden"/>
-                                      </p:to>
-                                    </p:set>
-                                  </p:childTnLst>
-                                </p:cTn>
-                              </p:par>
-                            </p:childTnLst>
-                          </p:cTn>
-                        </p:par>
-                      </p:childTnLst>
-                    </p:cTn>
-                  </p:par>
-                </p:childTnLst>
-              </p:cTn>
-              <p:prevCondLst>
-                <p:cond evt="onPrev" delay="0">
-                  <p:tgtEl>
-                    <p:sldTgt/>
-                  </p:tgtEl>
-                </p:cond>
-              </p:prevCondLst>
-              <p:nextCondLst>
-                <p:cond evt="onNext" delay="0">
-                  <p:tgtEl>
-                    <p:sldTgt/>
-                  </p:tgtEl>
-                </p:cond>
-              </p:nextCondLst>
-            </p:seq>
-          </p:childTnLst>
-        </p:cTn>
-      </p:par>
-    </p:tnLst>
-  </p:timing>
 </p:sld>
 </file>
 
@@ -7968,8 +7666,8 @@
         </p:nvSpPr>
         <p:spPr>
           <a:xfrm>
-            <a:off x="4435930" y="2136339"/>
-            <a:ext cx="3320140" cy="2585323"/>
+            <a:off x="3326948" y="2459507"/>
+            <a:ext cx="2536272" cy="1962076"/>
           </a:xfrm>
           <a:prstGeom prst="rect">
             <a:avLst/>
@@ -7982,46 +7680,46 @@
           </a:bodyPr>
           <a:lstStyle/>
           <a:p>
-            <a:pPr marL="685800" indent="-685800">
+            <a:pPr marL="514337" indent="-514337">
               <a:buFont typeface="Arial" panose="020B0604020202020204" pitchFamily="34" charset="0"/>
               <a:buChar char="•"/>
             </a:pPr>
             <a:r>
-              <a:rPr lang="en-US" altLang="zh-CN" sz="5400" dirty="0"/>
+              <a:rPr lang="en-US" altLang="zh-CN" sz="4050" dirty="0"/>
               <a:t>1</a:t>
             </a:r>
             <a:r>
-              <a:rPr lang="zh-CN" altLang="en-US" sz="5400" dirty="0"/>
+              <a:rPr lang="zh-CN" altLang="en-US" sz="4050" dirty="0"/>
               <a:t>个部署</a:t>
             </a:r>
-            <a:endParaRPr lang="en-US" altLang="zh-CN" sz="5400" dirty="0"/>
-          </a:p>
-          <a:p>
-            <a:pPr marL="685800" indent="-685800">
+            <a:endParaRPr lang="en-US" altLang="zh-CN" sz="4050" dirty="0"/>
+          </a:p>
+          <a:p>
+            <a:pPr marL="514337" indent="-514337">
               <a:buFont typeface="Arial" panose="020B0604020202020204" pitchFamily="34" charset="0"/>
               <a:buChar char="•"/>
             </a:pPr>
             <a:r>
-              <a:rPr lang="en-US" altLang="zh-CN" sz="5400" dirty="0"/>
+              <a:rPr lang="en-US" altLang="zh-CN" sz="4050" dirty="0"/>
               <a:t>2</a:t>
             </a:r>
             <a:r>
-              <a:rPr lang="zh-CN" altLang="en-US" sz="5400" dirty="0"/>
+              <a:rPr lang="zh-CN" altLang="en-US" sz="4050" dirty="0"/>
               <a:t>种技术</a:t>
             </a:r>
-            <a:endParaRPr lang="en-US" altLang="zh-CN" sz="5400" dirty="0"/>
-          </a:p>
-          <a:p>
-            <a:pPr marL="685800" indent="-685800">
+            <a:endParaRPr lang="en-US" altLang="zh-CN" sz="4050" dirty="0"/>
+          </a:p>
+          <a:p>
+            <a:pPr marL="514337" indent="-514337">
               <a:buFont typeface="Arial" panose="020B0604020202020204" pitchFamily="34" charset="0"/>
               <a:buChar char="•"/>
             </a:pPr>
             <a:r>
-              <a:rPr lang="en-US" altLang="zh-CN" sz="5400" dirty="0"/>
+              <a:rPr lang="en-US" altLang="zh-CN" sz="4050" dirty="0"/>
               <a:t>3</a:t>
             </a:r>
             <a:r>
-              <a:rPr lang="zh-CN" altLang="en-US" sz="5400" dirty="0"/>
+              <a:rPr lang="zh-CN" altLang="en-US" sz="4050" dirty="0"/>
               <a:t>个框架</a:t>
             </a:r>
           </a:p>
@@ -8083,10 +7781,10 @@
         </p:nvGrpSpPr>
         <p:grpSpPr>
           <a:xfrm>
-            <a:off x="6190593" y="1943181"/>
-            <a:ext cx="5239314" cy="3181785"/>
+            <a:off x="4642945" y="2314638"/>
+            <a:ext cx="3929486" cy="2617172"/>
             <a:chOff x="5598659" y="1776248"/>
-            <a:chExt cx="5239314" cy="3181785"/>
+            <a:chExt cx="5239314" cy="3489562"/>
           </a:xfrm>
         </p:grpSpPr>
         <p:sp>
@@ -8104,7 +7802,7 @@
           <p:spPr>
             <a:xfrm>
               <a:off x="7129271" y="1776248"/>
-              <a:ext cx="2252540" cy="584775"/>
+              <a:ext cx="2313026" cy="615553"/>
             </a:xfrm>
             <a:prstGeom prst="rect">
               <a:avLst/>
@@ -8118,11 +7816,11 @@
             <a:lstStyle/>
             <a:p>
               <a:r>
-                <a:rPr lang="en-US" altLang="zh-CN" sz="3200" dirty="0"/>
+                <a:rPr lang="en-US" altLang="zh-CN" sz="2400" dirty="0"/>
                 <a:t>Docker</a:t>
               </a:r>
               <a:r>
-                <a:rPr lang="zh-CN" altLang="en-US" sz="3200" dirty="0"/>
+                <a:rPr lang="zh-CN" altLang="en-US" sz="2400" dirty="0"/>
                 <a:t>部署</a:t>
               </a:r>
             </a:p>
@@ -8143,7 +7841,7 @@
           <p:spPr>
             <a:xfrm>
               <a:off x="5598659" y="2649709"/>
-              <a:ext cx="5239314" cy="2308324"/>
+              <a:ext cx="5239314" cy="2616101"/>
             </a:xfrm>
             <a:prstGeom prst="rect">
               <a:avLst/>
@@ -8155,37 +7853,37 @@
             </a:bodyPr>
             <a:lstStyle/>
             <a:p>
-              <a:pPr indent="457200"/>
+              <a:pPr indent="342892"/>
               <a:r>
-                <a:rPr lang="en-US" altLang="zh-CN" dirty="0"/>
-                <a:t>Docker[3]</a:t>
+                <a:rPr lang="en-US" altLang="zh-CN" sz="1350" dirty="0"/>
+                <a:t>Docker</a:t>
               </a:r>
               <a:r>
-                <a:rPr lang="zh-CN" altLang="en-US" dirty="0"/>
+                <a:rPr lang="zh-CN" altLang="en-US" sz="1350" dirty="0"/>
                 <a:t>属于对各家容器的一种封装，提供简单易用的容器使用接口。它是目前最流行的快速部署容器解决方案。</a:t>
               </a:r>
               <a:r>
-                <a:rPr lang="en-US" altLang="zh-CN" dirty="0"/>
+                <a:rPr lang="en-US" altLang="zh-CN" sz="1350" dirty="0"/>
                 <a:t>Docker </a:t>
               </a:r>
               <a:r>
-                <a:rPr lang="zh-CN" altLang="en-US" dirty="0"/>
+                <a:rPr lang="zh-CN" altLang="en-US" sz="1350" dirty="0"/>
                 <a:t>将应用程序与该程序的依赖，打包在一个文件里面。运行这个文件，就会生成一个虚拟容器。程序在这个虚拟容器里运行，就好像在真实的物理机上运行一样。有了 </a:t>
               </a:r>
               <a:r>
-                <a:rPr lang="en-US" altLang="zh-CN" dirty="0"/>
+                <a:rPr lang="en-US" altLang="zh-CN" sz="1350" dirty="0"/>
                 <a:t>Docker</a:t>
               </a:r>
               <a:r>
-                <a:rPr lang="zh-CN" altLang="en-US" dirty="0"/>
+                <a:rPr lang="zh-CN" altLang="en-US" sz="1350" dirty="0"/>
                 <a:t>，就不用担心环境问题。不过 </a:t>
               </a:r>
               <a:r>
-                <a:rPr lang="en-US" altLang="zh-CN" dirty="0"/>
+                <a:rPr lang="en-US" altLang="zh-CN" sz="1350" dirty="0"/>
                 <a:t>Docker </a:t>
               </a:r>
               <a:r>
-                <a:rPr lang="zh-CN" altLang="en-US" dirty="0"/>
+                <a:rPr lang="zh-CN" altLang="en-US" sz="1350" dirty="0"/>
                 <a:t>还是没有很好解决不同种类系统的公用问题。毕竟这也是一难题。</a:t>
               </a:r>
             </a:p>
@@ -8221,8 +7919,8 @@
         </p:blipFill>
         <p:spPr bwMode="auto">
           <a:xfrm>
-            <a:off x="551887" y="892999"/>
-            <a:ext cx="2487224" cy="1243612"/>
+            <a:off x="413915" y="1526999"/>
+            <a:ext cx="1865418" cy="932709"/>
           </a:xfrm>
           <a:prstGeom prst="rect">
             <a:avLst/>
@@ -8268,8 +7966,8 @@
         </p:blipFill>
         <p:spPr bwMode="auto">
           <a:xfrm>
-            <a:off x="3672892" y="716901"/>
-            <a:ext cx="1595808" cy="1595808"/>
+            <a:off x="2754669" y="1394926"/>
+            <a:ext cx="1196856" cy="1196856"/>
           </a:xfrm>
           <a:prstGeom prst="rect">
             <a:avLst/>
@@ -8315,8 +8013,8 @@
         </p:blipFill>
         <p:spPr bwMode="auto">
           <a:xfrm>
-            <a:off x="551887" y="2816642"/>
-            <a:ext cx="5239314" cy="3148359"/>
+            <a:off x="413916" y="2969733"/>
+            <a:ext cx="3929486" cy="2361269"/>
           </a:xfrm>
           <a:prstGeom prst="rect">
             <a:avLst/>
@@ -8389,8 +8087,8 @@
         </p:nvSpPr>
         <p:spPr>
           <a:xfrm>
-            <a:off x="2301766" y="1660634"/>
-            <a:ext cx="1548822" cy="523220"/>
+            <a:off x="1726324" y="2102725"/>
+            <a:ext cx="1207382" cy="415498"/>
           </a:xfrm>
           <a:prstGeom prst="rect">
             <a:avLst/>
@@ -8404,11 +8102,11 @@
           <a:lstStyle/>
           <a:p>
             <a:r>
-              <a:rPr lang="en-US" altLang="zh-CN" sz="2800" dirty="0"/>
+              <a:rPr lang="en-US" altLang="zh-CN" sz="2100" dirty="0"/>
               <a:t>PHP</a:t>
             </a:r>
             <a:r>
-              <a:rPr lang="zh-CN" altLang="en-US" sz="2800" dirty="0"/>
+              <a:rPr lang="zh-CN" altLang="en-US" sz="2100" dirty="0"/>
               <a:t>技术</a:t>
             </a:r>
           </a:p>
@@ -8428,8 +8126,8 @@
         </p:nvSpPr>
         <p:spPr>
           <a:xfrm>
-            <a:off x="7903793" y="1576551"/>
-            <a:ext cx="1986441" cy="523220"/>
+            <a:off x="5927846" y="2039663"/>
+            <a:ext cx="1534394" cy="415498"/>
           </a:xfrm>
           <a:prstGeom prst="rect">
             <a:avLst/>
@@ -8443,11 +8141,11 @@
           <a:lstStyle/>
           <a:p>
             <a:r>
-              <a:rPr lang="en-US" altLang="zh-CN" sz="2800" dirty="0"/>
+              <a:rPr lang="en-US" altLang="zh-CN" sz="2100" dirty="0"/>
               <a:t>Nodejs</a:t>
             </a:r>
             <a:r>
-              <a:rPr lang="zh-CN" altLang="en-US" sz="2800" dirty="0"/>
+              <a:rPr lang="zh-CN" altLang="en-US" sz="2100" dirty="0"/>
               <a:t>技术</a:t>
             </a:r>
           </a:p>
@@ -8467,8 +8165,8 @@
         </p:nvSpPr>
         <p:spPr>
           <a:xfrm>
-            <a:off x="762224" y="2889042"/>
-            <a:ext cx="4627906" cy="2308324"/>
+            <a:off x="571669" y="3024033"/>
+            <a:ext cx="3470930" cy="1754326"/>
           </a:xfrm>
           <a:prstGeom prst="rect">
             <a:avLst/>
@@ -8481,98 +8179,93 @@
           <a:lstStyle/>
           <a:p>
             <a:r>
-              <a:rPr lang="en-US" altLang="zh-CN" dirty="0"/>
+              <a:rPr lang="en-US" altLang="zh-CN" sz="1350" dirty="0"/>
               <a:t>PHP</a:t>
             </a:r>
             <a:r>
-              <a:rPr lang="zh-CN" altLang="en-US" dirty="0"/>
+              <a:rPr lang="zh-CN" altLang="en-US" sz="1350" dirty="0"/>
               <a:t>（全称：</a:t>
             </a:r>
             <a:r>
-              <a:rPr lang="en-US" altLang="zh-CN" dirty="0"/>
+              <a:rPr lang="en-US" altLang="zh-CN" sz="1350" dirty="0"/>
               <a:t>PHP</a:t>
             </a:r>
             <a:r>
-              <a:rPr lang="zh-CN" altLang="en-US" dirty="0"/>
+              <a:rPr lang="zh-CN" altLang="en-US" sz="1350" dirty="0"/>
               <a:t>：</a:t>
             </a:r>
             <a:r>
-              <a:rPr lang="en-US" altLang="zh-CN" dirty="0"/>
+              <a:rPr lang="en-US" altLang="zh-CN" sz="1350" dirty="0"/>
               <a:t>Hypertext Preprocessor</a:t>
             </a:r>
             <a:r>
-              <a:rPr lang="zh-CN" altLang="en-US" dirty="0"/>
+              <a:rPr lang="zh-CN" altLang="en-US" sz="1350" dirty="0"/>
               <a:t>，即“</a:t>
             </a:r>
             <a:r>
-              <a:rPr lang="en-US" altLang="zh-CN" dirty="0"/>
+              <a:rPr lang="en-US" altLang="zh-CN" sz="1350" dirty="0"/>
               <a:t>PHP</a:t>
             </a:r>
             <a:r>
-              <a:rPr lang="zh-CN" altLang="en-US" dirty="0"/>
+              <a:rPr lang="zh-CN" altLang="en-US" sz="1350" dirty="0"/>
               <a:t>：超文本预处理器”）是一种开源的通用计算机脚本语言，尤其适用于网络开发并可嵌入</a:t>
             </a:r>
             <a:r>
-              <a:rPr lang="en-US" altLang="zh-CN" dirty="0"/>
+              <a:rPr lang="en-US" altLang="zh-CN" sz="1350" dirty="0"/>
               <a:t>HTML</a:t>
             </a:r>
             <a:r>
-              <a:rPr lang="zh-CN" altLang="en-US" dirty="0"/>
+              <a:rPr lang="zh-CN" altLang="en-US" sz="1350" dirty="0"/>
               <a:t>中使用。</a:t>
             </a:r>
             <a:r>
-              <a:rPr lang="en-US" altLang="zh-CN" dirty="0"/>
+              <a:rPr lang="en-US" altLang="zh-CN" sz="1350" dirty="0"/>
               <a:t>PHP</a:t>
             </a:r>
             <a:r>
-              <a:rPr lang="zh-CN" altLang="en-US" dirty="0"/>
+              <a:rPr lang="zh-CN" altLang="en-US" sz="1350" dirty="0"/>
               <a:t>的语法借鉴吸收</a:t>
             </a:r>
             <a:r>
-              <a:rPr lang="en-US" altLang="zh-CN" dirty="0"/>
+              <a:rPr lang="en-US" altLang="zh-CN" sz="1350" dirty="0"/>
               <a:t>C</a:t>
             </a:r>
             <a:r>
-              <a:rPr lang="zh-CN" altLang="en-US" dirty="0"/>
+              <a:rPr lang="zh-CN" altLang="en-US" sz="1350" dirty="0"/>
               <a:t>语言、</a:t>
             </a:r>
             <a:r>
-              <a:rPr lang="en-US" altLang="zh-CN" dirty="0"/>
+              <a:rPr lang="en-US" altLang="zh-CN" sz="1350" dirty="0"/>
               <a:t>Java</a:t>
             </a:r>
             <a:r>
-              <a:rPr lang="zh-CN" altLang="en-US" dirty="0"/>
+              <a:rPr lang="zh-CN" altLang="en-US" sz="1350" dirty="0"/>
               <a:t>和</a:t>
             </a:r>
             <a:r>
-              <a:rPr lang="en-US" altLang="zh-CN" dirty="0"/>
+              <a:rPr lang="en-US" altLang="zh-CN" sz="1350" dirty="0"/>
               <a:t>Perl</a:t>
             </a:r>
             <a:r>
-              <a:rPr lang="zh-CN" altLang="en-US" dirty="0"/>
+              <a:rPr lang="zh-CN" altLang="en-US" sz="1350" dirty="0"/>
               <a:t>等流行计算机语言的特点，易于一般程序员学习。</a:t>
             </a:r>
             <a:r>
-              <a:rPr lang="en-US" altLang="zh-CN" dirty="0"/>
+              <a:rPr lang="en-US" altLang="zh-CN" sz="1350" dirty="0"/>
               <a:t>PHP</a:t>
             </a:r>
             <a:r>
-              <a:rPr lang="zh-CN" altLang="en-US" dirty="0"/>
+              <a:rPr lang="zh-CN" altLang="en-US" sz="1350" dirty="0"/>
               <a:t>的主要目标是允许网络开发人员快速编写动态页面，但</a:t>
             </a:r>
             <a:r>
-              <a:rPr lang="en-US" altLang="zh-CN" dirty="0"/>
+              <a:rPr lang="en-US" altLang="zh-CN" sz="1350" dirty="0"/>
               <a:t>PHP</a:t>
             </a:r>
             <a:r>
-              <a:rPr lang="zh-CN" altLang="en-US" dirty="0"/>
+              <a:rPr lang="zh-CN" altLang="en-US" sz="1350" dirty="0"/>
               <a:t>也被用于其他很多领域。</a:t>
             </a:r>
-            <a:r>
-              <a:rPr lang="en-US" altLang="zh-CN" dirty="0"/>
-              <a:t>[1]</a:t>
-            </a:r>
-            <a:endParaRPr lang="zh-CN" altLang="en-US" dirty="0"/>
           </a:p>
         </p:txBody>
       </p:sp>
@@ -8590,8 +8283,8 @@
         </p:nvSpPr>
         <p:spPr>
           <a:xfrm>
-            <a:off x="6647799" y="2889042"/>
-            <a:ext cx="4498428" cy="2585323"/>
+            <a:off x="4985849" y="3024033"/>
+            <a:ext cx="3373821" cy="1962076"/>
           </a:xfrm>
           <a:prstGeom prst="rect">
             <a:avLst/>
@@ -8604,91 +8297,75 @@
           <a:lstStyle/>
           <a:p>
             <a:r>
-              <a:rPr lang="en-US" altLang="zh-CN" dirty="0"/>
+              <a:rPr lang="en-US" altLang="zh-CN" sz="1350" dirty="0"/>
               <a:t>Node.js </a:t>
             </a:r>
             <a:r>
-              <a:rPr lang="zh-CN" altLang="en-US" dirty="0"/>
+              <a:rPr lang="zh-CN" altLang="en-US" sz="1350" dirty="0"/>
               <a:t>是一个能够在服务器端运行 </a:t>
             </a:r>
             <a:r>
-              <a:rPr lang="en-US" altLang="zh-CN" dirty="0"/>
+              <a:rPr lang="en-US" altLang="zh-CN" sz="1350" dirty="0"/>
               <a:t>JavaScript </a:t>
             </a:r>
             <a:r>
-              <a:rPr lang="zh-CN" altLang="en-US" dirty="0"/>
+              <a:rPr lang="zh-CN" altLang="en-US" sz="1350" dirty="0"/>
               <a:t>的 开放源代码、跨平台 </a:t>
             </a:r>
             <a:r>
-              <a:rPr lang="en-US" altLang="zh-CN" dirty="0"/>
+              <a:rPr lang="en-US" altLang="zh-CN" sz="1350" dirty="0"/>
               <a:t>JavaScript </a:t>
             </a:r>
             <a:r>
-              <a:rPr lang="zh-CN" altLang="en-US" dirty="0"/>
+              <a:rPr lang="zh-CN" altLang="en-US" sz="1350" dirty="0"/>
               <a:t>运行环境。</a:t>
             </a:r>
             <a:r>
-              <a:rPr lang="en-US" altLang="zh-CN" dirty="0"/>
+              <a:rPr lang="en-US" altLang="zh-CN" sz="1350" dirty="0"/>
               <a:t>Node.js </a:t>
             </a:r>
             <a:r>
-              <a:rPr lang="zh-CN" altLang="en-US" dirty="0"/>
+              <a:rPr lang="zh-CN" altLang="en-US" sz="1350" dirty="0"/>
               <a:t>由 </a:t>
             </a:r>
             <a:r>
-              <a:rPr lang="en-US" altLang="zh-CN" dirty="0"/>
+              <a:rPr lang="en-US" altLang="zh-CN" sz="1350" dirty="0"/>
               <a:t>Node.js </a:t>
             </a:r>
             <a:r>
-              <a:rPr lang="zh-CN" altLang="en-US" dirty="0"/>
-              <a:t>基金会持有和维护</a:t>
-            </a:r>
-            <a:r>
-              <a:rPr lang="en-US" altLang="zh-CN" dirty="0"/>
-              <a:t>[3]</a:t>
-            </a:r>
-            <a:r>
-              <a:rPr lang="zh-CN" altLang="en-US" dirty="0"/>
-              <a:t>，并与 </a:t>
-            </a:r>
-            <a:r>
-              <a:rPr lang="en-US" altLang="zh-CN" dirty="0"/>
+              <a:rPr lang="zh-CN" altLang="en-US" sz="1350" dirty="0"/>
+              <a:t>基金会持有和维护，并与 </a:t>
+            </a:r>
+            <a:r>
+              <a:rPr lang="en-US" altLang="zh-CN" sz="1350" dirty="0"/>
               <a:t>Linux</a:t>
             </a:r>
             <a:r>
-              <a:rPr lang="zh-CN" altLang="en-US" dirty="0"/>
-              <a:t>基金会 有合作关系</a:t>
-            </a:r>
-            <a:r>
-              <a:rPr lang="en-US" altLang="zh-CN" dirty="0"/>
-              <a:t>[4]</a:t>
-            </a:r>
-            <a:r>
-              <a:rPr lang="zh-CN" altLang="en-US" dirty="0"/>
-              <a:t>。</a:t>
-            </a:r>
-            <a:r>
-              <a:rPr lang="en-US" altLang="zh-CN" dirty="0"/>
+              <a:rPr lang="zh-CN" altLang="en-US" sz="1350" dirty="0"/>
+              <a:t>基金会 有合作关系。</a:t>
+            </a:r>
+            <a:r>
+              <a:rPr lang="en-US" altLang="zh-CN" sz="1350" dirty="0"/>
               <a:t>Node.js </a:t>
             </a:r>
             <a:r>
-              <a:rPr lang="zh-CN" altLang="en-US" dirty="0"/>
+              <a:rPr lang="zh-CN" altLang="en-US" sz="1350" dirty="0"/>
               <a:t>采用 </a:t>
             </a:r>
             <a:r>
-              <a:rPr lang="en-US" altLang="zh-CN" dirty="0"/>
+              <a:rPr lang="en-US" altLang="zh-CN" sz="1350" dirty="0"/>
               <a:t>Google </a:t>
             </a:r>
             <a:r>
-              <a:rPr lang="zh-CN" altLang="en-US" dirty="0"/>
+              <a:rPr lang="zh-CN" altLang="en-US" sz="1350" dirty="0"/>
               <a:t>开发的 </a:t>
             </a:r>
             <a:r>
-              <a:rPr lang="en-US" altLang="zh-CN" dirty="0"/>
+              <a:rPr lang="en-US" altLang="zh-CN" sz="1350" dirty="0"/>
               <a:t>V8</a:t>
             </a:r>
             <a:r>
-              <a:rPr lang="zh-CN" altLang="en-US" dirty="0"/>
+              <a:rPr lang="zh-CN" altLang="en-US" sz="1350" dirty="0"/>
               <a:t>运行代码，使用 事件驱动、非阻塞 和 异步输入输出 模型等技术来提高性能，可优化应用程序的传输量和规模。这些技术通常用于数据密集的实时应用程序。</a:t>
             </a:r>
           </a:p>
@@ -8710,8 +8387,8 @@
         </p:nvCxnSpPr>
         <p:spPr bwMode="auto">
           <a:xfrm>
-            <a:off x="5969876" y="2375338"/>
-            <a:ext cx="0" cy="2236405"/>
+            <a:off x="4477407" y="2638755"/>
+            <a:ext cx="0" cy="1677304"/>
           </a:xfrm>
           <a:prstGeom prst="line">
             <a:avLst/>
@@ -8792,8 +8469,8 @@
         </p:nvSpPr>
         <p:spPr>
           <a:xfrm>
-            <a:off x="1986455" y="1734207"/>
-            <a:ext cx="1132041" cy="369332"/>
+            <a:off x="1489844" y="2157905"/>
+            <a:ext cx="896399" cy="300082"/>
           </a:xfrm>
           <a:prstGeom prst="rect">
             <a:avLst/>
@@ -8807,10 +8484,10 @@
           <a:lstStyle/>
           <a:p>
             <a:r>
-              <a:rPr lang="en-US" altLang="zh-CN" dirty="0" err="1"/>
+              <a:rPr lang="en-US" altLang="zh-CN" sz="1350" dirty="0" err="1"/>
               <a:t>ThinkPHP</a:t>
             </a:r>
-            <a:endParaRPr lang="zh-CN" altLang="en-US" dirty="0"/>
+            <a:endParaRPr lang="zh-CN" altLang="en-US" sz="1350" dirty="0"/>
           </a:p>
         </p:txBody>
       </p:sp>
@@ -8828,8 +8505,8 @@
         </p:nvSpPr>
         <p:spPr>
           <a:xfrm>
-            <a:off x="1114097" y="2436224"/>
-            <a:ext cx="3048000" cy="3416320"/>
+            <a:off x="835573" y="2684419"/>
+            <a:ext cx="2286000" cy="2585323"/>
           </a:xfrm>
           <a:prstGeom prst="rect">
             <a:avLst/>
@@ -8842,123 +8519,123 @@
           <a:lstStyle/>
           <a:p>
             <a:r>
-              <a:rPr lang="en-US" altLang="zh-CN" dirty="0" err="1"/>
+              <a:rPr lang="en-US" altLang="zh-CN" sz="1350" dirty="0" err="1"/>
               <a:t>ThinkPHP</a:t>
             </a:r>
             <a:r>
-              <a:rPr lang="zh-CN" altLang="en-US" dirty="0"/>
+              <a:rPr lang="zh-CN" altLang="en-US" sz="1350" dirty="0"/>
               <a:t>是以</a:t>
             </a:r>
             <a:r>
-              <a:rPr lang="en-US" altLang="zh-CN" dirty="0"/>
+              <a:rPr lang="en-US" altLang="zh-CN" sz="1350" dirty="0"/>
               <a:t>PHP</a:t>
             </a:r>
             <a:r>
-              <a:rPr lang="zh-CN" altLang="en-US" dirty="0"/>
+              <a:rPr lang="zh-CN" altLang="en-US" sz="1350" dirty="0"/>
               <a:t>为底层的框架。相较于其他 </a:t>
             </a:r>
             <a:r>
-              <a:rPr lang="en-US" altLang="zh-CN" dirty="0"/>
+              <a:rPr lang="en-US" altLang="zh-CN" sz="1350" dirty="0"/>
               <a:t>Laravel</a:t>
             </a:r>
             <a:r>
-              <a:rPr lang="zh-CN" altLang="en-US" dirty="0"/>
+              <a:rPr lang="zh-CN" altLang="en-US" sz="1350" dirty="0"/>
               <a:t>，</a:t>
             </a:r>
             <a:r>
-              <a:rPr lang="en-US" altLang="zh-CN" dirty="0" err="1"/>
+              <a:rPr lang="en-US" altLang="zh-CN" sz="1350" dirty="0" err="1"/>
               <a:t>Yii</a:t>
             </a:r>
             <a:r>
-              <a:rPr lang="zh-CN" altLang="en-US" dirty="0"/>
+              <a:rPr lang="zh-CN" altLang="en-US" sz="1350" dirty="0"/>
               <a:t>，</a:t>
             </a:r>
             <a:r>
-              <a:rPr lang="en-US" altLang="zh-CN" dirty="0"/>
+              <a:rPr lang="en-US" altLang="zh-CN" sz="1350" dirty="0"/>
               <a:t>Zend</a:t>
             </a:r>
             <a:r>
-              <a:rPr lang="zh-CN" altLang="en-US" dirty="0"/>
+              <a:rPr lang="zh-CN" altLang="en-US" sz="1350" dirty="0"/>
               <a:t>等大型框架，</a:t>
             </a:r>
             <a:r>
-              <a:rPr lang="en-US" altLang="zh-CN" dirty="0" err="1"/>
+              <a:rPr lang="en-US" altLang="zh-CN" sz="1350" dirty="0" err="1"/>
               <a:t>ThinkPHP</a:t>
             </a:r>
             <a:r>
-              <a:rPr lang="zh-CN" altLang="en-US" dirty="0"/>
+              <a:rPr lang="zh-CN" altLang="en-US" sz="1350" dirty="0"/>
               <a:t>框架属于轻量型框架</a:t>
             </a:r>
             <a:r>
-              <a:rPr lang="en-US" altLang="zh-CN" dirty="0"/>
+              <a:rPr lang="en-US" altLang="zh-CN" sz="1350" dirty="0"/>
               <a:t>[6]</a:t>
             </a:r>
             <a:r>
-              <a:rPr lang="zh-CN" altLang="en-US" dirty="0"/>
+              <a:rPr lang="zh-CN" altLang="en-US" sz="1350" dirty="0"/>
               <a:t>，没有什么特殊模块要求，底层运行的内容消耗也很低，不会出现空间和内存占用的瓶颈。并且它支持</a:t>
             </a:r>
             <a:r>
-              <a:rPr lang="en-US" altLang="zh-CN" dirty="0"/>
+              <a:rPr lang="en-US" altLang="zh-CN" sz="1350" dirty="0"/>
               <a:t>MySQL</a:t>
             </a:r>
             <a:r>
-              <a:rPr lang="zh-CN" altLang="en-US" dirty="0"/>
+              <a:rPr lang="zh-CN" altLang="en-US" sz="1350" dirty="0"/>
               <a:t>、</a:t>
             </a:r>
             <a:r>
-              <a:rPr lang="en-US" altLang="zh-CN" dirty="0"/>
+              <a:rPr lang="en-US" altLang="zh-CN" sz="1350" dirty="0"/>
               <a:t>MSSQL</a:t>
             </a:r>
             <a:r>
-              <a:rPr lang="zh-CN" altLang="en-US" dirty="0"/>
+              <a:rPr lang="zh-CN" altLang="en-US" sz="1350" dirty="0"/>
               <a:t>、</a:t>
             </a:r>
             <a:r>
-              <a:rPr lang="en-US" altLang="zh-CN" dirty="0"/>
+              <a:rPr lang="en-US" altLang="zh-CN" sz="1350" dirty="0"/>
               <a:t>PGSQL</a:t>
             </a:r>
             <a:r>
-              <a:rPr lang="zh-CN" altLang="en-US" dirty="0"/>
+              <a:rPr lang="zh-CN" altLang="en-US" sz="1350" dirty="0"/>
               <a:t>、</a:t>
             </a:r>
             <a:r>
-              <a:rPr lang="en-US" altLang="zh-CN" dirty="0"/>
+              <a:rPr lang="en-US" altLang="zh-CN" sz="1350" dirty="0"/>
               <a:t>SQLITE</a:t>
             </a:r>
             <a:r>
-              <a:rPr lang="zh-CN" altLang="en-US" dirty="0"/>
+              <a:rPr lang="zh-CN" altLang="en-US" sz="1350" dirty="0"/>
               <a:t>、</a:t>
             </a:r>
             <a:r>
-              <a:rPr lang="en-US" altLang="zh-CN" dirty="0"/>
+              <a:rPr lang="en-US" altLang="zh-CN" sz="1350" dirty="0"/>
               <a:t>Oracle</a:t>
             </a:r>
             <a:r>
-              <a:rPr lang="zh-CN" altLang="en-US" dirty="0"/>
+              <a:rPr lang="zh-CN" altLang="en-US" sz="1350" dirty="0"/>
               <a:t>、</a:t>
             </a:r>
             <a:r>
-              <a:rPr lang="en-US" altLang="zh-CN" dirty="0"/>
+              <a:rPr lang="en-US" altLang="zh-CN" sz="1350" dirty="0"/>
               <a:t>IBASE</a:t>
             </a:r>
             <a:r>
-              <a:rPr lang="zh-CN" altLang="en-US" dirty="0"/>
+              <a:rPr lang="zh-CN" altLang="en-US" sz="1350" dirty="0"/>
               <a:t>、</a:t>
             </a:r>
             <a:r>
-              <a:rPr lang="en-US" altLang="zh-CN" dirty="0"/>
+              <a:rPr lang="en-US" altLang="zh-CN" sz="1350" dirty="0"/>
               <a:t>Mongo</a:t>
             </a:r>
             <a:r>
-              <a:rPr lang="zh-CN" altLang="en-US" dirty="0"/>
+              <a:rPr lang="zh-CN" altLang="en-US" sz="1350" dirty="0"/>
               <a:t>以及</a:t>
             </a:r>
             <a:r>
-              <a:rPr lang="en-US" altLang="zh-CN" dirty="0"/>
+              <a:rPr lang="en-US" altLang="zh-CN" sz="1350" dirty="0"/>
               <a:t>PDO</a:t>
             </a:r>
             <a:r>
-              <a:rPr lang="zh-CN" altLang="en-US" dirty="0"/>
+              <a:rPr lang="zh-CN" altLang="en-US" sz="1350" dirty="0"/>
               <a:t>等多种数据库和连接。</a:t>
             </a:r>
           </a:p>
@@ -8978,8 +8655,8 @@
         </p:nvSpPr>
         <p:spPr>
           <a:xfrm>
-            <a:off x="5537193" y="1734207"/>
-            <a:ext cx="1117614" cy="369332"/>
+            <a:off x="4152895" y="2157905"/>
+            <a:ext cx="883575" cy="300082"/>
           </a:xfrm>
           <a:prstGeom prst="rect">
             <a:avLst/>
@@ -8992,10 +8669,10 @@
           <a:lstStyle/>
           <a:p>
             <a:r>
-              <a:rPr lang="en-US" altLang="zh-CN" dirty="0"/>
+              <a:rPr lang="en-US" altLang="zh-CN" sz="1350" dirty="0"/>
               <a:t>Express.js</a:t>
             </a:r>
-            <a:endParaRPr lang="zh-CN" altLang="en-US" dirty="0"/>
+            <a:endParaRPr lang="zh-CN" altLang="en-US" sz="1350" dirty="0"/>
           </a:p>
         </p:txBody>
       </p:sp>
@@ -9013,8 +8690,8 @@
         </p:nvSpPr>
         <p:spPr>
           <a:xfrm>
-            <a:off x="9073504" y="1734207"/>
-            <a:ext cx="1178528" cy="369332"/>
+            <a:off x="6805129" y="2157905"/>
+            <a:ext cx="928459" cy="300082"/>
           </a:xfrm>
           <a:prstGeom prst="rect">
             <a:avLst/>
@@ -9028,18 +8705,18 @@
           <a:lstStyle/>
           <a:p>
             <a:r>
-              <a:rPr lang="en-US" altLang="zh-CN" dirty="0"/>
+              <a:rPr lang="en-US" altLang="zh-CN" sz="1350" dirty="0"/>
               <a:t>Vue</a:t>
             </a:r>
             <a:r>
-              <a:rPr lang="zh-CN" altLang="en-US" dirty="0"/>
+              <a:rPr lang="zh-CN" altLang="en-US" sz="1350" dirty="0"/>
               <a:t>与</a:t>
             </a:r>
             <a:r>
-              <a:rPr lang="en-US" altLang="zh-CN" dirty="0"/>
+              <a:rPr lang="en-US" altLang="zh-CN" sz="1350" dirty="0"/>
               <a:t>Koa</a:t>
             </a:r>
-            <a:endParaRPr lang="zh-CN" altLang="en-US" dirty="0"/>
+            <a:endParaRPr lang="zh-CN" altLang="en-US" sz="1350" dirty="0"/>
           </a:p>
         </p:txBody>
       </p:sp>
@@ -9057,8 +8734,8 @@
         </p:nvSpPr>
         <p:spPr>
           <a:xfrm>
-            <a:off x="4572000" y="2436224"/>
-            <a:ext cx="3048000" cy="3139321"/>
+            <a:off x="3429000" y="2684419"/>
+            <a:ext cx="2286000" cy="2377574"/>
           </a:xfrm>
           <a:prstGeom prst="rect">
             <a:avLst/>
@@ -9071,10 +8748,10 @@
           <a:lstStyle/>
           <a:p>
             <a:r>
-              <a:rPr lang="en-US" altLang="zh-CN" dirty="0"/>
-              <a:t>Express.js, or simply Express, is a web application framework for Node.js, released as free and open-source software under the MIT License. It is designed for building web applications and APIs.[3] It has been called the de facto standard server framework for Node.js.[4]</a:t>
-            </a:r>
-            <a:endParaRPr lang="zh-CN" altLang="en-US" dirty="0"/>
+              <a:rPr lang="en-US" altLang="zh-CN" sz="1350" dirty="0"/>
+              <a:t>Express.js, or simply Express, is a web application framework for Node.js, released as free and open-source software under the MIT License. It is designed for building web applications and APIs. It has been called the de facto standard server framework for Node.js.</a:t>
+            </a:r>
+            <a:endParaRPr lang="zh-CN" altLang="en-US" sz="1350" dirty="0"/>
           </a:p>
         </p:txBody>
       </p:sp>
@@ -9092,8 +8769,8 @@
         </p:nvSpPr>
         <p:spPr>
           <a:xfrm>
-            <a:off x="8437566" y="2436224"/>
-            <a:ext cx="2450404" cy="3416320"/>
+            <a:off x="6328175" y="2684419"/>
+            <a:ext cx="1837803" cy="2793072"/>
           </a:xfrm>
           <a:prstGeom prst="rect">
             <a:avLst/>
@@ -9106,24 +8783,24 @@
           <a:lstStyle/>
           <a:p>
             <a:r>
-              <a:rPr lang="en-US" altLang="zh-CN" dirty="0"/>
+              <a:rPr lang="en-US" altLang="zh-CN" sz="1350" dirty="0"/>
               <a:t>Vue</a:t>
             </a:r>
             <a:r>
-              <a:rPr lang="zh-CN" altLang="en-US" dirty="0"/>
+              <a:rPr lang="zh-CN" altLang="en-US" sz="1350" dirty="0"/>
               <a:t>是一套用于构建用户界面的渐进式框架。</a:t>
             </a:r>
-            <a:endParaRPr lang="en-US" altLang="zh-CN" dirty="0"/>
-          </a:p>
-          <a:p>
-            <a:endParaRPr lang="en-US" altLang="zh-CN" dirty="0"/>
-          </a:p>
-          <a:p>
-            <a:r>
-              <a:rPr lang="en-US" altLang="zh-CN" dirty="0"/>
+            <a:endParaRPr lang="en-US" altLang="zh-CN" sz="1350" dirty="0"/>
+          </a:p>
+          <a:p>
+            <a:endParaRPr lang="en-US" altLang="zh-CN" sz="1350" dirty="0"/>
+          </a:p>
+          <a:p>
+            <a:r>
+              <a:rPr lang="en-US" altLang="zh-CN" sz="1350" dirty="0"/>
               <a:t>Koa is a new web framework designed by the team behind Express, which aims to be a smaller, more expressive, and more robust foundation for web applications and APIs. </a:t>
             </a:r>
-            <a:endParaRPr lang="zh-CN" altLang="en-US" dirty="0"/>
+            <a:endParaRPr lang="zh-CN" altLang="en-US" sz="1350" dirty="0"/>
           </a:p>
         </p:txBody>
       </p:sp>
@@ -9183,8 +8860,8 @@
         </p:nvSpPr>
         <p:spPr>
           <a:xfrm>
-            <a:off x="4875153" y="3044280"/>
-            <a:ext cx="2441694" cy="769441"/>
+            <a:off x="3656365" y="3140463"/>
+            <a:ext cx="1877437" cy="600164"/>
           </a:xfrm>
           <a:prstGeom prst="rect">
             <a:avLst/>
@@ -9198,7 +8875,7 @@
           <a:lstStyle/>
           <a:p>
             <a:r>
-              <a:rPr lang="zh-CN" altLang="en-US" sz="4400" dirty="0">
+              <a:rPr lang="zh-CN" altLang="en-US" sz="3300" dirty="0">
                 <a:latin typeface="微软雅黑" panose="020B0503020204020204" pitchFamily="34" charset="-122"/>
                 <a:ea typeface="微软雅黑" panose="020B0503020204020204" pitchFamily="34" charset="-122"/>
               </a:rPr>

--- a/show.pptx
+++ b/show.pptx
@@ -209,7 +209,7 @@
           <a:p>
             <a:fld id="{C69632A9-B23F-4BF8-81CB-CF02AC976971}" type="datetimeFigureOut">
               <a:rPr lang="zh-CN" altLang="en-US" smtClean="0"/>
-              <a:t>2018/6/16</a:t>
+              <a:t>2018/6/17</a:t>
             </a:fld>
             <a:endParaRPr lang="zh-CN" altLang="en-US"/>
           </a:p>
@@ -3453,215 +3453,6 @@
       </p:grpSpPr>
       <p:grpSp>
         <p:nvGrpSpPr>
-          <p:cNvPr id="3" name="组合 2"/>
-          <p:cNvGrpSpPr/>
-          <p:nvPr/>
-        </p:nvGrpSpPr>
-        <p:grpSpPr>
-          <a:xfrm>
-            <a:off x="2858494" y="2935225"/>
-            <a:ext cx="4088735" cy="987554"/>
-            <a:chOff x="3687207" y="2670144"/>
-            <a:chExt cx="5451646" cy="1316739"/>
-          </a:xfrm>
-        </p:grpSpPr>
-        <p:sp>
-          <p:nvSpPr>
-            <p:cNvPr id="2" name="文本框 1"/>
-            <p:cNvSpPr txBox="1"/>
-            <p:nvPr/>
-          </p:nvSpPr>
-          <p:spPr>
-            <a:xfrm>
-              <a:off x="5609682" y="3036125"/>
-              <a:ext cx="3529171" cy="615553"/>
-            </a:xfrm>
-            <a:prstGeom prst="rect">
-              <a:avLst/>
-            </a:prstGeom>
-            <a:noFill/>
-          </p:spPr>
-          <p:txBody>
-            <a:bodyPr wrap="none" rtlCol="0">
-              <a:spAutoFit/>
-            </a:bodyPr>
-            <a:lstStyle/>
-            <a:p>
-              <a:r>
-                <a:rPr lang="zh-CN" altLang="en-US" sz="2400" dirty="0">
-                  <a:latin typeface="微软雅黑" panose="020B0503020204020204" pitchFamily="34" charset="-122"/>
-                  <a:ea typeface="微软雅黑" panose="020B0503020204020204" pitchFamily="34" charset="-122"/>
-                </a:rPr>
-                <a:t>社团报名管理系统</a:t>
-              </a:r>
-            </a:p>
-          </p:txBody>
-        </p:sp>
-        <p:pic>
-          <p:nvPicPr>
-            <p:cNvPr id="4" name="图片 3"/>
-            <p:cNvPicPr>
-              <a:picLocks noChangeAspect="1"/>
-            </p:cNvPicPr>
-            <p:nvPr/>
-          </p:nvPicPr>
-          <p:blipFill>
-            <a:blip r:embed="rId3">
-              <a:extLst>
-                <a:ext uri="{28A0092B-C50C-407E-A947-70E740481C1C}">
-                  <a14:useLocalDpi xmlns:a14="http://schemas.microsoft.com/office/drawing/2010/main" val="0"/>
-                </a:ext>
-              </a:extLst>
-            </a:blip>
-            <a:stretch>
-              <a:fillRect/>
-            </a:stretch>
-          </p:blipFill>
-          <p:spPr>
-            <a:xfrm>
-              <a:off x="3687207" y="2670144"/>
-              <a:ext cx="1316739" cy="1316739"/>
-            </a:xfrm>
-            <a:prstGeom prst="rect">
-              <a:avLst/>
-            </a:prstGeom>
-          </p:spPr>
-        </p:pic>
-      </p:grpSp>
-      <p:grpSp>
-        <p:nvGrpSpPr>
-          <p:cNvPr id="5" name="组合 4">
-            <a:extLst>
-              <a:ext uri="{FF2B5EF4-FFF2-40B4-BE49-F238E27FC236}">
-                <a16:creationId xmlns:a16="http://schemas.microsoft.com/office/drawing/2014/main" id="{86CCB684-D414-418A-AB71-52EAA09DCD40}"/>
-              </a:ext>
-            </a:extLst>
-          </p:cNvPr>
-          <p:cNvGrpSpPr/>
-          <p:nvPr/>
-        </p:nvGrpSpPr>
-        <p:grpSpPr>
-          <a:xfrm>
-            <a:off x="2550718" y="2935225"/>
-            <a:ext cx="4088734" cy="987554"/>
-            <a:chOff x="3400955" y="2770631"/>
-            <a:chExt cx="5451644" cy="1316739"/>
-          </a:xfrm>
-        </p:grpSpPr>
-        <p:pic>
-          <p:nvPicPr>
-            <p:cNvPr id="6" name="图片 5">
-              <a:extLst>
-                <a:ext uri="{FF2B5EF4-FFF2-40B4-BE49-F238E27FC236}">
-                  <a16:creationId xmlns:a16="http://schemas.microsoft.com/office/drawing/2014/main" id="{0B70AE87-3E6C-40B2-8292-2C154D6088AF}"/>
-                </a:ext>
-              </a:extLst>
-            </p:cNvPr>
-            <p:cNvPicPr>
-              <a:picLocks noChangeAspect="1"/>
-            </p:cNvPicPr>
-            <p:nvPr/>
-          </p:nvPicPr>
-          <p:blipFill>
-            <a:blip r:embed="rId4">
-              <a:extLst>
-                <a:ext uri="{BEBA8EAE-BF5A-486C-A8C5-ECC9F3942E4B}">
-                  <a14:imgProps xmlns:a14="http://schemas.microsoft.com/office/drawing/2010/main">
-                    <a14:imgLayer r:embed="rId5">
-                      <a14:imgEffect>
-                        <a14:backgroundRemoval t="8594" b="90234" l="9766" r="91016">
-                          <a14:foregroundMark x1="44531" y1="42578" x2="44531" y2="42578"/>
-                          <a14:foregroundMark x1="66016" y1="44531" x2="66016" y2="44531"/>
-                          <a14:foregroundMark x1="62891" y1="37891" x2="59766" y2="48828"/>
-                          <a14:foregroundMark x1="56250" y1="58594" x2="58594" y2="53125"/>
-                          <a14:foregroundMark x1="39063" y1="53125" x2="9766" y2="56641"/>
-                          <a14:foregroundMark x1="47656" y1="27344" x2="51953" y2="10938"/>
-                          <a14:foregroundMark x1="57422" y1="8594" x2="50781" y2="8594"/>
-                          <a14:foregroundMark x1="82422" y1="39063" x2="91016" y2="54297"/>
-                          <a14:foregroundMark x1="76953" y1="56641" x2="65234" y2="66406"/>
-                          <a14:foregroundMark x1="61719" y1="62109" x2="12500" y2="43750"/>
-                          <a14:foregroundMark x1="12500" y1="43750" x2="72266" y2="63672"/>
-                          <a14:foregroundMark x1="72266" y1="63672" x2="47656" y2="44531"/>
-                          <a14:foregroundMark x1="28125" y1="33594" x2="60156" y2="60938"/>
-                          <a14:foregroundMark x1="60156" y1="60938" x2="56250" y2="39063"/>
-                          <a14:foregroundMark x1="47656" y1="31641" x2="79297" y2="35938"/>
-                          <a14:foregroundMark x1="80078" y1="44531" x2="61328" y2="12500"/>
-                          <a14:foregroundMark x1="61328" y1="12500" x2="56250" y2="17578"/>
-                          <a14:foregroundMark x1="69531" y1="42578" x2="76953" y2="27344"/>
-                          <a14:foregroundMark x1="59766" y1="40234" x2="29297" y2="66016"/>
-                          <a14:foregroundMark x1="29297" y1="66016" x2="57422" y2="45703"/>
-                          <a14:foregroundMark x1="44531" y1="25000" x2="51953" y2="28125"/>
-                          <a14:foregroundMark x1="56250" y1="20703" x2="43359" y2="39063"/>
-                          <a14:foregroundMark x1="51953" y1="28125" x2="48828" y2="64453"/>
-                          <a14:foregroundMark x1="48828" y1="64453" x2="56250" y2="69531"/>
-                          <a14:foregroundMark x1="40234" y1="65234" x2="41016" y2="90234"/>
-                          <a14:foregroundMark x1="33594" y1="65234" x2="33594" y2="85938"/>
-                          <a14:foregroundMark x1="26172" y1="62109" x2="39063" y2="79297"/>
-                        </a14:backgroundRemoval>
-                      </a14:imgEffect>
-                    </a14:imgLayer>
-                  </a14:imgProps>
-                </a:ext>
-                <a:ext uri="{28A0092B-C50C-407E-A947-70E740481C1C}">
-                  <a14:useLocalDpi xmlns:a14="http://schemas.microsoft.com/office/drawing/2010/main" val="0"/>
-                </a:ext>
-              </a:extLst>
-            </a:blip>
-            <a:stretch>
-              <a:fillRect/>
-            </a:stretch>
-          </p:blipFill>
-          <p:spPr>
-            <a:xfrm>
-              <a:off x="3400955" y="2770631"/>
-              <a:ext cx="1316739" cy="1316739"/>
-            </a:xfrm>
-            <a:prstGeom prst="rect">
-              <a:avLst/>
-            </a:prstGeom>
-          </p:spPr>
-        </p:pic>
-        <p:sp>
-          <p:nvSpPr>
-            <p:cNvPr id="7" name="文本框 6">
-              <a:extLst>
-                <a:ext uri="{FF2B5EF4-FFF2-40B4-BE49-F238E27FC236}">
-                  <a16:creationId xmlns:a16="http://schemas.microsoft.com/office/drawing/2014/main" id="{3C3A1D49-CC45-4743-A095-246B17C83F9F}"/>
-                </a:ext>
-              </a:extLst>
-            </p:cNvPr>
-            <p:cNvSpPr txBox="1"/>
-            <p:nvPr/>
-          </p:nvSpPr>
-          <p:spPr>
-            <a:xfrm>
-              <a:off x="5323430" y="3136614"/>
-              <a:ext cx="3529169" cy="615553"/>
-            </a:xfrm>
-            <a:prstGeom prst="rect">
-              <a:avLst/>
-            </a:prstGeom>
-            <a:noFill/>
-          </p:spPr>
-          <p:txBody>
-            <a:bodyPr wrap="none" rtlCol="0">
-              <a:spAutoFit/>
-            </a:bodyPr>
-            <a:lstStyle/>
-            <a:p>
-              <a:r>
-                <a:rPr lang="zh-CN" altLang="en-US" sz="2400" dirty="0">
-                  <a:latin typeface="微软雅黑" panose="020B0503020204020204" pitchFamily="34" charset="-122"/>
-                  <a:ea typeface="微软雅黑" panose="020B0503020204020204" pitchFamily="34" charset="-122"/>
-                </a:rPr>
-                <a:t>社团考试管理系统</a:t>
-              </a:r>
-            </a:p>
-          </p:txBody>
-        </p:sp>
-      </p:grpSp>
-      <p:grpSp>
-        <p:nvGrpSpPr>
           <p:cNvPr id="8" name="组合 7">
             <a:extLst>
               <a:ext uri="{FF2B5EF4-FFF2-40B4-BE49-F238E27FC236}">
@@ -3715,11 +3506,11 @@
               <p:nvPr/>
             </p:nvPicPr>
             <p:blipFill>
-              <a:blip r:embed="rId4">
+              <a:blip r:embed="rId3">
                 <a:extLst>
                   <a:ext uri="{BEBA8EAE-BF5A-486C-A8C5-ECC9F3942E4B}">
                     <a14:imgProps xmlns:a14="http://schemas.microsoft.com/office/drawing/2010/main">
-                      <a14:imgLayer r:embed="rId5">
+                      <a14:imgLayer r:embed="rId4">
                         <a14:imgEffect>
                           <a14:backgroundRemoval t="8594" b="90234" l="9766" r="91016">
                             <a14:foregroundMark x1="44531" y1="42578" x2="44531" y2="42578"/>
@@ -3885,7 +3676,7 @@
               <p:nvPr/>
             </p:nvPicPr>
             <p:blipFill>
-              <a:blip r:embed="rId3">
+              <a:blip r:embed="rId5">
                 <a:extLst>
                   <a:ext uri="{28A0092B-C50C-407E-A947-70E740481C1C}">
                     <a14:useLocalDpi xmlns:a14="http://schemas.microsoft.com/office/drawing/2010/main" val="0"/>
@@ -4060,316 +3851,6 @@
           </a:p>
         </p:txBody>
       </p:sp>
-      <p:grpSp>
-        <p:nvGrpSpPr>
-          <p:cNvPr id="16" name="组合 15">
-            <a:extLst>
-              <a:ext uri="{FF2B5EF4-FFF2-40B4-BE49-F238E27FC236}">
-                <a16:creationId xmlns:a16="http://schemas.microsoft.com/office/drawing/2014/main" id="{4A51BCD2-F4A7-441B-986D-46C357B2D082}"/>
-              </a:ext>
-            </a:extLst>
-          </p:cNvPr>
-          <p:cNvGrpSpPr/>
-          <p:nvPr/>
-        </p:nvGrpSpPr>
-        <p:grpSpPr>
-          <a:xfrm>
-            <a:off x="2858494" y="3147103"/>
-            <a:ext cx="4088735" cy="671064"/>
-            <a:chOff x="3811324" y="3053134"/>
-            <a:chExt cx="5451646" cy="894752"/>
-          </a:xfrm>
-        </p:grpSpPr>
-        <p:sp>
-          <p:nvSpPr>
-            <p:cNvPr id="17" name="文本框 16">
-              <a:extLst>
-                <a:ext uri="{FF2B5EF4-FFF2-40B4-BE49-F238E27FC236}">
-                  <a16:creationId xmlns:a16="http://schemas.microsoft.com/office/drawing/2014/main" id="{2C8E2D85-626A-4C96-8DBD-2E87D359D375}"/>
-                </a:ext>
-              </a:extLst>
-            </p:cNvPr>
-            <p:cNvSpPr txBox="1"/>
-            <p:nvPr/>
-          </p:nvSpPr>
-          <p:spPr>
-            <a:xfrm>
-              <a:off x="5733799" y="3208123"/>
-              <a:ext cx="3529171" cy="615553"/>
-            </a:xfrm>
-            <a:prstGeom prst="rect">
-              <a:avLst/>
-            </a:prstGeom>
-            <a:noFill/>
-          </p:spPr>
-          <p:txBody>
-            <a:bodyPr wrap="none" rtlCol="0">
-              <a:spAutoFit/>
-            </a:bodyPr>
-            <a:lstStyle/>
-            <a:p>
-              <a:r>
-                <a:rPr lang="zh-CN" altLang="en-US" sz="2400" dirty="0">
-                  <a:latin typeface="微软雅黑" panose="020B0503020204020204" pitchFamily="34" charset="-122"/>
-                  <a:ea typeface="微软雅黑" panose="020B0503020204020204" pitchFamily="34" charset="-122"/>
-                </a:rPr>
-                <a:t>社团短信群发平台</a:t>
-              </a:r>
-            </a:p>
-          </p:txBody>
-        </p:sp>
-        <p:pic>
-          <p:nvPicPr>
-            <p:cNvPr id="18" name="图片 17">
-              <a:extLst>
-                <a:ext uri="{FF2B5EF4-FFF2-40B4-BE49-F238E27FC236}">
-                  <a16:creationId xmlns:a16="http://schemas.microsoft.com/office/drawing/2014/main" id="{2D726AC3-6A7D-43E8-B435-FD107D04BB3F}"/>
-                </a:ext>
-              </a:extLst>
-            </p:cNvPr>
-            <p:cNvPicPr>
-              <a:picLocks noChangeAspect="1"/>
-            </p:cNvPicPr>
-            <p:nvPr/>
-          </p:nvPicPr>
-          <p:blipFill>
-            <a:blip r:embed="rId6">
-              <a:extLst>
-                <a:ext uri="{BEBA8EAE-BF5A-486C-A8C5-ECC9F3942E4B}">
-                  <a14:imgProps xmlns:a14="http://schemas.microsoft.com/office/drawing/2010/main">
-                    <a14:imgLayer r:embed="rId7">
-                      <a14:imgEffect>
-                        <a14:artisticPaintStrokes/>
-                      </a14:imgEffect>
-                    </a14:imgLayer>
-                  </a14:imgProps>
-                </a:ext>
-                <a:ext uri="{28A0092B-C50C-407E-A947-70E740481C1C}">
-                  <a14:useLocalDpi xmlns:a14="http://schemas.microsoft.com/office/drawing/2010/main" val="0"/>
-                </a:ext>
-              </a:extLst>
-            </a:blip>
-            <a:stretch>
-              <a:fillRect/>
-            </a:stretch>
-          </p:blipFill>
-          <p:spPr>
-            <a:xfrm>
-              <a:off x="3811324" y="3053134"/>
-              <a:ext cx="1305490" cy="894752"/>
-            </a:xfrm>
-            <a:prstGeom prst="rect">
-              <a:avLst/>
-            </a:prstGeom>
-          </p:spPr>
-        </p:pic>
-      </p:grpSp>
-      <p:grpSp>
-        <p:nvGrpSpPr>
-          <p:cNvPr id="22" name="组合 21">
-            <a:extLst>
-              <a:ext uri="{FF2B5EF4-FFF2-40B4-BE49-F238E27FC236}">
-                <a16:creationId xmlns:a16="http://schemas.microsoft.com/office/drawing/2014/main" id="{2C11BBD4-A182-4DFC-93CA-22FACB3BE76F}"/>
-              </a:ext>
-            </a:extLst>
-          </p:cNvPr>
-          <p:cNvGrpSpPr/>
-          <p:nvPr/>
-        </p:nvGrpSpPr>
-        <p:grpSpPr>
-          <a:xfrm>
-            <a:off x="2923210" y="3025433"/>
-            <a:ext cx="4024016" cy="914400"/>
-            <a:chOff x="3897614" y="2890910"/>
-            <a:chExt cx="5365354" cy="1219200"/>
-          </a:xfrm>
-        </p:grpSpPr>
-        <p:pic>
-          <p:nvPicPr>
-            <p:cNvPr id="23" name="图片 22">
-              <a:extLst>
-                <a:ext uri="{FF2B5EF4-FFF2-40B4-BE49-F238E27FC236}">
-                  <a16:creationId xmlns:a16="http://schemas.microsoft.com/office/drawing/2014/main" id="{C5DD4BAE-9570-46A5-A4F5-F55736E57080}"/>
-                </a:ext>
-              </a:extLst>
-            </p:cNvPr>
-            <p:cNvPicPr>
-              <a:picLocks noChangeAspect="1"/>
-            </p:cNvPicPr>
-            <p:nvPr/>
-          </p:nvPicPr>
-          <p:blipFill>
-            <a:blip r:embed="rId8">
-              <a:extLst>
-                <a:ext uri="{BEBA8EAE-BF5A-486C-A8C5-ECC9F3942E4B}">
-                  <a14:imgProps xmlns:a14="http://schemas.microsoft.com/office/drawing/2010/main">
-                    <a14:imgLayer r:embed="rId9">
-                      <a14:imgEffect>
-                        <a14:backgroundRemoval t="10000" b="90000" l="10000" r="90000">
-                          <a14:foregroundMark x1="43750" y1="84375" x2="53125" y2="88281"/>
-                          <a14:foregroundMark x1="38281" y1="82813" x2="70313" y2="82813"/>
-                          <a14:foregroundMark x1="87003" y1="46875" x2="88281" y2="56250"/>
-                          <a14:foregroundMark x1="85938" y1="39063" x2="86257" y2="41406"/>
-                          <a14:foregroundMark x1="89301" y1="46875" x2="86719" y2="61719"/>
-                          <a14:backgroundMark x1="92188" y1="41406" x2="92188" y2="46875"/>
-                        </a14:backgroundRemoval>
-                      </a14:imgEffect>
-                    </a14:imgLayer>
-                  </a14:imgProps>
-                </a:ext>
-                <a:ext uri="{28A0092B-C50C-407E-A947-70E740481C1C}">
-                  <a14:useLocalDpi xmlns:a14="http://schemas.microsoft.com/office/drawing/2010/main" val="0"/>
-                </a:ext>
-              </a:extLst>
-            </a:blip>
-            <a:stretch>
-              <a:fillRect/>
-            </a:stretch>
-          </p:blipFill>
-          <p:spPr>
-            <a:xfrm>
-              <a:off x="3897614" y="2890910"/>
-              <a:ext cx="1219200" cy="1219200"/>
-            </a:xfrm>
-            <a:prstGeom prst="rect">
-              <a:avLst/>
-            </a:prstGeom>
-          </p:spPr>
-        </p:pic>
-        <p:sp>
-          <p:nvSpPr>
-            <p:cNvPr id="24" name="文本框 23">
-              <a:extLst>
-                <a:ext uri="{FF2B5EF4-FFF2-40B4-BE49-F238E27FC236}">
-                  <a16:creationId xmlns:a16="http://schemas.microsoft.com/office/drawing/2014/main" id="{9BF4240B-2526-40AA-B56B-BF3C83A63FAF}"/>
-                </a:ext>
-              </a:extLst>
-            </p:cNvPr>
-            <p:cNvSpPr txBox="1"/>
-            <p:nvPr/>
-          </p:nvSpPr>
-          <p:spPr>
-            <a:xfrm>
-              <a:off x="5733798" y="3208123"/>
-              <a:ext cx="3529170" cy="615553"/>
-            </a:xfrm>
-            <a:prstGeom prst="rect">
-              <a:avLst/>
-            </a:prstGeom>
-            <a:noFill/>
-          </p:spPr>
-          <p:txBody>
-            <a:bodyPr wrap="none" rtlCol="0">
-              <a:spAutoFit/>
-            </a:bodyPr>
-            <a:lstStyle/>
-            <a:p>
-              <a:r>
-                <a:rPr lang="zh-CN" altLang="en-US" sz="2400" dirty="0">
-                  <a:latin typeface="微软雅黑" panose="020B0503020204020204" pitchFamily="34" charset="-122"/>
-                  <a:ea typeface="微软雅黑" panose="020B0503020204020204" pitchFamily="34" charset="-122"/>
-                </a:rPr>
-                <a:t>社团学习进度平台</a:t>
-              </a:r>
-            </a:p>
-          </p:txBody>
-        </p:sp>
-      </p:grpSp>
-      <p:grpSp>
-        <p:nvGrpSpPr>
-          <p:cNvPr id="25" name="组合 24">
-            <a:extLst>
-              <a:ext uri="{FF2B5EF4-FFF2-40B4-BE49-F238E27FC236}">
-                <a16:creationId xmlns:a16="http://schemas.microsoft.com/office/drawing/2014/main" id="{BFEB355B-69B3-49E2-91DC-9E4CBA41B5CF}"/>
-              </a:ext>
-            </a:extLst>
-          </p:cNvPr>
-          <p:cNvGrpSpPr/>
-          <p:nvPr/>
-        </p:nvGrpSpPr>
-        <p:grpSpPr>
-          <a:xfrm>
-            <a:off x="2926632" y="3061213"/>
-            <a:ext cx="3712819" cy="842841"/>
-            <a:chOff x="3902175" y="2938616"/>
-            <a:chExt cx="4950425" cy="1123788"/>
-          </a:xfrm>
-        </p:grpSpPr>
-        <p:pic>
-          <p:nvPicPr>
-            <p:cNvPr id="26" name="图片 25">
-              <a:extLst>
-                <a:ext uri="{FF2B5EF4-FFF2-40B4-BE49-F238E27FC236}">
-                  <a16:creationId xmlns:a16="http://schemas.microsoft.com/office/drawing/2014/main" id="{270FE679-8A14-4C34-BB91-610B4D3F8846}"/>
-                </a:ext>
-              </a:extLst>
-            </p:cNvPr>
-            <p:cNvPicPr>
-              <a:picLocks noChangeAspect="1"/>
-            </p:cNvPicPr>
-            <p:nvPr/>
-          </p:nvPicPr>
-          <p:blipFill>
-            <a:blip r:embed="rId10">
-              <a:extLst>
-                <a:ext uri="{28A0092B-C50C-407E-A947-70E740481C1C}">
-                  <a14:useLocalDpi xmlns:a14="http://schemas.microsoft.com/office/drawing/2010/main" val="0"/>
-                </a:ext>
-              </a:extLst>
-            </a:blip>
-            <a:stretch>
-              <a:fillRect/>
-            </a:stretch>
-          </p:blipFill>
-          <p:spPr>
-            <a:xfrm>
-              <a:off x="3902175" y="2938616"/>
-              <a:ext cx="1123788" cy="1123788"/>
-            </a:xfrm>
-            <a:prstGeom prst="rect">
-              <a:avLst/>
-            </a:prstGeom>
-          </p:spPr>
-        </p:pic>
-        <p:sp>
-          <p:nvSpPr>
-            <p:cNvPr id="27" name="文本框 26">
-              <a:extLst>
-                <a:ext uri="{FF2B5EF4-FFF2-40B4-BE49-F238E27FC236}">
-                  <a16:creationId xmlns:a16="http://schemas.microsoft.com/office/drawing/2014/main" id="{430AD496-C1E7-4981-9235-6DA32A812227}"/>
-                </a:ext>
-              </a:extLst>
-            </p:cNvPr>
-            <p:cNvSpPr txBox="1"/>
-            <p:nvPr/>
-          </p:nvSpPr>
-          <p:spPr>
-            <a:xfrm>
-              <a:off x="5733798" y="3208123"/>
-              <a:ext cx="3118802" cy="615553"/>
-            </a:xfrm>
-            <a:prstGeom prst="rect">
-              <a:avLst/>
-            </a:prstGeom>
-            <a:noFill/>
-          </p:spPr>
-          <p:txBody>
-            <a:bodyPr wrap="none" rtlCol="0">
-              <a:spAutoFit/>
-            </a:bodyPr>
-            <a:lstStyle/>
-            <a:p>
-              <a:r>
-                <a:rPr lang="zh-CN" altLang="en-US" sz="2400" dirty="0">
-                  <a:latin typeface="微软雅黑" panose="020B0503020204020204" pitchFamily="34" charset="-122"/>
-                  <a:ea typeface="微软雅黑" panose="020B0503020204020204" pitchFamily="34" charset="-122"/>
-                </a:rPr>
-                <a:t>社团排课班系统</a:t>
-              </a:r>
-            </a:p>
-          </p:txBody>
-        </p:sp>
-      </p:grpSp>
       <p:grpSp>
         <p:nvGrpSpPr>
           <p:cNvPr id="28" name="组合 27">
@@ -4425,7 +3906,7 @@
               <p:nvPr/>
             </p:nvPicPr>
             <p:blipFill>
-              <a:blip r:embed="rId10">
+              <a:blip r:embed="rId6">
                 <a:extLst>
                   <a:ext uri="{28A0092B-C50C-407E-A947-70E740481C1C}">
                     <a14:useLocalDpi xmlns:a14="http://schemas.microsoft.com/office/drawing/2010/main" val="0"/>
@@ -4520,11 +4001,11 @@
               <p:nvPr/>
             </p:nvPicPr>
             <p:blipFill>
-              <a:blip r:embed="rId8">
+              <a:blip r:embed="rId7">
                 <a:extLst>
                   <a:ext uri="{BEBA8EAE-BF5A-486C-A8C5-ECC9F3942E4B}">
                     <a14:imgProps xmlns:a14="http://schemas.microsoft.com/office/drawing/2010/main">
-                      <a14:imgLayer r:embed="rId9">
+                      <a14:imgLayer r:embed="rId8">
                         <a14:imgEffect>
                           <a14:backgroundRemoval t="10000" b="90000" l="10000" r="90000">
                             <a14:foregroundMark x1="43750" y1="84375" x2="53125" y2="88281"/>
@@ -4669,11 +4150,11 @@
               <p:nvPr/>
             </p:nvPicPr>
             <p:blipFill>
-              <a:blip r:embed="rId6">
+              <a:blip r:embed="rId9">
                 <a:extLst>
                   <a:ext uri="{BEBA8EAE-BF5A-486C-A8C5-ECC9F3942E4B}">
                     <a14:imgProps xmlns:a14="http://schemas.microsoft.com/office/drawing/2010/main">
-                      <a14:imgLayer r:embed="rId7">
+                      <a14:imgLayer r:embed="rId10">
                         <a14:imgEffect>
                           <a14:artisticPaintStrokes/>
                         </a14:imgEffect>
@@ -4996,7 +4477,7 @@
                                           </p:stCondLst>
                                         </p:cTn>
                                         <p:tgtEl>
-                                          <p:spTgt spid="3"/>
+                                          <p:spTgt spid="8"/>
                                         </p:tgtEl>
                                         <p:attrNameLst>
                                           <p:attrName>style.visibility</p:attrName>
@@ -5010,7 +4491,7 @@
                                       <p:cBhvr>
                                         <p:cTn id="7" dur="500"/>
                                         <p:tgtEl>
-                                          <p:spTgt spid="3"/>
+                                          <p:spTgt spid="8"/>
                                         </p:tgtEl>
                                       </p:cBhvr>
                                     </p:animEffect>
@@ -5036,226 +4517,14 @@
                             </p:stCondLst>
                             <p:childTnLst>
                               <p:par>
-                                <p:cTn id="10" presetID="10" presetClass="exit" presetSubtype="0" fill="hold" nodeType="clickEffect">
-                                  <p:stCondLst>
-                                    <p:cond delay="0"/>
-                                  </p:stCondLst>
-                                  <p:childTnLst>
-                                    <p:animEffect transition="out" filter="fade">
-                                      <p:cBhvr>
-                                        <p:cTn id="11" dur="500"/>
-                                        <p:tgtEl>
-                                          <p:spTgt spid="3"/>
-                                        </p:tgtEl>
-                                      </p:cBhvr>
-                                    </p:animEffect>
-                                    <p:set>
-                                      <p:cBhvr>
-                                        <p:cTn id="12" dur="1" fill="hold">
-                                          <p:stCondLst>
-                                            <p:cond delay="499"/>
-                                          </p:stCondLst>
-                                        </p:cTn>
-                                        <p:tgtEl>
-                                          <p:spTgt spid="3"/>
-                                        </p:tgtEl>
-                                        <p:attrNameLst>
-                                          <p:attrName>style.visibility</p:attrName>
-                                        </p:attrNameLst>
-                                      </p:cBhvr>
-                                      <p:to>
-                                        <p:strVal val="hidden"/>
-                                      </p:to>
-                                    </p:set>
-                                  </p:childTnLst>
-                                </p:cTn>
-                              </p:par>
-                            </p:childTnLst>
-                          </p:cTn>
-                        </p:par>
-                      </p:childTnLst>
-                    </p:cTn>
-                  </p:par>
-                  <p:par>
-                    <p:cTn id="13" fill="hold">
-                      <p:stCondLst>
-                        <p:cond delay="indefinite"/>
-                      </p:stCondLst>
-                      <p:childTnLst>
-                        <p:par>
-                          <p:cTn id="14" fill="hold">
-                            <p:stCondLst>
-                              <p:cond delay="0"/>
-                            </p:stCondLst>
-                            <p:childTnLst>
-                              <p:par>
-                                <p:cTn id="15" presetID="10" presetClass="entr" presetSubtype="0" fill="hold" nodeType="clickEffect">
-                                  <p:stCondLst>
-                                    <p:cond delay="0"/>
-                                  </p:stCondLst>
-                                  <p:childTnLst>
-                                    <p:set>
-                                      <p:cBhvr>
-                                        <p:cTn id="16" dur="1" fill="hold">
-                                          <p:stCondLst>
-                                            <p:cond delay="0"/>
-                                          </p:stCondLst>
-                                        </p:cTn>
-                                        <p:tgtEl>
-                                          <p:spTgt spid="5"/>
-                                        </p:tgtEl>
-                                        <p:attrNameLst>
-                                          <p:attrName>style.visibility</p:attrName>
-                                        </p:attrNameLst>
-                                      </p:cBhvr>
-                                      <p:to>
-                                        <p:strVal val="visible"/>
-                                      </p:to>
-                                    </p:set>
-                                    <p:animEffect transition="in" filter="fade">
-                                      <p:cBhvr>
-                                        <p:cTn id="17" dur="500"/>
-                                        <p:tgtEl>
-                                          <p:spTgt spid="5"/>
-                                        </p:tgtEl>
-                                      </p:cBhvr>
-                                    </p:animEffect>
-                                  </p:childTnLst>
-                                </p:cTn>
-                              </p:par>
-                            </p:childTnLst>
-                          </p:cTn>
-                        </p:par>
-                      </p:childTnLst>
-                    </p:cTn>
-                  </p:par>
-                  <p:par>
-                    <p:cTn id="18" fill="hold">
-                      <p:stCondLst>
-                        <p:cond delay="indefinite"/>
-                      </p:stCondLst>
-                      <p:childTnLst>
-                        <p:par>
-                          <p:cTn id="19" fill="hold">
-                            <p:stCondLst>
-                              <p:cond delay="0"/>
-                            </p:stCondLst>
-                            <p:childTnLst>
-                              <p:par>
-                                <p:cTn id="20" presetID="10" presetClass="exit" presetSubtype="0" fill="hold" nodeType="clickEffect">
-                                  <p:stCondLst>
-                                    <p:cond delay="0"/>
-                                  </p:stCondLst>
-                                  <p:childTnLst>
-                                    <p:animEffect transition="out" filter="fade">
-                                      <p:cBhvr>
-                                        <p:cTn id="21" dur="500"/>
-                                        <p:tgtEl>
-                                          <p:spTgt spid="5"/>
-                                        </p:tgtEl>
-                                      </p:cBhvr>
-                                    </p:animEffect>
-                                    <p:set>
-                                      <p:cBhvr>
-                                        <p:cTn id="22" dur="1" fill="hold">
-                                          <p:stCondLst>
-                                            <p:cond delay="499"/>
-                                          </p:stCondLst>
-                                        </p:cTn>
-                                        <p:tgtEl>
-                                          <p:spTgt spid="5"/>
-                                        </p:tgtEl>
-                                        <p:attrNameLst>
-                                          <p:attrName>style.visibility</p:attrName>
-                                        </p:attrNameLst>
-                                      </p:cBhvr>
-                                      <p:to>
-                                        <p:strVal val="hidden"/>
-                                      </p:to>
-                                    </p:set>
-                                  </p:childTnLst>
-                                </p:cTn>
-                              </p:par>
-                            </p:childTnLst>
-                          </p:cTn>
-                        </p:par>
-                      </p:childTnLst>
-                    </p:cTn>
-                  </p:par>
-                  <p:par>
-                    <p:cTn id="23" fill="hold">
-                      <p:stCondLst>
-                        <p:cond delay="indefinite"/>
-                      </p:stCondLst>
-                      <p:childTnLst>
-                        <p:par>
-                          <p:cTn id="24" fill="hold">
-                            <p:stCondLst>
-                              <p:cond delay="0"/>
-                            </p:stCondLst>
-                            <p:childTnLst>
-                              <p:par>
-                                <p:cTn id="25" presetID="10" presetClass="entr" presetSubtype="0" fill="hold" nodeType="clickEffect">
-                                  <p:stCondLst>
-                                    <p:cond delay="0"/>
-                                  </p:stCondLst>
-                                  <p:childTnLst>
-                                    <p:set>
-                                      <p:cBhvr>
-                                        <p:cTn id="26" dur="1" fill="hold">
-                                          <p:stCondLst>
-                                            <p:cond delay="0"/>
-                                          </p:stCondLst>
-                                        </p:cTn>
-                                        <p:tgtEl>
-                                          <p:spTgt spid="8"/>
-                                        </p:tgtEl>
-                                        <p:attrNameLst>
-                                          <p:attrName>style.visibility</p:attrName>
-                                        </p:attrNameLst>
-                                      </p:cBhvr>
-                                      <p:to>
-                                        <p:strVal val="visible"/>
-                                      </p:to>
-                                    </p:set>
-                                    <p:animEffect transition="in" filter="fade">
-                                      <p:cBhvr>
-                                        <p:cTn id="27" dur="500"/>
-                                        <p:tgtEl>
-                                          <p:spTgt spid="8"/>
-                                        </p:tgtEl>
-                                      </p:cBhvr>
-                                    </p:animEffect>
-                                  </p:childTnLst>
-                                </p:cTn>
-                              </p:par>
-                            </p:childTnLst>
-                          </p:cTn>
-                        </p:par>
-                      </p:childTnLst>
-                    </p:cTn>
-                  </p:par>
-                  <p:par>
-                    <p:cTn id="28" fill="hold">
-                      <p:stCondLst>
-                        <p:cond delay="indefinite"/>
-                      </p:stCondLst>
-                      <p:childTnLst>
-                        <p:par>
-                          <p:cTn id="29" fill="hold">
-                            <p:stCondLst>
-                              <p:cond delay="0"/>
-                            </p:stCondLst>
-                            <p:childTnLst>
-                              <p:par>
-                                <p:cTn id="30" presetID="42" presetClass="path" presetSubtype="0" accel="50000" decel="50000" fill="hold" nodeType="clickEffect">
+                                <p:cTn id="10" presetID="42" presetClass="path" presetSubtype="0" accel="50000" decel="50000" fill="hold" nodeType="clickEffect">
                                   <p:stCondLst>
                                     <p:cond delay="0"/>
                                   </p:stCondLst>
                                   <p:childTnLst>
                                     <p:animMotion origin="layout" path="M -5.55556E-7 0 L -0.18281 0 " pathEditMode="relative" rAng="0" ptsTypes="AA">
                                       <p:cBhvr>
-                                        <p:cTn id="31" dur="2000" fill="hold"/>
+                                        <p:cTn id="11" dur="2000" fill="hold"/>
                                         <p:tgtEl>
                                           <p:spTgt spid="8"/>
                                         </p:tgtEl>
@@ -5276,26 +4545,26 @@
                     </p:cTn>
                   </p:par>
                   <p:par>
-                    <p:cTn id="32" fill="hold">
+                    <p:cTn id="12" fill="hold">
                       <p:stCondLst>
                         <p:cond delay="indefinite"/>
                       </p:stCondLst>
                       <p:childTnLst>
                         <p:par>
-                          <p:cTn id="33" fill="hold">
+                          <p:cTn id="13" fill="hold">
                             <p:stCondLst>
                               <p:cond delay="0"/>
                             </p:stCondLst>
                             <p:childTnLst>
                               <p:par>
-                                <p:cTn id="34" presetID="10" presetClass="entr" presetSubtype="0" fill="hold" grpId="0" nodeType="clickEffect">
+                                <p:cTn id="14" presetID="10" presetClass="entr" presetSubtype="0" fill="hold" grpId="0" nodeType="clickEffect">
                                   <p:stCondLst>
                                     <p:cond delay="0"/>
                                   </p:stCondLst>
                                   <p:childTnLst>
                                     <p:set>
                                       <p:cBhvr>
-                                        <p:cTn id="35" dur="1" fill="hold">
+                                        <p:cTn id="15" dur="1" fill="hold">
                                           <p:stCondLst>
                                             <p:cond delay="0"/>
                                           </p:stCondLst>
@@ -5313,7 +4582,7 @@
                                     </p:set>
                                     <p:animEffect transition="in" filter="fade">
                                       <p:cBhvr>
-                                        <p:cTn id="36" dur="500"/>
+                                        <p:cTn id="16" dur="500"/>
                                         <p:tgtEl>
                                           <p:spTgt spid="15"/>
                                         </p:tgtEl>
@@ -5329,26 +4598,26 @@
                     </p:cTn>
                   </p:par>
                   <p:par>
-                    <p:cTn id="37" fill="hold">
+                    <p:cTn id="17" fill="hold">
                       <p:stCondLst>
                         <p:cond delay="indefinite"/>
                       </p:stCondLst>
                       <p:childTnLst>
                         <p:par>
-                          <p:cTn id="38" fill="hold">
+                          <p:cTn id="18" fill="hold">
                             <p:stCondLst>
                               <p:cond delay="0"/>
                             </p:stCondLst>
                             <p:childTnLst>
                               <p:par>
-                                <p:cTn id="39" presetID="10" presetClass="exit" presetSubtype="0" fill="hold" nodeType="clickEffect">
+                                <p:cTn id="19" presetID="10" presetClass="exit" presetSubtype="0" fill="hold" nodeType="clickEffect">
                                   <p:stCondLst>
                                     <p:cond delay="0"/>
                                   </p:stCondLst>
                                   <p:childTnLst>
                                     <p:animEffect transition="out" filter="fade">
                                       <p:cBhvr>
-                                        <p:cTn id="40" dur="500"/>
+                                        <p:cTn id="20" dur="500"/>
                                         <p:tgtEl>
                                           <p:spTgt spid="8"/>
                                         </p:tgtEl>
@@ -5356,7 +4625,7 @@
                                     </p:animEffect>
                                     <p:set>
                                       <p:cBhvr>
-                                        <p:cTn id="41" dur="1" fill="hold">
+                                        <p:cTn id="21" dur="1" fill="hold">
                                           <p:stCondLst>
                                             <p:cond delay="499"/>
                                           </p:stCondLst>
@@ -5376,14 +4645,14 @@
                                 </p:cTn>
                               </p:par>
                               <p:par>
-                                <p:cTn id="42" presetID="10" presetClass="exit" presetSubtype="0" fill="hold" grpId="1" nodeType="withEffect">
+                                <p:cTn id="22" presetID="10" presetClass="exit" presetSubtype="0" fill="hold" grpId="1" nodeType="withEffect">
                                   <p:stCondLst>
                                     <p:cond delay="0"/>
                                   </p:stCondLst>
                                   <p:childTnLst>
                                     <p:animEffect transition="out" filter="fade">
                                       <p:cBhvr>
-                                        <p:cTn id="43" dur="500"/>
+                                        <p:cTn id="23" dur="500"/>
                                         <p:tgtEl>
                                           <p:spTgt spid="15"/>
                                         </p:tgtEl>
@@ -5391,7 +4660,7 @@
                                     </p:animEffect>
                                     <p:set>
                                       <p:cBhvr>
-                                        <p:cTn id="44" dur="1" fill="hold">
+                                        <p:cTn id="24" dur="1" fill="hold">
                                           <p:stCondLst>
                                             <p:cond delay="499"/>
                                           </p:stCondLst>
@@ -5417,344 +4686,26 @@
                     </p:cTn>
                   </p:par>
                   <p:par>
-                    <p:cTn id="45" fill="hold">
+                    <p:cTn id="25" fill="hold">
                       <p:stCondLst>
                         <p:cond delay="indefinite"/>
                       </p:stCondLst>
                       <p:childTnLst>
                         <p:par>
-                          <p:cTn id="46" fill="hold">
+                          <p:cTn id="26" fill="hold">
                             <p:stCondLst>
                               <p:cond delay="0"/>
                             </p:stCondLst>
                             <p:childTnLst>
                               <p:par>
-                                <p:cTn id="47" presetID="10" presetClass="entr" presetSubtype="0" fill="hold" nodeType="clickEffect">
+                                <p:cTn id="27" presetID="10" presetClass="entr" presetSubtype="0" fill="hold" nodeType="clickEffect">
                                   <p:stCondLst>
                                     <p:cond delay="0"/>
                                   </p:stCondLst>
                                   <p:childTnLst>
                                     <p:set>
                                       <p:cBhvr>
-                                        <p:cTn id="48" dur="1" fill="hold">
-                                          <p:stCondLst>
-                                            <p:cond delay="0"/>
-                                          </p:stCondLst>
-                                        </p:cTn>
-                                        <p:tgtEl>
-                                          <p:spTgt spid="16"/>
-                                        </p:tgtEl>
-                                        <p:attrNameLst>
-                                          <p:attrName>style.visibility</p:attrName>
-                                        </p:attrNameLst>
-                                      </p:cBhvr>
-                                      <p:to>
-                                        <p:strVal val="visible"/>
-                                      </p:to>
-                                    </p:set>
-                                    <p:animEffect transition="in" filter="fade">
-                                      <p:cBhvr>
-                                        <p:cTn id="49" dur="500"/>
-                                        <p:tgtEl>
-                                          <p:spTgt spid="16"/>
-                                        </p:tgtEl>
-                                      </p:cBhvr>
-                                    </p:animEffect>
-                                  </p:childTnLst>
-                                </p:cTn>
-                              </p:par>
-                            </p:childTnLst>
-                          </p:cTn>
-                        </p:par>
-                      </p:childTnLst>
-                    </p:cTn>
-                  </p:par>
-                  <p:par>
-                    <p:cTn id="50" fill="hold">
-                      <p:stCondLst>
-                        <p:cond delay="indefinite"/>
-                      </p:stCondLst>
-                      <p:childTnLst>
-                        <p:par>
-                          <p:cTn id="51" fill="hold">
-                            <p:stCondLst>
-                              <p:cond delay="0"/>
-                            </p:stCondLst>
-                            <p:childTnLst>
-                              <p:par>
-                                <p:cTn id="52" presetID="10" presetClass="exit" presetSubtype="0" fill="hold" nodeType="clickEffect">
-                                  <p:stCondLst>
-                                    <p:cond delay="0"/>
-                                  </p:stCondLst>
-                                  <p:childTnLst>
-                                    <p:animEffect transition="out" filter="fade">
-                                      <p:cBhvr>
-                                        <p:cTn id="53" dur="500"/>
-                                        <p:tgtEl>
-                                          <p:spTgt spid="16"/>
-                                        </p:tgtEl>
-                                      </p:cBhvr>
-                                    </p:animEffect>
-                                    <p:set>
-                                      <p:cBhvr>
-                                        <p:cTn id="54" dur="1" fill="hold">
-                                          <p:stCondLst>
-                                            <p:cond delay="499"/>
-                                          </p:stCondLst>
-                                        </p:cTn>
-                                        <p:tgtEl>
-                                          <p:spTgt spid="16"/>
-                                        </p:tgtEl>
-                                        <p:attrNameLst>
-                                          <p:attrName>style.visibility</p:attrName>
-                                        </p:attrNameLst>
-                                      </p:cBhvr>
-                                      <p:to>
-                                        <p:strVal val="hidden"/>
-                                      </p:to>
-                                    </p:set>
-                                  </p:childTnLst>
-                                </p:cTn>
-                              </p:par>
-                            </p:childTnLst>
-                          </p:cTn>
-                        </p:par>
-                      </p:childTnLst>
-                    </p:cTn>
-                  </p:par>
-                  <p:par>
-                    <p:cTn id="55" fill="hold">
-                      <p:stCondLst>
-                        <p:cond delay="indefinite"/>
-                      </p:stCondLst>
-                      <p:childTnLst>
-                        <p:par>
-                          <p:cTn id="56" fill="hold">
-                            <p:stCondLst>
-                              <p:cond delay="0"/>
-                            </p:stCondLst>
-                            <p:childTnLst>
-                              <p:par>
-                                <p:cTn id="57" presetID="10" presetClass="entr" presetSubtype="0" fill="hold" nodeType="clickEffect">
-                                  <p:stCondLst>
-                                    <p:cond delay="0"/>
-                                  </p:stCondLst>
-                                  <p:childTnLst>
-                                    <p:set>
-                                      <p:cBhvr>
-                                        <p:cTn id="58" dur="1" fill="hold">
-                                          <p:stCondLst>
-                                            <p:cond delay="0"/>
-                                          </p:stCondLst>
-                                        </p:cTn>
-                                        <p:tgtEl>
-                                          <p:spTgt spid="22"/>
-                                        </p:tgtEl>
-                                        <p:attrNameLst>
-                                          <p:attrName>style.visibility</p:attrName>
-                                        </p:attrNameLst>
-                                      </p:cBhvr>
-                                      <p:to>
-                                        <p:strVal val="visible"/>
-                                      </p:to>
-                                    </p:set>
-                                    <p:animEffect transition="in" filter="fade">
-                                      <p:cBhvr>
-                                        <p:cTn id="59" dur="500"/>
-                                        <p:tgtEl>
-                                          <p:spTgt spid="22"/>
-                                        </p:tgtEl>
-                                      </p:cBhvr>
-                                    </p:animEffect>
-                                  </p:childTnLst>
-                                </p:cTn>
-                              </p:par>
-                            </p:childTnLst>
-                          </p:cTn>
-                        </p:par>
-                      </p:childTnLst>
-                    </p:cTn>
-                  </p:par>
-                  <p:par>
-                    <p:cTn id="60" fill="hold">
-                      <p:stCondLst>
-                        <p:cond delay="indefinite"/>
-                      </p:stCondLst>
-                      <p:childTnLst>
-                        <p:par>
-                          <p:cTn id="61" fill="hold">
-                            <p:stCondLst>
-                              <p:cond delay="0"/>
-                            </p:stCondLst>
-                            <p:childTnLst>
-                              <p:par>
-                                <p:cTn id="62" presetID="10" presetClass="exit" presetSubtype="0" fill="hold" nodeType="clickEffect">
-                                  <p:stCondLst>
-                                    <p:cond delay="0"/>
-                                  </p:stCondLst>
-                                  <p:childTnLst>
-                                    <p:animEffect transition="out" filter="fade">
-                                      <p:cBhvr>
-                                        <p:cTn id="63" dur="500"/>
-                                        <p:tgtEl>
-                                          <p:spTgt spid="22"/>
-                                        </p:tgtEl>
-                                      </p:cBhvr>
-                                    </p:animEffect>
-                                    <p:set>
-                                      <p:cBhvr>
-                                        <p:cTn id="64" dur="1" fill="hold">
-                                          <p:stCondLst>
-                                            <p:cond delay="499"/>
-                                          </p:stCondLst>
-                                        </p:cTn>
-                                        <p:tgtEl>
-                                          <p:spTgt spid="22"/>
-                                        </p:tgtEl>
-                                        <p:attrNameLst>
-                                          <p:attrName>style.visibility</p:attrName>
-                                        </p:attrNameLst>
-                                      </p:cBhvr>
-                                      <p:to>
-                                        <p:strVal val="hidden"/>
-                                      </p:to>
-                                    </p:set>
-                                  </p:childTnLst>
-                                </p:cTn>
-                              </p:par>
-                            </p:childTnLst>
-                          </p:cTn>
-                        </p:par>
-                      </p:childTnLst>
-                    </p:cTn>
-                  </p:par>
-                  <p:par>
-                    <p:cTn id="65" fill="hold">
-                      <p:stCondLst>
-                        <p:cond delay="indefinite"/>
-                      </p:stCondLst>
-                      <p:childTnLst>
-                        <p:par>
-                          <p:cTn id="66" fill="hold">
-                            <p:stCondLst>
-                              <p:cond delay="0"/>
-                            </p:stCondLst>
-                            <p:childTnLst>
-                              <p:par>
-                                <p:cTn id="67" presetID="10" presetClass="entr" presetSubtype="0" fill="hold" nodeType="clickEffect">
-                                  <p:stCondLst>
-                                    <p:cond delay="0"/>
-                                  </p:stCondLst>
-                                  <p:childTnLst>
-                                    <p:set>
-                                      <p:cBhvr>
-                                        <p:cTn id="68" dur="1" fill="hold">
-                                          <p:stCondLst>
-                                            <p:cond delay="0"/>
-                                          </p:stCondLst>
-                                        </p:cTn>
-                                        <p:tgtEl>
-                                          <p:spTgt spid="25"/>
-                                        </p:tgtEl>
-                                        <p:attrNameLst>
-                                          <p:attrName>style.visibility</p:attrName>
-                                        </p:attrNameLst>
-                                      </p:cBhvr>
-                                      <p:to>
-                                        <p:strVal val="visible"/>
-                                      </p:to>
-                                    </p:set>
-                                    <p:animEffect transition="in" filter="fade">
-                                      <p:cBhvr>
-                                        <p:cTn id="69" dur="500"/>
-                                        <p:tgtEl>
-                                          <p:spTgt spid="25"/>
-                                        </p:tgtEl>
-                                      </p:cBhvr>
-                                    </p:animEffect>
-                                  </p:childTnLst>
-                                </p:cTn>
-                              </p:par>
-                            </p:childTnLst>
-                          </p:cTn>
-                        </p:par>
-                      </p:childTnLst>
-                    </p:cTn>
-                  </p:par>
-                  <p:par>
-                    <p:cTn id="70" fill="hold">
-                      <p:stCondLst>
-                        <p:cond delay="indefinite"/>
-                      </p:stCondLst>
-                      <p:childTnLst>
-                        <p:par>
-                          <p:cTn id="71" fill="hold">
-                            <p:stCondLst>
-                              <p:cond delay="0"/>
-                            </p:stCondLst>
-                            <p:childTnLst>
-                              <p:par>
-                                <p:cTn id="72" presetID="10" presetClass="exit" presetSubtype="0" fill="hold" nodeType="clickEffect">
-                                  <p:stCondLst>
-                                    <p:cond delay="0"/>
-                                  </p:stCondLst>
-                                  <p:childTnLst>
-                                    <p:animEffect transition="out" filter="fade">
-                                      <p:cBhvr>
-                                        <p:cTn id="73" dur="500"/>
-                                        <p:tgtEl>
-                                          <p:spTgt spid="25"/>
-                                        </p:tgtEl>
-                                      </p:cBhvr>
-                                    </p:animEffect>
-                                    <p:set>
-                                      <p:cBhvr>
-                                        <p:cTn id="74" dur="1" fill="hold">
-                                          <p:stCondLst>
-                                            <p:cond delay="499"/>
-                                          </p:stCondLst>
-                                        </p:cTn>
-                                        <p:tgtEl>
-                                          <p:spTgt spid="25"/>
-                                        </p:tgtEl>
-                                        <p:attrNameLst>
-                                          <p:attrName>style.visibility</p:attrName>
-                                        </p:attrNameLst>
-                                      </p:cBhvr>
-                                      <p:to>
-                                        <p:strVal val="hidden"/>
-                                      </p:to>
-                                    </p:set>
-                                  </p:childTnLst>
-                                </p:cTn>
-                              </p:par>
-                            </p:childTnLst>
-                          </p:cTn>
-                        </p:par>
-                      </p:childTnLst>
-                    </p:cTn>
-                  </p:par>
-                  <p:par>
-                    <p:cTn id="75" fill="hold">
-                      <p:stCondLst>
-                        <p:cond delay="indefinite"/>
-                      </p:stCondLst>
-                      <p:childTnLst>
-                        <p:par>
-                          <p:cTn id="76" fill="hold">
-                            <p:stCondLst>
-                              <p:cond delay="0"/>
-                            </p:stCondLst>
-                            <p:childTnLst>
-                              <p:par>
-                                <p:cTn id="77" presetID="10" presetClass="entr" presetSubtype="0" fill="hold" nodeType="clickEffect">
-                                  <p:stCondLst>
-                                    <p:cond delay="0"/>
-                                  </p:stCondLst>
-                                  <p:childTnLst>
-                                    <p:set>
-                                      <p:cBhvr>
-                                        <p:cTn id="78" dur="1" fill="hold">
+                                        <p:cTn id="28" dur="1" fill="hold">
                                           <p:stCondLst>
                                             <p:cond delay="0"/>
                                           </p:stCondLst>
@@ -5772,7 +4723,7 @@
                                     </p:set>
                                     <p:animEffect transition="in" filter="fade">
                                       <p:cBhvr>
-                                        <p:cTn id="79" dur="500"/>
+                                        <p:cTn id="29" dur="500"/>
                                         <p:tgtEl>
                                           <p:spTgt spid="28"/>
                                         </p:tgtEl>
@@ -5788,26 +4739,26 @@
                     </p:cTn>
                   </p:par>
                   <p:par>
-                    <p:cTn id="80" fill="hold">
+                    <p:cTn id="30" fill="hold">
                       <p:stCondLst>
                         <p:cond delay="indefinite"/>
                       </p:stCondLst>
                       <p:childTnLst>
                         <p:par>
-                          <p:cTn id="81" fill="hold">
+                          <p:cTn id="31" fill="hold">
                             <p:stCondLst>
                               <p:cond delay="0"/>
                             </p:stCondLst>
                             <p:childTnLst>
                               <p:par>
-                                <p:cTn id="82" presetID="42" presetClass="path" presetSubtype="0" accel="50000" decel="50000" fill="hold" nodeType="clickEffect">
+                                <p:cTn id="32" presetID="42" presetClass="path" presetSubtype="0" accel="50000" decel="50000" fill="hold" nodeType="clickEffect">
                                   <p:stCondLst>
                                     <p:cond delay="0"/>
                                   </p:stCondLst>
                                   <p:childTnLst>
                                     <p:animMotion origin="layout" path="M 2.77778E-6 0 L -0.13125 -0.00278 " pathEditMode="relative" rAng="0" ptsTypes="AA">
                                       <p:cBhvr>
-                                        <p:cTn id="83" dur="2000" fill="hold"/>
+                                        <p:cTn id="33" dur="2000" fill="hold"/>
                                         <p:tgtEl>
                                           <p:spTgt spid="28"/>
                                         </p:tgtEl>
@@ -5828,26 +4779,26 @@
                     </p:cTn>
                   </p:par>
                   <p:par>
-                    <p:cTn id="84" fill="hold">
+                    <p:cTn id="34" fill="hold">
                       <p:stCondLst>
                         <p:cond delay="indefinite"/>
                       </p:stCondLst>
                       <p:childTnLst>
                         <p:par>
-                          <p:cTn id="85" fill="hold">
+                          <p:cTn id="35" fill="hold">
                             <p:stCondLst>
                               <p:cond delay="0"/>
                             </p:stCondLst>
                             <p:childTnLst>
                               <p:par>
-                                <p:cTn id="86" presetID="10" presetClass="entr" presetSubtype="0" fill="hold" grpId="0" nodeType="clickEffect">
+                                <p:cTn id="36" presetID="10" presetClass="entr" presetSubtype="0" fill="hold" grpId="0" nodeType="clickEffect">
                                   <p:stCondLst>
                                     <p:cond delay="0"/>
                                   </p:stCondLst>
                                   <p:childTnLst>
                                     <p:set>
                                       <p:cBhvr>
-                                        <p:cTn id="87" dur="1" fill="hold">
+                                        <p:cTn id="37" dur="1" fill="hold">
                                           <p:stCondLst>
                                             <p:cond delay="0"/>
                                           </p:stCondLst>
@@ -5865,7 +4816,7 @@
                                     </p:set>
                                     <p:animEffect transition="in" filter="fade">
                                       <p:cBhvr>
-                                        <p:cTn id="88" dur="500"/>
+                                        <p:cTn id="38" dur="500"/>
                                         <p:tgtEl>
                                           <p:spTgt spid="38"/>
                                         </p:tgtEl>
@@ -8770,7 +7721,7 @@
         <p:spPr>
           <a:xfrm>
             <a:off x="6328175" y="2684419"/>
-            <a:ext cx="1837803" cy="2793072"/>
+            <a:ext cx="1837803" cy="2585323"/>
           </a:xfrm>
           <a:prstGeom prst="rect">
             <a:avLst/>
@@ -8790,9 +7741,6 @@
               <a:rPr lang="zh-CN" altLang="en-US" sz="1350" dirty="0"/>
               <a:t>是一套用于构建用户界面的渐进式框架。</a:t>
             </a:r>
-            <a:endParaRPr lang="en-US" altLang="zh-CN" sz="1350" dirty="0"/>
-          </a:p>
-          <a:p>
             <a:endParaRPr lang="en-US" altLang="zh-CN" sz="1350" dirty="0"/>
           </a:p>
           <a:p>
